--- a/RSA_Crypto_罗楷轩.pptx
+++ b/RSA_Crypto_罗楷轩.pptx
@@ -1,8 +1,8 @@
 
 <file path=ppt/presentation.xml><?xml version="1.0" encoding="utf-8"?>
-<p:presentation xmlns:a="http://schemas.openxmlformats.org/drawingml/2006/main" xmlns:r="http://schemas.openxmlformats.org/officeDocument/2006/relationships" xmlns:p="http://schemas.openxmlformats.org/presentationml/2006/main" saveSubsetFonts="1">
+<p:presentation xmlns:a="http://schemas.openxmlformats.org/drawingml/2006/main" xmlns:r="http://schemas.openxmlformats.org/officeDocument/2006/relationships" xmlns:p="http://schemas.openxmlformats.org/presentationml/2006/main">
   <p:sldMasterIdLst>
-    <p:sldMasterId id="2147483672" r:id="rId1"/>
+    <p:sldMasterId id="2147483648" r:id="rId1"/>
   </p:sldMasterIdLst>
   <p:notesMasterIdLst>
     <p:notesMasterId r:id="rId18"/>
@@ -125,32 +125,32 @@
   <p:extLst>
     <p:ext uri="{EFAFB233-063F-42B5-8137-9DF3F51BA10A}">
       <p15:sldGuideLst xmlns:p15="http://schemas.microsoft.com/office/powerpoint/2012/main">
-        <p15:guide id="1" orient="horz" pos="2160" userDrawn="1">
+        <p15:guide id="1" orient="horz" pos="2160">
           <p15:clr>
             <a:srgbClr val="A4A3A4"/>
           </p15:clr>
         </p15:guide>
-        <p15:guide id="2" pos="2880" userDrawn="1">
+        <p15:guide id="2" pos="2880">
           <p15:clr>
             <a:srgbClr val="A4A3A4"/>
           </p15:clr>
         </p15:guide>
-        <p15:guide id="3" pos="5432" userDrawn="1">
+        <p15:guide id="3" pos="5432">
           <p15:clr>
             <a:srgbClr val="A4A3A4"/>
           </p15:clr>
         </p15:guide>
-        <p15:guide id="4" pos="329" userDrawn="1">
+        <p15:guide id="4" pos="329">
           <p15:clr>
             <a:srgbClr val="A4A3A4"/>
           </p15:clr>
         </p15:guide>
-        <p15:guide id="5" orient="horz" pos="346" userDrawn="1">
+        <p15:guide id="5" orient="horz" pos="346">
           <p15:clr>
             <a:srgbClr val="A4A3A4"/>
           </p15:clr>
         </p15:guide>
-        <p15:guide id="6" orient="horz" pos="3952" userDrawn="1">
+        <p15:guide id="6" orient="horz" pos="3952">
           <p15:clr>
             <a:srgbClr val="A4A3A4"/>
           </p15:clr>
@@ -243,7 +243,7 @@
           <a:p>
             <a:fld id="{C631EDF8-97C7-44E2-9310-9512274EED47}" type="datetimeFigureOut">
               <a:rPr lang="zh-CN" altLang="en-US" smtClean="0"/>
-              <a:t>2019/4/7</a:t>
+              <a:t>2019/4/8</a:t>
             </a:fld>
             <a:endParaRPr lang="zh-CN" altLang="en-US"/>
           </a:p>
@@ -408,11 +408,6 @@
         </p:txBody>
       </p:sp>
     </p:spTree>
-    <p:extLst>
-      <p:ext uri="{BB962C8B-B14F-4D97-AF65-F5344CB8AC3E}">
-        <p14:creationId xmlns:p14="http://schemas.microsoft.com/office/powerpoint/2010/main" val="755535768"/>
-      </p:ext>
-    </p:extLst>
   </p:cSld>
   <p:clrMap bg1="lt1" tx1="dk1" bg2="lt2" tx2="dk2" accent1="accent1" accent2="accent2" accent3="accent3" accent4="accent4" accent5="accent5" accent6="accent6" hlink="hlink" folHlink="folHlink"/>
   <p:notesStyle>
@@ -641,7 +636,7 @@
           <a:p>
             <a:fld id="{4CB8FF5E-AD09-40C0-A391-B4E5CA93E684}" type="datetimeFigureOut">
               <a:rPr lang="zh-CN" altLang="en-US" smtClean="0"/>
-              <a:t>2019/4/7</a:t>
+              <a:t>2019/4/8</a:t>
             </a:fld>
             <a:endParaRPr lang="zh-CN" altLang="en-US"/>
           </a:p>
@@ -690,11 +685,6 @@
         </p:txBody>
       </p:sp>
     </p:spTree>
-    <p:extLst>
-      <p:ext uri="{BB962C8B-B14F-4D97-AF65-F5344CB8AC3E}">
-        <p14:creationId xmlns:p14="http://schemas.microsoft.com/office/powerpoint/2010/main" val="1724317420"/>
-      </p:ext>
-    </p:extLst>
   </p:cSld>
   <p:clrMapOvr>
     <a:masterClrMapping/>
@@ -811,7 +801,7 @@
           <a:p>
             <a:fld id="{4CB8FF5E-AD09-40C0-A391-B4E5CA93E684}" type="datetimeFigureOut">
               <a:rPr lang="zh-CN" altLang="en-US" smtClean="0"/>
-              <a:t>2019/4/7</a:t>
+              <a:t>2019/4/8</a:t>
             </a:fld>
             <a:endParaRPr lang="zh-CN" altLang="en-US"/>
           </a:p>
@@ -860,11 +850,6 @@
         </p:txBody>
       </p:sp>
     </p:spTree>
-    <p:extLst>
-      <p:ext uri="{BB962C8B-B14F-4D97-AF65-F5344CB8AC3E}">
-        <p14:creationId xmlns:p14="http://schemas.microsoft.com/office/powerpoint/2010/main" val="855495550"/>
-      </p:ext>
-    </p:extLst>
   </p:cSld>
   <p:clrMapOvr>
     <a:masterClrMapping/>
@@ -991,7 +976,7 @@
           <a:p>
             <a:fld id="{4CB8FF5E-AD09-40C0-A391-B4E5CA93E684}" type="datetimeFigureOut">
               <a:rPr lang="zh-CN" altLang="en-US" smtClean="0"/>
-              <a:t>2019/4/7</a:t>
+              <a:t>2019/4/8</a:t>
             </a:fld>
             <a:endParaRPr lang="zh-CN" altLang="en-US"/>
           </a:p>
@@ -1040,11 +1025,6 @@
         </p:txBody>
       </p:sp>
     </p:spTree>
-    <p:extLst>
-      <p:ext uri="{BB962C8B-B14F-4D97-AF65-F5344CB8AC3E}">
-        <p14:creationId xmlns:p14="http://schemas.microsoft.com/office/powerpoint/2010/main" val="4292765669"/>
-      </p:ext>
-    </p:extLst>
   </p:cSld>
   <p:clrMapOvr>
     <a:masterClrMapping/>
@@ -1161,7 +1141,7 @@
           <a:p>
             <a:fld id="{4CB8FF5E-AD09-40C0-A391-B4E5CA93E684}" type="datetimeFigureOut">
               <a:rPr lang="zh-CN" altLang="en-US" smtClean="0"/>
-              <a:t>2019/4/7</a:t>
+              <a:t>2019/4/8</a:t>
             </a:fld>
             <a:endParaRPr lang="zh-CN" altLang="en-US"/>
           </a:p>
@@ -1210,11 +1190,6 @@
         </p:txBody>
       </p:sp>
     </p:spTree>
-    <p:extLst>
-      <p:ext uri="{BB962C8B-B14F-4D97-AF65-F5344CB8AC3E}">
-        <p14:creationId xmlns:p14="http://schemas.microsoft.com/office/powerpoint/2010/main" val="392224763"/>
-      </p:ext>
-    </p:extLst>
   </p:cSld>
   <p:clrMapOvr>
     <a:masterClrMapping/>
@@ -1405,7 +1380,7 @@
           <a:p>
             <a:fld id="{4CB8FF5E-AD09-40C0-A391-B4E5CA93E684}" type="datetimeFigureOut">
               <a:rPr lang="zh-CN" altLang="en-US" smtClean="0"/>
-              <a:t>2019/4/7</a:t>
+              <a:t>2019/4/8</a:t>
             </a:fld>
             <a:endParaRPr lang="zh-CN" altLang="en-US"/>
           </a:p>
@@ -1454,11 +1429,6 @@
         </p:txBody>
       </p:sp>
     </p:spTree>
-    <p:extLst>
-      <p:ext uri="{BB962C8B-B14F-4D97-AF65-F5344CB8AC3E}">
-        <p14:creationId xmlns:p14="http://schemas.microsoft.com/office/powerpoint/2010/main" val="3482439326"/>
-      </p:ext>
-    </p:extLst>
   </p:cSld>
   <p:clrMapOvr>
     <a:masterClrMapping/>
@@ -1637,7 +1607,7 @@
           <a:p>
             <a:fld id="{4CB8FF5E-AD09-40C0-A391-B4E5CA93E684}" type="datetimeFigureOut">
               <a:rPr lang="zh-CN" altLang="en-US" smtClean="0"/>
-              <a:t>2019/4/7</a:t>
+              <a:t>2019/4/8</a:t>
             </a:fld>
             <a:endParaRPr lang="zh-CN" altLang="en-US"/>
           </a:p>
@@ -1686,11 +1656,6 @@
         </p:txBody>
       </p:sp>
     </p:spTree>
-    <p:extLst>
-      <p:ext uri="{BB962C8B-B14F-4D97-AF65-F5344CB8AC3E}">
-        <p14:creationId xmlns:p14="http://schemas.microsoft.com/office/powerpoint/2010/main" val="4151033846"/>
-      </p:ext>
-    </p:extLst>
   </p:cSld>
   <p:clrMapOvr>
     <a:masterClrMapping/>
@@ -2004,7 +1969,7 @@
           <a:p>
             <a:fld id="{4CB8FF5E-AD09-40C0-A391-B4E5CA93E684}" type="datetimeFigureOut">
               <a:rPr lang="zh-CN" altLang="en-US" smtClean="0"/>
-              <a:t>2019/4/7</a:t>
+              <a:t>2019/4/8</a:t>
             </a:fld>
             <a:endParaRPr lang="zh-CN" altLang="en-US"/>
           </a:p>
@@ -2053,11 +2018,6 @@
         </p:txBody>
       </p:sp>
     </p:spTree>
-    <p:extLst>
-      <p:ext uri="{BB962C8B-B14F-4D97-AF65-F5344CB8AC3E}">
-        <p14:creationId xmlns:p14="http://schemas.microsoft.com/office/powerpoint/2010/main" val="3822352260"/>
-      </p:ext>
-    </p:extLst>
   </p:cSld>
   <p:clrMapOvr>
     <a:masterClrMapping/>
@@ -2122,7 +2082,7 @@
           <a:p>
             <a:fld id="{4CB8FF5E-AD09-40C0-A391-B4E5CA93E684}" type="datetimeFigureOut">
               <a:rPr lang="zh-CN" altLang="en-US" smtClean="0"/>
-              <a:t>2019/4/7</a:t>
+              <a:t>2019/4/8</a:t>
             </a:fld>
             <a:endParaRPr lang="zh-CN" altLang="en-US"/>
           </a:p>
@@ -2171,11 +2131,6 @@
         </p:txBody>
       </p:sp>
     </p:spTree>
-    <p:extLst>
-      <p:ext uri="{BB962C8B-B14F-4D97-AF65-F5344CB8AC3E}">
-        <p14:creationId xmlns:p14="http://schemas.microsoft.com/office/powerpoint/2010/main" val="189352544"/>
-      </p:ext>
-    </p:extLst>
   </p:cSld>
   <p:clrMapOvr>
     <a:masterClrMapping/>
@@ -2217,7 +2172,7 @@
           <a:p>
             <a:fld id="{4CB8FF5E-AD09-40C0-A391-B4E5CA93E684}" type="datetimeFigureOut">
               <a:rPr lang="zh-CN" altLang="en-US" smtClean="0"/>
-              <a:t>2019/4/7</a:t>
+              <a:t>2019/4/8</a:t>
             </a:fld>
             <a:endParaRPr lang="zh-CN" altLang="en-US"/>
           </a:p>
@@ -2266,11 +2221,6 @@
         </p:txBody>
       </p:sp>
     </p:spTree>
-    <p:extLst>
-      <p:ext uri="{BB962C8B-B14F-4D97-AF65-F5344CB8AC3E}">
-        <p14:creationId xmlns:p14="http://schemas.microsoft.com/office/powerpoint/2010/main" val="792411519"/>
-      </p:ext>
-    </p:extLst>
   </p:cSld>
   <p:clrMapOvr>
     <a:masterClrMapping/>
@@ -2494,7 +2444,7 @@
           <a:p>
             <a:fld id="{4CB8FF5E-AD09-40C0-A391-B4E5CA93E684}" type="datetimeFigureOut">
               <a:rPr lang="zh-CN" altLang="en-US" smtClean="0"/>
-              <a:t>2019/4/7</a:t>
+              <a:t>2019/4/8</a:t>
             </a:fld>
             <a:endParaRPr lang="zh-CN" altLang="en-US"/>
           </a:p>
@@ -2543,11 +2493,6 @@
         </p:txBody>
       </p:sp>
     </p:spTree>
-    <p:extLst>
-      <p:ext uri="{BB962C8B-B14F-4D97-AF65-F5344CB8AC3E}">
-        <p14:creationId xmlns:p14="http://schemas.microsoft.com/office/powerpoint/2010/main" val="746897391"/>
-      </p:ext>
-    </p:extLst>
   </p:cSld>
   <p:clrMapOvr>
     <a:masterClrMapping/>
@@ -2751,7 +2696,7 @@
           <a:p>
             <a:fld id="{4CB8FF5E-AD09-40C0-A391-B4E5CA93E684}" type="datetimeFigureOut">
               <a:rPr lang="zh-CN" altLang="en-US" smtClean="0"/>
-              <a:t>2019/4/7</a:t>
+              <a:t>2019/4/8</a:t>
             </a:fld>
             <a:endParaRPr lang="zh-CN" altLang="en-US"/>
           </a:p>
@@ -2800,11 +2745,6 @@
         </p:txBody>
       </p:sp>
     </p:spTree>
-    <p:extLst>
-      <p:ext uri="{BB962C8B-B14F-4D97-AF65-F5344CB8AC3E}">
-        <p14:creationId xmlns:p14="http://schemas.microsoft.com/office/powerpoint/2010/main" val="113646346"/>
-      </p:ext>
-    </p:extLst>
   </p:cSld>
   <p:clrMapOvr>
     <a:masterClrMapping/>
@@ -2964,7 +2904,7 @@
           <a:p>
             <a:fld id="{4CB8FF5E-AD09-40C0-A391-B4E5CA93E684}" type="datetimeFigureOut">
               <a:rPr lang="zh-CN" altLang="en-US" smtClean="0"/>
-              <a:t>2019/4/7</a:t>
+              <a:t>2019/4/8</a:t>
             </a:fld>
             <a:endParaRPr lang="zh-CN" altLang="en-US"/>
           </a:p>
@@ -3049,25 +2989,20 @@
         </p:txBody>
       </p:sp>
     </p:spTree>
-    <p:extLst>
-      <p:ext uri="{BB962C8B-B14F-4D97-AF65-F5344CB8AC3E}">
-        <p14:creationId xmlns:p14="http://schemas.microsoft.com/office/powerpoint/2010/main" val="2428819625"/>
-      </p:ext>
-    </p:extLst>
   </p:cSld>
   <p:clrMap bg1="lt1" tx1="dk1" bg2="lt2" tx2="dk2" accent1="accent1" accent2="accent2" accent3="accent3" accent4="accent4" accent5="accent5" accent6="accent6" hlink="hlink" folHlink="folHlink"/>
   <p:sldLayoutIdLst>
-    <p:sldLayoutId id="2147483673" r:id="rId1"/>
-    <p:sldLayoutId id="2147483674" r:id="rId2"/>
-    <p:sldLayoutId id="2147483675" r:id="rId3"/>
-    <p:sldLayoutId id="2147483676" r:id="rId4"/>
-    <p:sldLayoutId id="2147483677" r:id="rId5"/>
-    <p:sldLayoutId id="2147483678" r:id="rId6"/>
-    <p:sldLayoutId id="2147483679" r:id="rId7"/>
-    <p:sldLayoutId id="2147483680" r:id="rId8"/>
-    <p:sldLayoutId id="2147483681" r:id="rId9"/>
-    <p:sldLayoutId id="2147483682" r:id="rId10"/>
-    <p:sldLayoutId id="2147483683" r:id="rId11"/>
+    <p:sldLayoutId id="2147483649" r:id="rId1"/>
+    <p:sldLayoutId id="2147483650" r:id="rId2"/>
+    <p:sldLayoutId id="2147483651" r:id="rId3"/>
+    <p:sldLayoutId id="2147483652" r:id="rId4"/>
+    <p:sldLayoutId id="2147483653" r:id="rId5"/>
+    <p:sldLayoutId id="2147483654" r:id="rId6"/>
+    <p:sldLayoutId id="2147483655" r:id="rId7"/>
+    <p:sldLayoutId id="2147483656" r:id="rId8"/>
+    <p:sldLayoutId id="2147483657" r:id="rId9"/>
+    <p:sldLayoutId id="2147483658" r:id="rId10"/>
+    <p:sldLayoutId id="2147483659" r:id="rId11"/>
   </p:sldLayoutIdLst>
   <p:txStyles>
     <p:titleStyle>
@@ -3097,7 +3032,7 @@
         <a:spcBef>
           <a:spcPts val="1000"/>
         </a:spcBef>
-        <a:buFont typeface="Arial" panose="020B0604020202020204" pitchFamily="34" charset="0"/>
+        <a:buFont typeface="Arial" panose="020B0604020202090204" pitchFamily="34" charset="0"/>
         <a:buChar char="•"/>
         <a:defRPr sz="2800" kern="1200">
           <a:solidFill>
@@ -3115,7 +3050,7 @@
         <a:spcBef>
           <a:spcPts val="500"/>
         </a:spcBef>
-        <a:buFont typeface="Arial" panose="020B0604020202020204" pitchFamily="34" charset="0"/>
+        <a:buFont typeface="Arial" panose="020B0604020202090204" pitchFamily="34" charset="0"/>
         <a:buChar char="•"/>
         <a:defRPr sz="2400" kern="1200">
           <a:solidFill>
@@ -3133,7 +3068,7 @@
         <a:spcBef>
           <a:spcPts val="500"/>
         </a:spcBef>
-        <a:buFont typeface="Arial" panose="020B0604020202020204" pitchFamily="34" charset="0"/>
+        <a:buFont typeface="Arial" panose="020B0604020202090204" pitchFamily="34" charset="0"/>
         <a:buChar char="•"/>
         <a:defRPr sz="2000" kern="1200">
           <a:solidFill>
@@ -3151,7 +3086,7 @@
         <a:spcBef>
           <a:spcPts val="500"/>
         </a:spcBef>
-        <a:buFont typeface="Arial" panose="020B0604020202020204" pitchFamily="34" charset="0"/>
+        <a:buFont typeface="Arial" panose="020B0604020202090204" pitchFamily="34" charset="0"/>
         <a:buChar char="•"/>
         <a:defRPr sz="1800" kern="1200">
           <a:solidFill>
@@ -3169,7 +3104,7 @@
         <a:spcBef>
           <a:spcPts val="500"/>
         </a:spcBef>
-        <a:buFont typeface="Arial" panose="020B0604020202020204" pitchFamily="34" charset="0"/>
+        <a:buFont typeface="Arial" panose="020B0604020202090204" pitchFamily="34" charset="0"/>
         <a:buChar char="•"/>
         <a:defRPr sz="1800" kern="1200">
           <a:solidFill>
@@ -3187,7 +3122,7 @@
         <a:spcBef>
           <a:spcPts val="500"/>
         </a:spcBef>
-        <a:buFont typeface="Arial" panose="020B0604020202020204" pitchFamily="34" charset="0"/>
+        <a:buFont typeface="Arial" panose="020B0604020202090204" pitchFamily="34" charset="0"/>
         <a:buChar char="•"/>
         <a:defRPr sz="1800" kern="1200">
           <a:solidFill>
@@ -3205,7 +3140,7 @@
         <a:spcBef>
           <a:spcPts val="500"/>
         </a:spcBef>
-        <a:buFont typeface="Arial" panose="020B0604020202020204" pitchFamily="34" charset="0"/>
+        <a:buFont typeface="Arial" panose="020B0604020202090204" pitchFamily="34" charset="0"/>
         <a:buChar char="•"/>
         <a:defRPr sz="1800" kern="1200">
           <a:solidFill>
@@ -3223,7 +3158,7 @@
         <a:spcBef>
           <a:spcPts val="500"/>
         </a:spcBef>
-        <a:buFont typeface="Arial" panose="020B0604020202020204" pitchFamily="34" charset="0"/>
+        <a:buFont typeface="Arial" panose="020B0604020202090204" pitchFamily="34" charset="0"/>
         <a:buChar char="•"/>
         <a:defRPr sz="1800" kern="1200">
           <a:solidFill>
@@ -3241,7 +3176,7 @@
         <a:spcBef>
           <a:spcPts val="500"/>
         </a:spcBef>
-        <a:buFont typeface="Arial" panose="020B0604020202020204" pitchFamily="34" charset="0"/>
+        <a:buFont typeface="Arial" panose="020B0604020202090204" pitchFamily="34" charset="0"/>
         <a:buChar char="•"/>
         <a:defRPr sz="1800" kern="1200">
           <a:solidFill>
@@ -3371,13 +3306,7 @@
       </p:grpSpPr>
       <p:sp>
         <p:nvSpPr>
-          <p:cNvPr id="29" name="PA_矩形 28">
-            <a:extLst>
-              <a:ext uri="{FF2B5EF4-FFF2-40B4-BE49-F238E27FC236}">
-                <a16:creationId xmlns:a16="http://schemas.microsoft.com/office/drawing/2014/main" id="{75125EC2-5400-48FD-A782-71AFE781AC81}"/>
-              </a:ext>
-            </a:extLst>
-          </p:cNvPr>
+          <p:cNvPr id="29" name="PA_矩形 28"/>
           <p:cNvSpPr/>
           <p:nvPr>
             <p:custDataLst>
@@ -3427,13 +3356,7 @@
       </p:sp>
       <p:sp>
         <p:nvSpPr>
-          <p:cNvPr id="35" name="PA_文本框 34">
-            <a:extLst>
-              <a:ext uri="{FF2B5EF4-FFF2-40B4-BE49-F238E27FC236}">
-                <a16:creationId xmlns:a16="http://schemas.microsoft.com/office/drawing/2014/main" id="{F8E56A48-6523-4976-AF48-9341325D23DE}"/>
-              </a:ext>
-            </a:extLst>
-          </p:cNvPr>
+          <p:cNvPr id="35" name="PA_文本框 34"/>
           <p:cNvSpPr txBox="1"/>
           <p:nvPr>
             <p:custDataLst>
@@ -3484,13 +3407,7 @@
       </p:sp>
       <p:sp>
         <p:nvSpPr>
-          <p:cNvPr id="33" name="PA_矩形 32">
-            <a:extLst>
-              <a:ext uri="{FF2B5EF4-FFF2-40B4-BE49-F238E27FC236}">
-                <a16:creationId xmlns:a16="http://schemas.microsoft.com/office/drawing/2014/main" id="{7005A686-BF12-4283-95D7-82A11A7FC944}"/>
-              </a:ext>
-            </a:extLst>
-          </p:cNvPr>
+          <p:cNvPr id="33" name="PA_矩形 32"/>
           <p:cNvSpPr/>
           <p:nvPr>
             <p:custDataLst>
@@ -3538,9 +3455,6 @@
         </p:style>
         <p:txBody>
           <a:bodyPr rot="0" spcFirstLastPara="0" vertOverflow="overflow" horzOverflow="overflow" vert="horz" wrap="square" lIns="68580" tIns="34290" rIns="68580" bIns="34290" numCol="1" spcCol="0" rtlCol="0" fromWordArt="0" anchor="ctr" anchorCtr="0" forceAA="0" compatLnSpc="1">
-            <a:prstTxWarp prst="textNoShape">
-              <a:avLst/>
-            </a:prstTxWarp>
             <a:noAutofit/>
           </a:bodyPr>
           <a:lstStyle/>
@@ -3552,13 +3466,7 @@
       </p:sp>
       <p:sp>
         <p:nvSpPr>
-          <p:cNvPr id="34" name="PA_矩形 33">
-            <a:extLst>
-              <a:ext uri="{FF2B5EF4-FFF2-40B4-BE49-F238E27FC236}">
-                <a16:creationId xmlns:a16="http://schemas.microsoft.com/office/drawing/2014/main" id="{2B44062B-2519-4645-BDBD-25E744EC4EA5}"/>
-              </a:ext>
-            </a:extLst>
-          </p:cNvPr>
+          <p:cNvPr id="34" name="PA_矩形 33"/>
           <p:cNvSpPr/>
           <p:nvPr>
             <p:custDataLst>
@@ -3608,13 +3516,7 @@
       </p:sp>
       <p:sp>
         <p:nvSpPr>
-          <p:cNvPr id="27" name="PA_文本框 26">
-            <a:extLst>
-              <a:ext uri="{FF2B5EF4-FFF2-40B4-BE49-F238E27FC236}">
-                <a16:creationId xmlns:a16="http://schemas.microsoft.com/office/drawing/2014/main" id="{42B750DE-FFBC-4078-985A-FC71F5B5E760}"/>
-              </a:ext>
-            </a:extLst>
-          </p:cNvPr>
+          <p:cNvPr id="27" name="PA_文本框 26"/>
           <p:cNvSpPr txBox="1"/>
           <p:nvPr>
             <p:custDataLst>
@@ -3703,13 +3605,7 @@
       </p:sp>
       <p:sp>
         <p:nvSpPr>
-          <p:cNvPr id="32" name="PA_文本框 31">
-            <a:extLst>
-              <a:ext uri="{FF2B5EF4-FFF2-40B4-BE49-F238E27FC236}">
-                <a16:creationId xmlns:a16="http://schemas.microsoft.com/office/drawing/2014/main" id="{3BA95F93-84A0-4324-B80B-A964F64B0EDF}"/>
-              </a:ext>
-            </a:extLst>
-          </p:cNvPr>
+          <p:cNvPr id="32" name="PA_文本框 31"/>
           <p:cNvSpPr txBox="1"/>
           <p:nvPr>
             <p:custDataLst>
@@ -3788,20 +3684,14 @@
       </p:sp>
       <p:sp>
         <p:nvSpPr>
-          <p:cNvPr id="2" name="TextBox 1">
-            <a:extLst>
-              <a:ext uri="{FF2B5EF4-FFF2-40B4-BE49-F238E27FC236}">
-                <a16:creationId xmlns:a16="http://schemas.microsoft.com/office/drawing/2014/main" id="{14CE016E-ED8F-0243-88B7-D07B6B2A8B5F}"/>
-              </a:ext>
-            </a:extLst>
-          </p:cNvPr>
+          <p:cNvPr id="2" name="TextBox 1"/>
           <p:cNvSpPr txBox="1"/>
           <p:nvPr/>
         </p:nvSpPr>
         <p:spPr>
           <a:xfrm>
-            <a:off x="3713613" y="4046946"/>
-            <a:ext cx="1668780" cy="369332"/>
+            <a:off x="3697849" y="4059555"/>
+            <a:ext cx="1968500" cy="368300"/>
           </a:xfrm>
           <a:prstGeom prst="rect">
             <a:avLst/>
@@ -3827,11 +3717,6 @@
         </p:txBody>
       </p:sp>
     </p:spTree>
-    <p:extLst>
-      <p:ext uri="{BB962C8B-B14F-4D97-AF65-F5344CB8AC3E}">
-        <p14:creationId xmlns:p14="http://schemas.microsoft.com/office/powerpoint/2010/main" val="302029419"/>
-      </p:ext>
-    </p:extLst>
   </p:cSld>
   <p:clrMapOvr>
     <a:masterClrMapping/>
@@ -3906,15 +3791,24 @@
                                   </p:childTnLst>
                                 </p:cTn>
                               </p:par>
+                            </p:childTnLst>
+                          </p:cTn>
+                        </p:par>
+                        <p:par>
+                          <p:cTn id="8" fill="hold">
+                            <p:stCondLst>
+                              <p:cond delay="1000"/>
+                            </p:stCondLst>
+                            <p:childTnLst>
                               <p:par>
-                                <p:cTn id="8" presetID="2" presetClass="entr" presetSubtype="4" fill="hold" grpId="0" nodeType="withEffect">
+                                <p:cTn id="9" presetID="2" presetClass="entr" presetSubtype="4" fill="hold" grpId="0" nodeType="afterEffect">
                                   <p:stCondLst>
                                     <p:cond delay="0"/>
                                   </p:stCondLst>
                                   <p:childTnLst>
                                     <p:set>
                                       <p:cBhvr>
-                                        <p:cTn id="9" dur="1" fill="hold">
+                                        <p:cTn id="10" dur="1" fill="hold">
                                           <p:stCondLst>
                                             <p:cond delay="0"/>
                                           </p:stCondLst>
@@ -3932,7 +3826,7 @@
                                     </p:set>
                                     <p:anim calcmode="lin" valueType="num">
                                       <p:cBhvr additive="base">
-                                        <p:cTn id="10" dur="1000" fill="hold"/>
+                                        <p:cTn id="11" dur="1000" fill="hold"/>
                                         <p:tgtEl>
                                           <p:spTgt spid="29"/>
                                         </p:tgtEl>
@@ -3955,7 +3849,7 @@
                                     </p:anim>
                                     <p:anim calcmode="lin" valueType="num">
                                       <p:cBhvr additive="base">
-                                        <p:cTn id="11" dur="1000" fill="hold"/>
+                                        <p:cTn id="12" dur="1000" fill="hold"/>
                                         <p:tgtEl>
                                           <p:spTgt spid="29"/>
                                         </p:tgtEl>
@@ -3979,19 +3873,10 @@
                                   </p:childTnLst>
                                 </p:cTn>
                               </p:par>
-                            </p:childTnLst>
-                          </p:cTn>
-                        </p:par>
-                        <p:par>
-                          <p:cTn id="12" fill="hold">
-                            <p:stCondLst>
-                              <p:cond delay="1000"/>
-                            </p:stCondLst>
-                            <p:childTnLst>
                               <p:par>
-                                <p:cTn id="13" presetID="42" presetClass="entr" presetSubtype="0" fill="hold" grpId="0" nodeType="afterEffect">
+                                <p:cTn id="13" presetID="42" presetClass="entr" presetSubtype="0" fill="hold" grpId="0" nodeType="withEffect">
                                   <p:stCondLst>
-                                    <p:cond delay="500"/>
+                                    <p:cond delay="0"/>
                                   </p:stCondLst>
                                   <p:childTnLst>
                                     <p:set>
@@ -4069,24 +3954,15 @@
                                   </p:childTnLst>
                                 </p:cTn>
                               </p:par>
-                            </p:childTnLst>
-                          </p:cTn>
-                        </p:par>
-                        <p:par>
-                          <p:cTn id="18" fill="hold">
-                            <p:stCondLst>
-                              <p:cond delay="2500"/>
-                            </p:stCondLst>
-                            <p:childTnLst>
                               <p:par>
-                                <p:cTn id="19" presetID="10" presetClass="entr" presetSubtype="0" fill="hold" grpId="0" nodeType="afterEffect">
+                                <p:cTn id="18" presetID="10" presetClass="entr" presetSubtype="0" fill="hold" grpId="0" nodeType="withEffect">
                                   <p:stCondLst>
                                     <p:cond delay="0"/>
                                   </p:stCondLst>
                                   <p:childTnLst>
                                     <p:set>
                                       <p:cBhvr>
-                                        <p:cTn id="20" dur="1" fill="hold">
+                                        <p:cTn id="19" dur="1" fill="hold">
                                           <p:stCondLst>
                                             <p:cond delay="0"/>
                                           </p:stCondLst>
@@ -4104,7 +3980,7 @@
                                     </p:set>
                                     <p:animEffect transition="in" filter="fade">
                                       <p:cBhvr>
-                                        <p:cTn id="21" dur="500"/>
+                                        <p:cTn id="20" dur="500"/>
                                         <p:tgtEl>
                                           <p:spTgt spid="27"/>
                                         </p:tgtEl>
@@ -4113,24 +3989,15 @@
                                   </p:childTnLst>
                                 </p:cTn>
                               </p:par>
-                            </p:childTnLst>
-                          </p:cTn>
-                        </p:par>
-                        <p:par>
-                          <p:cTn id="22" fill="hold">
-                            <p:stCondLst>
-                              <p:cond delay="3000"/>
-                            </p:stCondLst>
-                            <p:childTnLst>
                               <p:par>
-                                <p:cTn id="23" presetID="16" presetClass="entr" presetSubtype="37" fill="hold" grpId="0" nodeType="afterEffect">
+                                <p:cTn id="21" presetID="16" presetClass="entr" presetSubtype="37" fill="hold" grpId="0" nodeType="withEffect">
                                   <p:stCondLst>
                                     <p:cond delay="0"/>
                                   </p:stCondLst>
                                   <p:childTnLst>
                                     <p:set>
                                       <p:cBhvr>
-                                        <p:cTn id="24" dur="1" fill="hold">
+                                        <p:cTn id="22" dur="1" fill="hold">
                                           <p:stCondLst>
                                             <p:cond delay="0"/>
                                           </p:stCondLst>
@@ -4148,7 +4015,7 @@
                                     </p:set>
                                     <p:animEffect transition="in" filter="barn(outVertical)">
                                       <p:cBhvr>
-                                        <p:cTn id="25" dur="500"/>
+                                        <p:cTn id="23" dur="500"/>
                                         <p:tgtEl>
                                           <p:spTgt spid="34"/>
                                         </p:tgtEl>
@@ -4157,24 +4024,15 @@
                                   </p:childTnLst>
                                 </p:cTn>
                               </p:par>
-                            </p:childTnLst>
-                          </p:cTn>
-                        </p:par>
-                        <p:par>
-                          <p:cTn id="26" fill="hold">
-                            <p:stCondLst>
-                              <p:cond delay="3500"/>
-                            </p:stCondLst>
-                            <p:childTnLst>
                               <p:par>
-                                <p:cTn id="27" presetID="10" presetClass="entr" presetSubtype="0" fill="hold" grpId="0" nodeType="afterEffect">
+                                <p:cTn id="24" presetID="10" presetClass="entr" presetSubtype="0" fill="hold" grpId="0" nodeType="withEffect">
                                   <p:stCondLst>
                                     <p:cond delay="0"/>
                                   </p:stCondLst>
                                   <p:childTnLst>
                                     <p:set>
                                       <p:cBhvr>
-                                        <p:cTn id="28" dur="1" fill="hold">
+                                        <p:cTn id="25" dur="1" fill="hold">
                                           <p:stCondLst>
                                             <p:cond delay="0"/>
                                           </p:stCondLst>
@@ -4192,7 +4050,7 @@
                                     </p:set>
                                     <p:animEffect transition="in" filter="fade">
                                       <p:cBhvr>
-                                        <p:cTn id="29" dur="500"/>
+                                        <p:cTn id="26" dur="500"/>
                                         <p:tgtEl>
                                           <p:spTgt spid="32"/>
                                         </p:tgtEl>
@@ -4201,24 +4059,15 @@
                                   </p:childTnLst>
                                 </p:cTn>
                               </p:par>
-                            </p:childTnLst>
-                          </p:cTn>
-                        </p:par>
-                        <p:par>
-                          <p:cTn id="30" fill="hold">
-                            <p:stCondLst>
-                              <p:cond delay="4000"/>
-                            </p:stCondLst>
-                            <p:childTnLst>
                               <p:par>
-                                <p:cTn id="31" presetID="16" presetClass="entr" presetSubtype="37" fill="hold" grpId="0" nodeType="afterEffect">
+                                <p:cTn id="27" presetID="16" presetClass="entr" presetSubtype="37" fill="hold" grpId="0" nodeType="withEffect">
                                   <p:stCondLst>
                                     <p:cond delay="0"/>
                                   </p:stCondLst>
                                   <p:childTnLst>
                                     <p:set>
                                       <p:cBhvr>
-                                        <p:cTn id="32" dur="1" fill="hold">
+                                        <p:cTn id="28" dur="1" fill="hold">
                                           <p:stCondLst>
                                             <p:cond delay="0"/>
                                           </p:stCondLst>
@@ -4236,7 +4085,7 @@
                                     </p:set>
                                     <p:animEffect transition="in" filter="barn(outVertical)">
                                       <p:cBhvr>
-                                        <p:cTn id="33" dur="500"/>
+                                        <p:cTn id="29" dur="500"/>
                                         <p:tgtEl>
                                           <p:spTgt spid="2"/>
                                         </p:tgtEl>
@@ -4304,13 +4153,7 @@
       </p:grpSpPr>
       <p:grpSp>
         <p:nvGrpSpPr>
-          <p:cNvPr id="2" name="Group 4">
-            <a:extLst>
-              <a:ext uri="{FF2B5EF4-FFF2-40B4-BE49-F238E27FC236}">
-                <a16:creationId xmlns:a16="http://schemas.microsoft.com/office/drawing/2014/main" id="{0EA5A2DD-EE7A-114C-9CD0-29B26D634791}"/>
-              </a:ext>
-            </a:extLst>
-          </p:cNvPr>
+          <p:cNvPr id="2" name="Group 4"/>
           <p:cNvGrpSpPr>
             <a:grpSpLocks noChangeAspect="1"/>
           </p:cNvGrpSpPr>
@@ -4330,13 +4173,7 @@
         </p:grpSpPr>
         <p:sp>
           <p:nvSpPr>
-            <p:cNvPr id="3" name="Freeform 5">
-              <a:extLst>
-                <a:ext uri="{FF2B5EF4-FFF2-40B4-BE49-F238E27FC236}">
-                  <a16:creationId xmlns:a16="http://schemas.microsoft.com/office/drawing/2014/main" id="{E46FC798-68E7-7949-A40A-5ECAB1AB9BCF}"/>
-                </a:ext>
-              </a:extLst>
-            </p:cNvPr>
+            <p:cNvPr id="3" name="Freeform 5"/>
             <p:cNvSpPr>
               <a:spLocks noEditPoints="1"/>
             </p:cNvSpPr>
@@ -4607,18 +4444,12 @@
                     <a:srgbClr val="000000"/>
                   </a:solidFill>
                   <a:round/>
-                  <a:headEnd/>
-                  <a:tailEnd/>
                 </a14:hiddenLine>
               </a:ext>
             </a:extLst>
           </p:spPr>
           <p:txBody>
-            <a:bodyPr vert="horz" wrap="square" lIns="68580" tIns="34290" rIns="68580" bIns="34290" numCol="1" anchor="t" anchorCtr="0" compatLnSpc="1">
-              <a:prstTxWarp prst="textNoShape">
-                <a:avLst/>
-              </a:prstTxWarp>
-            </a:bodyPr>
+            <a:bodyPr vert="horz" wrap="square" lIns="68580" tIns="34290" rIns="68580" bIns="34290" numCol="1" anchor="t" anchorCtr="0" compatLnSpc="1"/>
             <a:lstStyle/>
             <a:p>
               <a:endParaRPr lang="zh-CN" altLang="en-US" sz="1350"/>
@@ -4627,13 +4458,7 @@
         </p:sp>
         <p:sp>
           <p:nvSpPr>
-            <p:cNvPr id="4" name="Freeform 6">
-              <a:extLst>
-                <a:ext uri="{FF2B5EF4-FFF2-40B4-BE49-F238E27FC236}">
-                  <a16:creationId xmlns:a16="http://schemas.microsoft.com/office/drawing/2014/main" id="{6AD84E96-79E2-4540-8AFD-B09041C1D2CC}"/>
-                </a:ext>
-              </a:extLst>
-            </p:cNvPr>
+            <p:cNvPr id="4" name="Freeform 6"/>
             <p:cNvSpPr>
               <a:spLocks noEditPoints="1"/>
             </p:cNvSpPr>
@@ -4995,18 +4820,12 @@
                     <a:srgbClr val="000000"/>
                   </a:solidFill>
                   <a:round/>
-                  <a:headEnd/>
-                  <a:tailEnd/>
                 </a14:hiddenLine>
               </a:ext>
             </a:extLst>
           </p:spPr>
           <p:txBody>
-            <a:bodyPr vert="horz" wrap="square" lIns="68580" tIns="34290" rIns="68580" bIns="34290" numCol="1" anchor="t" anchorCtr="0" compatLnSpc="1">
-              <a:prstTxWarp prst="textNoShape">
-                <a:avLst/>
-              </a:prstTxWarp>
-            </a:bodyPr>
+            <a:bodyPr vert="horz" wrap="square" lIns="68580" tIns="34290" rIns="68580" bIns="34290" numCol="1" anchor="t" anchorCtr="0" compatLnSpc="1"/>
             <a:lstStyle/>
             <a:p>
               <a:endParaRPr lang="zh-CN" altLang="en-US" sz="1350"/>
@@ -5016,13 +4835,7 @@
       </p:grpSp>
       <p:sp>
         <p:nvSpPr>
-          <p:cNvPr id="5" name="Freeform 10">
-            <a:extLst>
-              <a:ext uri="{FF2B5EF4-FFF2-40B4-BE49-F238E27FC236}">
-                <a16:creationId xmlns:a16="http://schemas.microsoft.com/office/drawing/2014/main" id="{AF109A2B-48E9-7240-9A99-910CB4EA933C}"/>
-              </a:ext>
-            </a:extLst>
-          </p:cNvPr>
+          <p:cNvPr id="5" name="Freeform 10"/>
           <p:cNvSpPr>
             <a:spLocks noEditPoints="1"/>
           </p:cNvSpPr>
@@ -5627,14 +5440,9 @@
             <a:noFill/>
           </a:ln>
           <a:effectLst/>
-          <a:extLst/>
         </p:spPr>
         <p:txBody>
-          <a:bodyPr vert="horz" wrap="square" lIns="68580" tIns="34290" rIns="68580" bIns="34290" numCol="1" anchor="t" anchorCtr="0" compatLnSpc="1">
-            <a:prstTxWarp prst="textNoShape">
-              <a:avLst/>
-            </a:prstTxWarp>
-          </a:bodyPr>
+          <a:bodyPr vert="horz" wrap="square" lIns="68580" tIns="34290" rIns="68580" bIns="34290" numCol="1" anchor="t" anchorCtr="0" compatLnSpc="1"/>
           <a:lstStyle/>
           <a:p>
             <a:endParaRPr lang="zh-CN" altLang="en-US" sz="1350"/>
@@ -5643,13 +5451,7 @@
       </p:sp>
       <p:sp>
         <p:nvSpPr>
-          <p:cNvPr id="6" name="TextBox 5">
-            <a:extLst>
-              <a:ext uri="{FF2B5EF4-FFF2-40B4-BE49-F238E27FC236}">
-                <a16:creationId xmlns:a16="http://schemas.microsoft.com/office/drawing/2014/main" id="{6C20B7FA-511B-6B42-8920-55910540B1E4}"/>
-              </a:ext>
-            </a:extLst>
-          </p:cNvPr>
+          <p:cNvPr id="6" name="TextBox 5"/>
           <p:cNvSpPr txBox="1"/>
           <p:nvPr/>
         </p:nvSpPr>
@@ -5678,13 +5480,7 @@
       </p:sp>
       <p:sp>
         <p:nvSpPr>
-          <p:cNvPr id="7" name="TextBox 6">
-            <a:extLst>
-              <a:ext uri="{FF2B5EF4-FFF2-40B4-BE49-F238E27FC236}">
-                <a16:creationId xmlns:a16="http://schemas.microsoft.com/office/drawing/2014/main" id="{636F8543-3DEA-F04D-9A85-8F5042AE4262}"/>
-              </a:ext>
-            </a:extLst>
-          </p:cNvPr>
+          <p:cNvPr id="7" name="TextBox 6"/>
           <p:cNvSpPr txBox="1"/>
           <p:nvPr/>
         </p:nvSpPr>
@@ -5713,13 +5509,7 @@
       </p:sp>
       <p:sp>
         <p:nvSpPr>
-          <p:cNvPr id="8" name="Rounded Rectangular Callout 7">
-            <a:extLst>
-              <a:ext uri="{FF2B5EF4-FFF2-40B4-BE49-F238E27FC236}">
-                <a16:creationId xmlns:a16="http://schemas.microsoft.com/office/drawing/2014/main" id="{64AEB2E8-8C80-0F47-B919-15217D68A4D6}"/>
-              </a:ext>
-            </a:extLst>
-          </p:cNvPr>
+          <p:cNvPr id="8" name="Rounded Rectangular Callout 7"/>
           <p:cNvSpPr/>
           <p:nvPr/>
         </p:nvSpPr>
@@ -5837,7 +5627,7 @@
               <a:t>c</a:t>
             </a:r>
             <a:r>
-              <a:rPr lang="pt" sz="2800" dirty="0"/>
+              <a:rPr lang="en-US" sz="2800" dirty="0"/>
               <a:t> = </a:t>
             </a:r>
             <a:r>
@@ -5917,13 +5707,7 @@
       </p:sp>
       <p:sp>
         <p:nvSpPr>
-          <p:cNvPr id="9" name="Rounded Rectangular Callout 8">
-            <a:extLst>
-              <a:ext uri="{FF2B5EF4-FFF2-40B4-BE49-F238E27FC236}">
-                <a16:creationId xmlns:a16="http://schemas.microsoft.com/office/drawing/2014/main" id="{BEFAD183-6FA7-8449-9F4C-CB9A6800F715}"/>
-              </a:ext>
-            </a:extLst>
-          </p:cNvPr>
+          <p:cNvPr id="9" name="Rounded Rectangular Callout 8"/>
           <p:cNvSpPr/>
           <p:nvPr/>
         </p:nvSpPr>
@@ -6056,7 +5840,7 @@
               <a:t> </a:t>
             </a:r>
             <a:r>
-              <a:rPr lang="pt" sz="2400" dirty="0"/>
+              <a:rPr lang="en-US" sz="2400" dirty="0"/>
               <a:t>m = </a:t>
             </a:r>
             <a:r>
@@ -6167,13 +5951,7 @@
       </p:sp>
       <p:sp>
         <p:nvSpPr>
-          <p:cNvPr id="13" name="文本框 13">
-            <a:extLst>
-              <a:ext uri="{FF2B5EF4-FFF2-40B4-BE49-F238E27FC236}">
-                <a16:creationId xmlns:a16="http://schemas.microsoft.com/office/drawing/2014/main" id="{855B7BE9-3CE3-9C4F-B603-A45B821D87DD}"/>
-              </a:ext>
-            </a:extLst>
-          </p:cNvPr>
+          <p:cNvPr id="13" name="文本框 13"/>
           <p:cNvSpPr txBox="1"/>
           <p:nvPr/>
         </p:nvSpPr>
@@ -6358,13 +6136,7 @@
       </p:sp>
       <p:pic>
         <p:nvPicPr>
-          <p:cNvPr id="10" name="Picture 9">
-            <a:extLst>
-              <a:ext uri="{FF2B5EF4-FFF2-40B4-BE49-F238E27FC236}">
-                <a16:creationId xmlns:a16="http://schemas.microsoft.com/office/drawing/2014/main" id="{1E7458F4-179B-7C4E-948B-5227F0526CA3}"/>
-              </a:ext>
-            </a:extLst>
-          </p:cNvPr>
+          <p:cNvPr id="10" name="Picture 9"/>
           <p:cNvPicPr>
             <a:picLocks noChangeAspect="1"/>
           </p:cNvPicPr>
@@ -6388,13 +6160,7 @@
       </p:pic>
       <p:pic>
         <p:nvPicPr>
-          <p:cNvPr id="12" name="Picture 11">
-            <a:extLst>
-              <a:ext uri="{FF2B5EF4-FFF2-40B4-BE49-F238E27FC236}">
-                <a16:creationId xmlns:a16="http://schemas.microsoft.com/office/drawing/2014/main" id="{0CB2BC5A-C315-044B-9650-223B7BD06484}"/>
-              </a:ext>
-            </a:extLst>
-          </p:cNvPr>
+          <p:cNvPr id="12" name="Picture 11"/>
           <p:cNvPicPr>
             <a:picLocks noChangeAspect="1"/>
           </p:cNvPicPr>
@@ -6418,13 +6184,7 @@
       </p:pic>
       <p:sp>
         <p:nvSpPr>
-          <p:cNvPr id="11" name="TextBox 10">
-            <a:extLst>
-              <a:ext uri="{FF2B5EF4-FFF2-40B4-BE49-F238E27FC236}">
-                <a16:creationId xmlns:a16="http://schemas.microsoft.com/office/drawing/2014/main" id="{70C1A387-774E-014B-9450-977F5947D143}"/>
-              </a:ext>
-            </a:extLst>
-          </p:cNvPr>
+          <p:cNvPr id="11" name="TextBox 10"/>
           <p:cNvSpPr txBox="1"/>
           <p:nvPr/>
         </p:nvSpPr>
@@ -6453,13 +6213,7 @@
       </p:sp>
       <p:sp>
         <p:nvSpPr>
-          <p:cNvPr id="14" name="TextBox 13">
-            <a:extLst>
-              <a:ext uri="{FF2B5EF4-FFF2-40B4-BE49-F238E27FC236}">
-                <a16:creationId xmlns:a16="http://schemas.microsoft.com/office/drawing/2014/main" id="{DC03026F-753C-8A43-812D-B16F564DE102}"/>
-              </a:ext>
-            </a:extLst>
-          </p:cNvPr>
+          <p:cNvPr id="14" name="TextBox 13"/>
           <p:cNvSpPr txBox="1"/>
           <p:nvPr/>
         </p:nvSpPr>
@@ -6487,11 +6241,6 @@
         </p:txBody>
       </p:sp>
     </p:spTree>
-    <p:extLst>
-      <p:ext uri="{BB962C8B-B14F-4D97-AF65-F5344CB8AC3E}">
-        <p14:creationId xmlns:p14="http://schemas.microsoft.com/office/powerpoint/2010/main" val="1515554317"/>
-      </p:ext>
-    </p:extLst>
   </p:cSld>
   <p:clrMapOvr>
     <a:masterClrMapping/>
@@ -6607,13 +6356,7 @@
       </p:grpSpPr>
       <p:sp>
         <p:nvSpPr>
-          <p:cNvPr id="6" name="文本框 11">
-            <a:extLst>
-              <a:ext uri="{FF2B5EF4-FFF2-40B4-BE49-F238E27FC236}">
-                <a16:creationId xmlns:a16="http://schemas.microsoft.com/office/drawing/2014/main" id="{F7612B7A-814B-9E46-A11D-68312E2C5D00}"/>
-              </a:ext>
-            </a:extLst>
-          </p:cNvPr>
+          <p:cNvPr id="6" name="文本框 11"/>
           <p:cNvSpPr txBox="1"/>
           <p:nvPr/>
         </p:nvSpPr>
@@ -6667,13 +6410,7 @@
       </p:sp>
       <p:sp>
         <p:nvSpPr>
-          <p:cNvPr id="9" name="文本框 13">
-            <a:extLst>
-              <a:ext uri="{FF2B5EF4-FFF2-40B4-BE49-F238E27FC236}">
-                <a16:creationId xmlns:a16="http://schemas.microsoft.com/office/drawing/2014/main" id="{02260045-CD4C-464C-B260-9F5B408A1346}"/>
-              </a:ext>
-            </a:extLst>
-          </p:cNvPr>
+          <p:cNvPr id="9" name="文本框 13"/>
           <p:cNvSpPr txBox="1"/>
           <p:nvPr/>
         </p:nvSpPr>
@@ -6848,13 +6585,7 @@
       </p:sp>
       <p:pic>
         <p:nvPicPr>
-          <p:cNvPr id="21" name="Picture 20">
-            <a:extLst>
-              <a:ext uri="{FF2B5EF4-FFF2-40B4-BE49-F238E27FC236}">
-                <a16:creationId xmlns:a16="http://schemas.microsoft.com/office/drawing/2014/main" id="{DE602C48-AB1A-2B45-8C41-BA31899E214B}"/>
-              </a:ext>
-            </a:extLst>
-          </p:cNvPr>
+          <p:cNvPr id="21" name="Picture 20"/>
           <p:cNvPicPr>
             <a:picLocks noChangeAspect="1"/>
           </p:cNvPicPr>
@@ -6883,11 +6614,6 @@
         </p:spPr>
       </p:pic>
     </p:spTree>
-    <p:extLst>
-      <p:ext uri="{BB962C8B-B14F-4D97-AF65-F5344CB8AC3E}">
-        <p14:creationId xmlns:p14="http://schemas.microsoft.com/office/powerpoint/2010/main" val="2511758601"/>
-      </p:ext>
-    </p:extLst>
   </p:cSld>
   <p:clrMapOvr>
     <a:masterClrMapping/>
@@ -6989,13 +6715,7 @@
       </p:grpSpPr>
       <p:sp>
         <p:nvSpPr>
-          <p:cNvPr id="6" name="文本框 11">
-            <a:extLst>
-              <a:ext uri="{FF2B5EF4-FFF2-40B4-BE49-F238E27FC236}">
-                <a16:creationId xmlns:a16="http://schemas.microsoft.com/office/drawing/2014/main" id="{F7612B7A-814B-9E46-A11D-68312E2C5D00}"/>
-              </a:ext>
-            </a:extLst>
-          </p:cNvPr>
+          <p:cNvPr id="6" name="文本框 11"/>
           <p:cNvSpPr txBox="1"/>
           <p:nvPr/>
         </p:nvSpPr>
@@ -7049,13 +6769,7 @@
       </p:sp>
       <p:sp>
         <p:nvSpPr>
-          <p:cNvPr id="9" name="文本框 13">
-            <a:extLst>
-              <a:ext uri="{FF2B5EF4-FFF2-40B4-BE49-F238E27FC236}">
-                <a16:creationId xmlns:a16="http://schemas.microsoft.com/office/drawing/2014/main" id="{02260045-CD4C-464C-B260-9F5B408A1346}"/>
-              </a:ext>
-            </a:extLst>
-          </p:cNvPr>
+          <p:cNvPr id="9" name="文本框 13"/>
           <p:cNvSpPr txBox="1"/>
           <p:nvPr/>
         </p:nvSpPr>
@@ -7230,13 +6944,7 @@
       </p:sp>
       <p:pic>
         <p:nvPicPr>
-          <p:cNvPr id="15" name="Picture 14">
-            <a:extLst>
-              <a:ext uri="{FF2B5EF4-FFF2-40B4-BE49-F238E27FC236}">
-                <a16:creationId xmlns:a16="http://schemas.microsoft.com/office/drawing/2014/main" id="{F6C6B7DB-97F5-D64E-AD21-D0332BE2858B}"/>
-              </a:ext>
-            </a:extLst>
-          </p:cNvPr>
+          <p:cNvPr id="15" name="Picture 14"/>
           <p:cNvPicPr>
             <a:picLocks noChangeAspect="1"/>
           </p:cNvPicPr>
@@ -7265,11 +6973,6 @@
         </p:spPr>
       </p:pic>
     </p:spTree>
-    <p:extLst>
-      <p:ext uri="{BB962C8B-B14F-4D97-AF65-F5344CB8AC3E}">
-        <p14:creationId xmlns:p14="http://schemas.microsoft.com/office/powerpoint/2010/main" val="2882728164"/>
-      </p:ext>
-    </p:extLst>
   </p:cSld>
   <p:clrMapOvr>
     <a:masterClrMapping/>
@@ -7431,13 +7134,7 @@
       </p:grpSpPr>
       <p:sp>
         <p:nvSpPr>
-          <p:cNvPr id="4" name="任意多边形: 形状 3">
-            <a:extLst>
-              <a:ext uri="{FF2B5EF4-FFF2-40B4-BE49-F238E27FC236}">
-                <a16:creationId xmlns:a16="http://schemas.microsoft.com/office/drawing/2014/main" id="{7349F19F-0CA8-4BD9-BB5B-3EBA1EB08F41}"/>
-              </a:ext>
-            </a:extLst>
-          </p:cNvPr>
+          <p:cNvPr id="4" name="任意多边形: 形状 3"/>
           <p:cNvSpPr/>
           <p:nvPr/>
         </p:nvSpPr>
@@ -7532,9 +7229,6 @@
         </p:style>
         <p:txBody>
           <a:bodyPr rot="0" spcFirstLastPara="0" vertOverflow="overflow" horzOverflow="overflow" vert="horz" wrap="square" lIns="68580" tIns="34290" rIns="68580" bIns="34290" numCol="1" spcCol="0" rtlCol="0" fromWordArt="0" anchor="ctr" anchorCtr="0" forceAA="0" compatLnSpc="1">
-            <a:prstTxWarp prst="textNoShape">
-              <a:avLst/>
-            </a:prstTxWarp>
             <a:noAutofit/>
           </a:bodyPr>
           <a:lstStyle/>
@@ -7546,13 +7240,7 @@
       </p:sp>
       <p:sp>
         <p:nvSpPr>
-          <p:cNvPr id="5" name="PA_矩形 43">
-            <a:extLst>
-              <a:ext uri="{FF2B5EF4-FFF2-40B4-BE49-F238E27FC236}">
-                <a16:creationId xmlns:a16="http://schemas.microsoft.com/office/drawing/2014/main" id="{BA56C56D-87E0-46DC-BA29-CCB65CC6AED9}"/>
-              </a:ext>
-            </a:extLst>
-          </p:cNvPr>
+          <p:cNvPr id="5" name="PA_矩形 43"/>
           <p:cNvSpPr/>
           <p:nvPr>
             <p:custDataLst>
@@ -7594,9 +7282,6 @@
         </p:style>
         <p:txBody>
           <a:bodyPr rot="0" spcFirstLastPara="0" vertOverflow="overflow" horzOverflow="overflow" vert="horz" wrap="square" lIns="68580" tIns="34290" rIns="68580" bIns="34290" numCol="1" spcCol="0" rtlCol="0" fromWordArt="0" anchor="ctr" anchorCtr="0" forceAA="0" compatLnSpc="1">
-            <a:prstTxWarp prst="textNoShape">
-              <a:avLst/>
-            </a:prstTxWarp>
             <a:noAutofit/>
           </a:bodyPr>
           <a:lstStyle/>
@@ -7608,13 +7293,7 @@
       </p:sp>
       <p:sp>
         <p:nvSpPr>
-          <p:cNvPr id="3" name="矩形 2">
-            <a:extLst>
-              <a:ext uri="{FF2B5EF4-FFF2-40B4-BE49-F238E27FC236}">
-                <a16:creationId xmlns:a16="http://schemas.microsoft.com/office/drawing/2014/main" id="{D06372BB-7887-4BB9-97D9-CAA2439E7609}"/>
-              </a:ext>
-            </a:extLst>
-          </p:cNvPr>
+          <p:cNvPr id="3" name="矩形 2"/>
           <p:cNvSpPr/>
           <p:nvPr/>
         </p:nvSpPr>
@@ -7667,13 +7346,7 @@
       </p:sp>
       <p:sp>
         <p:nvSpPr>
-          <p:cNvPr id="6" name="文本框 5">
-            <a:extLst>
-              <a:ext uri="{FF2B5EF4-FFF2-40B4-BE49-F238E27FC236}">
-                <a16:creationId xmlns:a16="http://schemas.microsoft.com/office/drawing/2014/main" id="{477939BC-E4B7-47B5-846B-8F668E18DA89}"/>
-              </a:ext>
-            </a:extLst>
-          </p:cNvPr>
+          <p:cNvPr id="6" name="文本框 5"/>
           <p:cNvSpPr txBox="1"/>
           <p:nvPr/>
         </p:nvSpPr>
@@ -7732,16 +7405,8 @@
       </p:sp>
       <p:cxnSp>
         <p:nvCxnSpPr>
-          <p:cNvPr id="8" name="直接连接符 7">
-            <a:extLst>
-              <a:ext uri="{FF2B5EF4-FFF2-40B4-BE49-F238E27FC236}">
-                <a16:creationId xmlns:a16="http://schemas.microsoft.com/office/drawing/2014/main" id="{92EAE5FE-4E79-4617-8918-D4DBE3301425}"/>
-              </a:ext>
-            </a:extLst>
-          </p:cNvPr>
-          <p:cNvCxnSpPr>
-            <a:cxnSpLocks/>
-          </p:cNvCxnSpPr>
+          <p:cNvPr id="8" name="直接连接符 7"/>
+          <p:cNvCxnSpPr/>
           <p:nvPr/>
         </p:nvCxnSpPr>
         <p:spPr>
@@ -7779,13 +7444,7 @@
       </p:cxnSp>
       <p:sp>
         <p:nvSpPr>
-          <p:cNvPr id="13" name="Freeform 87">
-            <a:extLst>
-              <a:ext uri="{FF2B5EF4-FFF2-40B4-BE49-F238E27FC236}">
-                <a16:creationId xmlns:a16="http://schemas.microsoft.com/office/drawing/2014/main" id="{3D78EF1C-366E-4188-A351-266352B851D1}"/>
-              </a:ext>
-            </a:extLst>
-          </p:cNvPr>
+          <p:cNvPr id="13" name="Freeform 87"/>
           <p:cNvSpPr>
             <a:spLocks noEditPoints="1"/>
           </p:cNvSpPr>
@@ -8210,14 +7869,9 @@
           <a:ln>
             <a:noFill/>
           </a:ln>
-          <a:extLst/>
         </p:spPr>
         <p:txBody>
-          <a:bodyPr vert="horz" wrap="square" lIns="68580" tIns="34290" rIns="68580" bIns="34290" numCol="1" anchor="t" anchorCtr="0" compatLnSpc="1">
-            <a:prstTxWarp prst="textNoShape">
-              <a:avLst/>
-            </a:prstTxWarp>
-          </a:bodyPr>
+          <a:bodyPr vert="horz" wrap="square" lIns="68580" tIns="34290" rIns="68580" bIns="34290" numCol="1" anchor="t" anchorCtr="0" compatLnSpc="1"/>
           <a:lstStyle/>
           <a:p>
             <a:endParaRPr lang="zh-CN" altLang="en-US" sz="1350"/>
@@ -8226,13 +7880,7 @@
       </p:sp>
       <p:pic>
         <p:nvPicPr>
-          <p:cNvPr id="10" name="Picture 9">
-            <a:extLst>
-              <a:ext uri="{FF2B5EF4-FFF2-40B4-BE49-F238E27FC236}">
-                <a16:creationId xmlns:a16="http://schemas.microsoft.com/office/drawing/2014/main" id="{84E67270-DC22-2249-B129-8D389457DE1D}"/>
-              </a:ext>
-            </a:extLst>
-          </p:cNvPr>
+          <p:cNvPr id="10" name="Picture 9"/>
           <p:cNvPicPr>
             <a:picLocks noChangeAspect="1"/>
           </p:cNvPicPr>
@@ -8256,13 +7904,7 @@
       </p:pic>
       <p:sp>
         <p:nvSpPr>
-          <p:cNvPr id="11" name="文本框 13">
-            <a:extLst>
-              <a:ext uri="{FF2B5EF4-FFF2-40B4-BE49-F238E27FC236}">
-                <a16:creationId xmlns:a16="http://schemas.microsoft.com/office/drawing/2014/main" id="{C452F7DD-E930-F049-8357-3DB2F1FBD47D}"/>
-              </a:ext>
-            </a:extLst>
-          </p:cNvPr>
+          <p:cNvPr id="11" name="文本框 13"/>
           <p:cNvSpPr txBox="1"/>
           <p:nvPr/>
         </p:nvSpPr>
@@ -8306,11 +7948,6 @@
         </p:txBody>
       </p:sp>
     </p:spTree>
-    <p:extLst>
-      <p:ext uri="{BB962C8B-B14F-4D97-AF65-F5344CB8AC3E}">
-        <p14:creationId xmlns:p14="http://schemas.microsoft.com/office/powerpoint/2010/main" val="3358958234"/>
-      </p:ext>
-    </p:extLst>
   </p:cSld>
   <p:clrMapOvr>
     <a:masterClrMapping/>
@@ -8349,13 +7986,7 @@
       </p:grpSpPr>
       <p:sp>
         <p:nvSpPr>
-          <p:cNvPr id="11" name="文本框 13">
-            <a:extLst>
-              <a:ext uri="{FF2B5EF4-FFF2-40B4-BE49-F238E27FC236}">
-                <a16:creationId xmlns:a16="http://schemas.microsoft.com/office/drawing/2014/main" id="{C452F7DD-E930-F049-8357-3DB2F1FBD47D}"/>
-              </a:ext>
-            </a:extLst>
-          </p:cNvPr>
+          <p:cNvPr id="11" name="文本框 13"/>
           <p:cNvSpPr txBox="1"/>
           <p:nvPr/>
         </p:nvSpPr>
@@ -8440,13 +8071,7 @@
       </p:sp>
       <p:sp>
         <p:nvSpPr>
-          <p:cNvPr id="2" name="TextBox 1">
-            <a:extLst>
-              <a:ext uri="{FF2B5EF4-FFF2-40B4-BE49-F238E27FC236}">
-                <a16:creationId xmlns:a16="http://schemas.microsoft.com/office/drawing/2014/main" id="{74F7D6B7-D325-D94A-BBD9-094DAB79D858}"/>
-              </a:ext>
-            </a:extLst>
-          </p:cNvPr>
+          <p:cNvPr id="2" name="TextBox 1"/>
           <p:cNvSpPr txBox="1"/>
           <p:nvPr/>
         </p:nvSpPr>
@@ -8610,11 +8235,6 @@
         </p:txBody>
       </p:sp>
     </p:spTree>
-    <p:extLst>
-      <p:ext uri="{BB962C8B-B14F-4D97-AF65-F5344CB8AC3E}">
-        <p14:creationId xmlns:p14="http://schemas.microsoft.com/office/powerpoint/2010/main" val="2657464095"/>
-      </p:ext>
-    </p:extLst>
   </p:cSld>
   <p:clrMapOvr>
     <a:masterClrMapping/>
@@ -8653,13 +8273,7 @@
       </p:grpSpPr>
       <p:sp>
         <p:nvSpPr>
-          <p:cNvPr id="17" name="矩形: 圆角 16">
-            <a:extLst>
-              <a:ext uri="{FF2B5EF4-FFF2-40B4-BE49-F238E27FC236}">
-                <a16:creationId xmlns:a16="http://schemas.microsoft.com/office/drawing/2014/main" id="{F42B0FDC-7F0A-4274-BB32-40AA03CF4B89}"/>
-              </a:ext>
-            </a:extLst>
-          </p:cNvPr>
+          <p:cNvPr id="17" name="矩形: 圆角 16"/>
           <p:cNvSpPr/>
           <p:nvPr/>
         </p:nvSpPr>
@@ -8705,9 +8319,6 @@
         </p:style>
         <p:txBody>
           <a:bodyPr rot="0" spcFirstLastPara="0" vertOverflow="overflow" horzOverflow="overflow" vert="horz" wrap="square" lIns="68580" tIns="34290" rIns="68580" bIns="34290" numCol="1" spcCol="0" rtlCol="0" fromWordArt="0" anchor="ctr" anchorCtr="0" forceAA="0" compatLnSpc="1">
-            <a:prstTxWarp prst="textNoShape">
-              <a:avLst/>
-            </a:prstTxWarp>
             <a:noAutofit/>
           </a:bodyPr>
           <a:lstStyle/>
@@ -8719,13 +8330,7 @@
       </p:sp>
       <p:sp>
         <p:nvSpPr>
-          <p:cNvPr id="7" name="矩形 6">
-            <a:extLst>
-              <a:ext uri="{FF2B5EF4-FFF2-40B4-BE49-F238E27FC236}">
-                <a16:creationId xmlns:a16="http://schemas.microsoft.com/office/drawing/2014/main" id="{9E0001B5-755E-4CB0-B519-33ECD03C4103}"/>
-              </a:ext>
-            </a:extLst>
-          </p:cNvPr>
+          <p:cNvPr id="7" name="矩形 6"/>
           <p:cNvSpPr/>
           <p:nvPr/>
         </p:nvSpPr>
@@ -8778,13 +8383,7 @@
       </p:sp>
       <p:sp>
         <p:nvSpPr>
-          <p:cNvPr id="11" name="文本框 10">
-            <a:extLst>
-              <a:ext uri="{FF2B5EF4-FFF2-40B4-BE49-F238E27FC236}">
-                <a16:creationId xmlns:a16="http://schemas.microsoft.com/office/drawing/2014/main" id="{1E7D19AE-3389-4785-8E38-88141D17B425}"/>
-              </a:ext>
-            </a:extLst>
-          </p:cNvPr>
+          <p:cNvPr id="11" name="文本框 10"/>
           <p:cNvSpPr txBox="1"/>
           <p:nvPr/>
         </p:nvSpPr>
@@ -8834,13 +8433,7 @@
       </p:sp>
       <p:sp>
         <p:nvSpPr>
-          <p:cNvPr id="18" name="文本框 17">
-            <a:extLst>
-              <a:ext uri="{FF2B5EF4-FFF2-40B4-BE49-F238E27FC236}">
-                <a16:creationId xmlns:a16="http://schemas.microsoft.com/office/drawing/2014/main" id="{FD862214-C751-4003-B087-CD815DBBF723}"/>
-              </a:ext>
-            </a:extLst>
-          </p:cNvPr>
+          <p:cNvPr id="18" name="文本框 17"/>
           <p:cNvSpPr txBox="1"/>
           <p:nvPr/>
         </p:nvSpPr>
@@ -8894,13 +8487,7 @@
       </p:sp>
       <p:sp>
         <p:nvSpPr>
-          <p:cNvPr id="19" name="矩形 6">
-            <a:extLst>
-              <a:ext uri="{FF2B5EF4-FFF2-40B4-BE49-F238E27FC236}">
-                <a16:creationId xmlns:a16="http://schemas.microsoft.com/office/drawing/2014/main" id="{E724B448-D23F-7F43-B1EA-EE4CF276EDF8}"/>
-              </a:ext>
-            </a:extLst>
-          </p:cNvPr>
+          <p:cNvPr id="19" name="矩形 6"/>
           <p:cNvSpPr/>
           <p:nvPr/>
         </p:nvSpPr>
@@ -8953,13 +8540,7 @@
       </p:sp>
       <p:sp>
         <p:nvSpPr>
-          <p:cNvPr id="20" name="文本框 10">
-            <a:extLst>
-              <a:ext uri="{FF2B5EF4-FFF2-40B4-BE49-F238E27FC236}">
-                <a16:creationId xmlns:a16="http://schemas.microsoft.com/office/drawing/2014/main" id="{78D88BAB-711F-6C4F-BB6E-5C44FB4496D9}"/>
-              </a:ext>
-            </a:extLst>
-          </p:cNvPr>
+          <p:cNvPr id="20" name="文本框 10"/>
           <p:cNvSpPr txBox="1"/>
           <p:nvPr/>
         </p:nvSpPr>
@@ -9021,13 +8602,7 @@
       </p:sp>
       <p:sp>
         <p:nvSpPr>
-          <p:cNvPr id="23" name="矩形 6">
-            <a:extLst>
-              <a:ext uri="{FF2B5EF4-FFF2-40B4-BE49-F238E27FC236}">
-                <a16:creationId xmlns:a16="http://schemas.microsoft.com/office/drawing/2014/main" id="{455F2000-8D22-F046-BDFE-F377B5B6E65A}"/>
-              </a:ext>
-            </a:extLst>
-          </p:cNvPr>
+          <p:cNvPr id="23" name="矩形 6"/>
           <p:cNvSpPr/>
           <p:nvPr/>
         </p:nvSpPr>
@@ -9080,13 +8655,7 @@
       </p:sp>
       <p:sp>
         <p:nvSpPr>
-          <p:cNvPr id="24" name="文本框 10">
-            <a:extLst>
-              <a:ext uri="{FF2B5EF4-FFF2-40B4-BE49-F238E27FC236}">
-                <a16:creationId xmlns:a16="http://schemas.microsoft.com/office/drawing/2014/main" id="{0C306B29-99C0-DB42-8EC0-C8C26C4738B9}"/>
-              </a:ext>
-            </a:extLst>
-          </p:cNvPr>
+          <p:cNvPr id="24" name="文本框 10"/>
           <p:cNvSpPr txBox="1"/>
           <p:nvPr/>
         </p:nvSpPr>
@@ -9163,11 +8732,6 @@
         </p:txBody>
       </p:sp>
     </p:spTree>
-    <p:extLst>
-      <p:ext uri="{BB962C8B-B14F-4D97-AF65-F5344CB8AC3E}">
-        <p14:creationId xmlns:p14="http://schemas.microsoft.com/office/powerpoint/2010/main" val="4278177560"/>
-      </p:ext>
-    </p:extLst>
   </p:cSld>
   <p:clrMapOvr>
     <a:masterClrMapping/>
@@ -9197,13 +8761,7 @@
       </p:grpSpPr>
       <p:sp>
         <p:nvSpPr>
-          <p:cNvPr id="4" name="任意多边形: 形状 3">
-            <a:extLst>
-              <a:ext uri="{FF2B5EF4-FFF2-40B4-BE49-F238E27FC236}">
-                <a16:creationId xmlns:a16="http://schemas.microsoft.com/office/drawing/2014/main" id="{7349F19F-0CA8-4BD9-BB5B-3EBA1EB08F41}"/>
-              </a:ext>
-            </a:extLst>
-          </p:cNvPr>
+          <p:cNvPr id="4" name="任意多边形: 形状 3"/>
           <p:cNvSpPr/>
           <p:nvPr/>
         </p:nvSpPr>
@@ -9298,9 +8856,6 @@
         </p:style>
         <p:txBody>
           <a:bodyPr rot="0" spcFirstLastPara="0" vertOverflow="overflow" horzOverflow="overflow" vert="horz" wrap="square" lIns="68580" tIns="34290" rIns="68580" bIns="34290" numCol="1" spcCol="0" rtlCol="0" fromWordArt="0" anchor="ctr" anchorCtr="0" forceAA="0" compatLnSpc="1">
-            <a:prstTxWarp prst="textNoShape">
-              <a:avLst/>
-            </a:prstTxWarp>
             <a:noAutofit/>
           </a:bodyPr>
           <a:lstStyle/>
@@ -9312,13 +8867,7 @@
       </p:sp>
       <p:sp>
         <p:nvSpPr>
-          <p:cNvPr id="3" name="矩形 2">
-            <a:extLst>
-              <a:ext uri="{FF2B5EF4-FFF2-40B4-BE49-F238E27FC236}">
-                <a16:creationId xmlns:a16="http://schemas.microsoft.com/office/drawing/2014/main" id="{D06372BB-7887-4BB9-97D9-CAA2439E7609}"/>
-              </a:ext>
-            </a:extLst>
-          </p:cNvPr>
+          <p:cNvPr id="3" name="矩形 2"/>
           <p:cNvSpPr/>
           <p:nvPr/>
         </p:nvSpPr>
@@ -9371,13 +8920,7 @@
       </p:sp>
       <p:sp>
         <p:nvSpPr>
-          <p:cNvPr id="6" name="文本框 5">
-            <a:extLst>
-              <a:ext uri="{FF2B5EF4-FFF2-40B4-BE49-F238E27FC236}">
-                <a16:creationId xmlns:a16="http://schemas.microsoft.com/office/drawing/2014/main" id="{477939BC-E4B7-47B5-846B-8F668E18DA89}"/>
-              </a:ext>
-            </a:extLst>
-          </p:cNvPr>
+          <p:cNvPr id="6" name="文本框 5"/>
           <p:cNvSpPr txBox="1"/>
           <p:nvPr/>
         </p:nvSpPr>
@@ -9421,13 +8964,7 @@
       </p:sp>
       <p:pic>
         <p:nvPicPr>
-          <p:cNvPr id="10" name="Picture 9">
-            <a:extLst>
-              <a:ext uri="{FF2B5EF4-FFF2-40B4-BE49-F238E27FC236}">
-                <a16:creationId xmlns:a16="http://schemas.microsoft.com/office/drawing/2014/main" id="{5056D8B1-1FCE-BB4B-B290-336DB3A69E73}"/>
-              </a:ext>
-            </a:extLst>
-          </p:cNvPr>
+          <p:cNvPr id="10" name="Picture 9"/>
           <p:cNvPicPr>
             <a:picLocks noChangeAspect="1"/>
           </p:cNvPicPr>
@@ -9457,13 +8994,7 @@
       </p:pic>
       <p:sp>
         <p:nvSpPr>
-          <p:cNvPr id="2" name="TextBox 1">
-            <a:extLst>
-              <a:ext uri="{FF2B5EF4-FFF2-40B4-BE49-F238E27FC236}">
-                <a16:creationId xmlns:a16="http://schemas.microsoft.com/office/drawing/2014/main" id="{50558909-2D3A-9D4B-B52C-141486FC191F}"/>
-              </a:ext>
-            </a:extLst>
-          </p:cNvPr>
+          <p:cNvPr id="2" name="TextBox 1"/>
           <p:cNvSpPr txBox="1"/>
           <p:nvPr/>
         </p:nvSpPr>
@@ -9500,11 +9031,6 @@
         </p:txBody>
       </p:sp>
     </p:spTree>
-    <p:extLst>
-      <p:ext uri="{BB962C8B-B14F-4D97-AF65-F5344CB8AC3E}">
-        <p14:creationId xmlns:p14="http://schemas.microsoft.com/office/powerpoint/2010/main" val="1902876972"/>
-      </p:ext>
-    </p:extLst>
   </p:cSld>
   <p:clrMapOvr>
     <a:masterClrMapping/>
@@ -9521,269 +9047,6 @@
       </p:transition>
     </mc:Fallback>
   </mc:AlternateContent>
-  <p:timing>
-    <p:tnLst>
-      <p:par>
-        <p:cTn id="1" dur="indefinite" restart="never" nodeType="tmRoot">
-          <p:childTnLst>
-            <p:seq concurrent="1" nextAc="seek">
-              <p:cTn id="2" dur="indefinite" nodeType="mainSeq">
-                <p:childTnLst>
-                  <p:par>
-                    <p:cTn id="3" fill="hold">
-                      <p:stCondLst>
-                        <p:cond delay="indefinite"/>
-                        <p:cond evt="onBegin" delay="0">
-                          <p:tn val="2"/>
-                        </p:cond>
-                      </p:stCondLst>
-                      <p:childTnLst>
-                        <p:par>
-                          <p:cTn id="4" fill="hold">
-                            <p:stCondLst>
-                              <p:cond delay="0"/>
-                            </p:stCondLst>
-                            <p:childTnLst>
-                              <p:par>
-                                <p:cTn id="5" presetID="2" presetClass="entr" presetSubtype="8" decel="50000" fill="hold" grpId="0" nodeType="afterEffect">
-                                  <p:stCondLst>
-                                    <p:cond delay="0"/>
-                                  </p:stCondLst>
-                                  <p:childTnLst>
-                                    <p:set>
-                                      <p:cBhvr>
-                                        <p:cTn id="6" dur="1" fill="hold">
-                                          <p:stCondLst>
-                                            <p:cond delay="0"/>
-                                          </p:stCondLst>
-                                        </p:cTn>
-                                        <p:tgtEl>
-                                          <p:spTgt spid="4"/>
-                                        </p:tgtEl>
-                                        <p:attrNameLst>
-                                          <p:attrName>style.visibility</p:attrName>
-                                        </p:attrNameLst>
-                                      </p:cBhvr>
-                                      <p:to>
-                                        <p:strVal val="visible"/>
-                                      </p:to>
-                                    </p:set>
-                                    <p:anim calcmode="lin" valueType="num">
-                                      <p:cBhvr additive="base">
-                                        <p:cTn id="7" dur="1000" fill="hold"/>
-                                        <p:tgtEl>
-                                          <p:spTgt spid="4"/>
-                                        </p:tgtEl>
-                                        <p:attrNameLst>
-                                          <p:attrName>ppt_x</p:attrName>
-                                        </p:attrNameLst>
-                                      </p:cBhvr>
-                                      <p:tavLst>
-                                        <p:tav tm="0">
-                                          <p:val>
-                                            <p:strVal val="0-#ppt_w/2"/>
-                                          </p:val>
-                                        </p:tav>
-                                        <p:tav tm="100000">
-                                          <p:val>
-                                            <p:strVal val="#ppt_x"/>
-                                          </p:val>
-                                        </p:tav>
-                                      </p:tavLst>
-                                    </p:anim>
-                                    <p:anim calcmode="lin" valueType="num">
-                                      <p:cBhvr additive="base">
-                                        <p:cTn id="8" dur="1000" fill="hold"/>
-                                        <p:tgtEl>
-                                          <p:spTgt spid="4"/>
-                                        </p:tgtEl>
-                                        <p:attrNameLst>
-                                          <p:attrName>ppt_y</p:attrName>
-                                        </p:attrNameLst>
-                                      </p:cBhvr>
-                                      <p:tavLst>
-                                        <p:tav tm="0">
-                                          <p:val>
-                                            <p:strVal val="#ppt_y"/>
-                                          </p:val>
-                                        </p:tav>
-                                        <p:tav tm="100000">
-                                          <p:val>
-                                            <p:strVal val="#ppt_y"/>
-                                          </p:val>
-                                        </p:tav>
-                                      </p:tavLst>
-                                    </p:anim>
-                                  </p:childTnLst>
-                                </p:cTn>
-                              </p:par>
-                            </p:childTnLst>
-                          </p:cTn>
-                        </p:par>
-                        <p:par>
-                          <p:cTn id="9" fill="hold">
-                            <p:stCondLst>
-                              <p:cond delay="1000"/>
-                            </p:stCondLst>
-                            <p:childTnLst>
-                              <p:par>
-                                <p:cTn id="10" presetID="42" presetClass="entr" presetSubtype="0" fill="hold" grpId="0" nodeType="afterEffect">
-                                  <p:stCondLst>
-                                    <p:cond delay="0"/>
-                                  </p:stCondLst>
-                                  <p:childTnLst>
-                                    <p:set>
-                                      <p:cBhvr>
-                                        <p:cTn id="11" dur="1" fill="hold">
-                                          <p:stCondLst>
-                                            <p:cond delay="0"/>
-                                          </p:stCondLst>
-                                        </p:cTn>
-                                        <p:tgtEl>
-                                          <p:spTgt spid="3"/>
-                                        </p:tgtEl>
-                                        <p:attrNameLst>
-                                          <p:attrName>style.visibility</p:attrName>
-                                        </p:attrNameLst>
-                                      </p:cBhvr>
-                                      <p:to>
-                                        <p:strVal val="visible"/>
-                                      </p:to>
-                                    </p:set>
-                                    <p:animEffect transition="in" filter="fade">
-                                      <p:cBhvr>
-                                        <p:cTn id="12" dur="1000"/>
-                                        <p:tgtEl>
-                                          <p:spTgt spid="3"/>
-                                        </p:tgtEl>
-                                      </p:cBhvr>
-                                    </p:animEffect>
-                                    <p:anim calcmode="lin" valueType="num">
-                                      <p:cBhvr>
-                                        <p:cTn id="13" dur="1000" fill="hold"/>
-                                        <p:tgtEl>
-                                          <p:spTgt spid="3"/>
-                                        </p:tgtEl>
-                                        <p:attrNameLst>
-                                          <p:attrName>ppt_x</p:attrName>
-                                        </p:attrNameLst>
-                                      </p:cBhvr>
-                                      <p:tavLst>
-                                        <p:tav tm="0">
-                                          <p:val>
-                                            <p:strVal val="#ppt_x"/>
-                                          </p:val>
-                                        </p:tav>
-                                        <p:tav tm="100000">
-                                          <p:val>
-                                            <p:strVal val="#ppt_x"/>
-                                          </p:val>
-                                        </p:tav>
-                                      </p:tavLst>
-                                    </p:anim>
-                                    <p:anim calcmode="lin" valueType="num">
-                                      <p:cBhvr>
-                                        <p:cTn id="14" dur="1000" fill="hold"/>
-                                        <p:tgtEl>
-                                          <p:spTgt spid="3"/>
-                                        </p:tgtEl>
-                                        <p:attrNameLst>
-                                          <p:attrName>ppt_y</p:attrName>
-                                        </p:attrNameLst>
-                                      </p:cBhvr>
-                                      <p:tavLst>
-                                        <p:tav tm="0">
-                                          <p:val>
-                                            <p:strVal val="#ppt_y+.1"/>
-                                          </p:val>
-                                        </p:tav>
-                                        <p:tav tm="100000">
-                                          <p:val>
-                                            <p:strVal val="#ppt_y"/>
-                                          </p:val>
-                                        </p:tav>
-                                      </p:tavLst>
-                                    </p:anim>
-                                  </p:childTnLst>
-                                </p:cTn>
-                              </p:par>
-                            </p:childTnLst>
-                          </p:cTn>
-                        </p:par>
-                        <p:par>
-                          <p:cTn id="15" fill="hold">
-                            <p:stCondLst>
-                              <p:cond delay="2000"/>
-                            </p:stCondLst>
-                            <p:childTnLst>
-                              <p:par>
-                                <p:cTn id="16" presetID="22" presetClass="entr" presetSubtype="1" fill="hold" grpId="0" nodeType="afterEffect">
-                                  <p:stCondLst>
-                                    <p:cond delay="0"/>
-                                  </p:stCondLst>
-                                  <p:childTnLst>
-                                    <p:set>
-                                      <p:cBhvr>
-                                        <p:cTn id="17" dur="1" fill="hold">
-                                          <p:stCondLst>
-                                            <p:cond delay="0"/>
-                                          </p:stCondLst>
-                                        </p:cTn>
-                                        <p:tgtEl>
-                                          <p:spTgt spid="6"/>
-                                        </p:tgtEl>
-                                        <p:attrNameLst>
-                                          <p:attrName>style.visibility</p:attrName>
-                                        </p:attrNameLst>
-                                      </p:cBhvr>
-                                      <p:to>
-                                        <p:strVal val="visible"/>
-                                      </p:to>
-                                    </p:set>
-                                    <p:animEffect transition="in" filter="wipe(up)">
-                                      <p:cBhvr>
-                                        <p:cTn id="18" dur="1000"/>
-                                        <p:tgtEl>
-                                          <p:spTgt spid="6"/>
-                                        </p:tgtEl>
-                                      </p:cBhvr>
-                                    </p:animEffect>
-                                  </p:childTnLst>
-                                </p:cTn>
-                              </p:par>
-                            </p:childTnLst>
-                          </p:cTn>
-                        </p:par>
-                      </p:childTnLst>
-                    </p:cTn>
-                  </p:par>
-                </p:childTnLst>
-              </p:cTn>
-              <p:prevCondLst>
-                <p:cond evt="onPrev" delay="0">
-                  <p:tgtEl>
-                    <p:sldTgt/>
-                  </p:tgtEl>
-                </p:cond>
-              </p:prevCondLst>
-              <p:nextCondLst>
-                <p:cond evt="onNext" delay="0">
-                  <p:tgtEl>
-                    <p:sldTgt/>
-                  </p:tgtEl>
-                </p:cond>
-              </p:nextCondLst>
-            </p:seq>
-          </p:childTnLst>
-        </p:cTn>
-      </p:par>
-    </p:tnLst>
-    <p:bldLst>
-      <p:bldP spid="4" grpId="0" animBg="1"/>
-      <p:bldP spid="3" grpId="0" animBg="1"/>
-      <p:bldP spid="6" grpId="0"/>
-    </p:bldLst>
-  </p:timing>
 </p:sld>
 </file>
 
@@ -9806,13 +9069,7 @@
       </p:grpSpPr>
       <p:sp>
         <p:nvSpPr>
-          <p:cNvPr id="15" name="矩形 14">
-            <a:extLst>
-              <a:ext uri="{FF2B5EF4-FFF2-40B4-BE49-F238E27FC236}">
-                <a16:creationId xmlns:a16="http://schemas.microsoft.com/office/drawing/2014/main" id="{D3C59978-E4BC-4E53-B081-ECFC07D0DCDA}"/>
-              </a:ext>
-            </a:extLst>
-          </p:cNvPr>
+          <p:cNvPr id="15" name="矩形 14"/>
           <p:cNvSpPr/>
           <p:nvPr/>
         </p:nvSpPr>
@@ -9850,9 +9107,6 @@
         </p:style>
         <p:txBody>
           <a:bodyPr rot="0" spcFirstLastPara="0" vertOverflow="overflow" horzOverflow="overflow" vert="horz" wrap="square" lIns="68580" tIns="34290" rIns="68580" bIns="34290" numCol="1" spcCol="0" rtlCol="0" fromWordArt="0" anchor="ctr" anchorCtr="0" forceAA="0" compatLnSpc="1">
-            <a:prstTxWarp prst="textNoShape">
-              <a:avLst/>
-            </a:prstTxWarp>
             <a:noAutofit/>
           </a:bodyPr>
           <a:lstStyle/>
@@ -9864,13 +9118,7 @@
       </p:sp>
       <p:sp>
         <p:nvSpPr>
-          <p:cNvPr id="7" name="矩形 6">
-            <a:extLst>
-              <a:ext uri="{FF2B5EF4-FFF2-40B4-BE49-F238E27FC236}">
-                <a16:creationId xmlns:a16="http://schemas.microsoft.com/office/drawing/2014/main" id="{FA8FA9B7-661A-4838-A8C8-5EA1715D9F20}"/>
-              </a:ext>
-            </a:extLst>
-          </p:cNvPr>
+          <p:cNvPr id="7" name="矩形 6"/>
           <p:cNvSpPr/>
           <p:nvPr/>
         </p:nvSpPr>
@@ -9914,9 +9162,6 @@
         </p:style>
         <p:txBody>
           <a:bodyPr rot="0" spcFirstLastPara="0" vertOverflow="overflow" horzOverflow="overflow" vert="horz" wrap="square" lIns="68580" tIns="34290" rIns="68580" bIns="34290" numCol="1" spcCol="0" rtlCol="0" fromWordArt="0" anchor="ctr" anchorCtr="0" forceAA="0" compatLnSpc="1">
-            <a:prstTxWarp prst="textNoShape">
-              <a:avLst/>
-            </a:prstTxWarp>
             <a:noAutofit/>
           </a:bodyPr>
           <a:lstStyle/>
@@ -9928,13 +9173,7 @@
       </p:sp>
       <p:sp>
         <p:nvSpPr>
-          <p:cNvPr id="10" name="矩形: 圆角 9">
-            <a:extLst>
-              <a:ext uri="{FF2B5EF4-FFF2-40B4-BE49-F238E27FC236}">
-                <a16:creationId xmlns:a16="http://schemas.microsoft.com/office/drawing/2014/main" id="{8391298F-0216-4663-836E-2F14A93533B4}"/>
-              </a:ext>
-            </a:extLst>
-          </p:cNvPr>
+          <p:cNvPr id="10" name="矩形: 圆角 9"/>
           <p:cNvSpPr/>
           <p:nvPr/>
         </p:nvSpPr>
@@ -9980,9 +9219,6 @@
         </p:style>
         <p:txBody>
           <a:bodyPr rot="0" spcFirstLastPara="0" vertOverflow="overflow" horzOverflow="overflow" vert="horz" wrap="square" lIns="68580" tIns="34290" rIns="68580" bIns="34290" numCol="1" spcCol="0" rtlCol="0" fromWordArt="0" anchor="ctr" anchorCtr="0" forceAA="0" compatLnSpc="1">
-            <a:prstTxWarp prst="textNoShape">
-              <a:avLst/>
-            </a:prstTxWarp>
             <a:noAutofit/>
           </a:bodyPr>
           <a:lstStyle/>
@@ -9994,13 +9230,7 @@
       </p:sp>
       <p:sp>
         <p:nvSpPr>
-          <p:cNvPr id="8" name="文本框 7">
-            <a:extLst>
-              <a:ext uri="{FF2B5EF4-FFF2-40B4-BE49-F238E27FC236}">
-                <a16:creationId xmlns:a16="http://schemas.microsoft.com/office/drawing/2014/main" id="{F740B855-B4F2-4C89-9C91-6E3EBB86A768}"/>
-              </a:ext>
-            </a:extLst>
-          </p:cNvPr>
+          <p:cNvPr id="8" name="文本框 7"/>
           <p:cNvSpPr txBox="1"/>
           <p:nvPr/>
         </p:nvSpPr>
@@ -10103,13 +9333,7 @@
       </p:sp>
       <p:sp>
         <p:nvSpPr>
-          <p:cNvPr id="9" name="文本框 8">
-            <a:extLst>
-              <a:ext uri="{FF2B5EF4-FFF2-40B4-BE49-F238E27FC236}">
-                <a16:creationId xmlns:a16="http://schemas.microsoft.com/office/drawing/2014/main" id="{9090D3DB-0AFF-4BD3-8A3B-FF3D44796FB0}"/>
-              </a:ext>
-            </a:extLst>
-          </p:cNvPr>
+          <p:cNvPr id="9" name="文本框 8"/>
           <p:cNvSpPr txBox="1"/>
           <p:nvPr/>
         </p:nvSpPr>
@@ -10232,13 +9456,7 @@
       </p:sp>
       <p:sp>
         <p:nvSpPr>
-          <p:cNvPr id="5" name="文本框 4">
-            <a:extLst>
-              <a:ext uri="{FF2B5EF4-FFF2-40B4-BE49-F238E27FC236}">
-                <a16:creationId xmlns:a16="http://schemas.microsoft.com/office/drawing/2014/main" id="{8DD5A966-C00A-4F10-A054-95E8E14BD01B}"/>
-              </a:ext>
-            </a:extLst>
-          </p:cNvPr>
+          <p:cNvPr id="5" name="文本框 4"/>
           <p:cNvSpPr txBox="1"/>
           <p:nvPr/>
         </p:nvSpPr>
@@ -10281,13 +9499,7 @@
       </p:sp>
       <p:sp>
         <p:nvSpPr>
-          <p:cNvPr id="2" name="TextBox 1">
-            <a:extLst>
-              <a:ext uri="{FF2B5EF4-FFF2-40B4-BE49-F238E27FC236}">
-                <a16:creationId xmlns:a16="http://schemas.microsoft.com/office/drawing/2014/main" id="{8F8E30A9-A597-3543-A281-A402E15AACA3}"/>
-              </a:ext>
-            </a:extLst>
-          </p:cNvPr>
+          <p:cNvPr id="2" name="TextBox 1"/>
           <p:cNvSpPr txBox="1"/>
           <p:nvPr/>
         </p:nvSpPr>
@@ -10317,13 +9529,7 @@
       </p:sp>
       <p:sp>
         <p:nvSpPr>
-          <p:cNvPr id="3" name="TextBox 2">
-            <a:extLst>
-              <a:ext uri="{FF2B5EF4-FFF2-40B4-BE49-F238E27FC236}">
-                <a16:creationId xmlns:a16="http://schemas.microsoft.com/office/drawing/2014/main" id="{347469DE-0C9C-9F46-B899-8A47ACFA535B}"/>
-              </a:ext>
-            </a:extLst>
-          </p:cNvPr>
+          <p:cNvPr id="3" name="TextBox 2"/>
           <p:cNvSpPr txBox="1"/>
           <p:nvPr/>
         </p:nvSpPr>
@@ -10353,13 +9559,7 @@
       </p:sp>
       <p:sp>
         <p:nvSpPr>
-          <p:cNvPr id="4" name="TextBox 3">
-            <a:extLst>
-              <a:ext uri="{FF2B5EF4-FFF2-40B4-BE49-F238E27FC236}">
-                <a16:creationId xmlns:a16="http://schemas.microsoft.com/office/drawing/2014/main" id="{28266682-3336-E14E-91C3-D5F0D83864E4}"/>
-              </a:ext>
-            </a:extLst>
-          </p:cNvPr>
+          <p:cNvPr id="4" name="TextBox 3"/>
           <p:cNvSpPr txBox="1"/>
           <p:nvPr/>
         </p:nvSpPr>
@@ -10389,13 +9589,7 @@
       </p:sp>
       <p:sp>
         <p:nvSpPr>
-          <p:cNvPr id="14" name="Down Arrow 13">
-            <a:extLst>
-              <a:ext uri="{FF2B5EF4-FFF2-40B4-BE49-F238E27FC236}">
-                <a16:creationId xmlns:a16="http://schemas.microsoft.com/office/drawing/2014/main" id="{EED28DDC-6D28-8640-87F9-69B8CFEF1EA0}"/>
-              </a:ext>
-            </a:extLst>
-          </p:cNvPr>
+          <p:cNvPr id="14" name="Down Arrow 13"/>
           <p:cNvSpPr/>
           <p:nvPr/>
         </p:nvSpPr>
@@ -10455,13 +9649,7 @@
       </p:sp>
       <p:sp>
         <p:nvSpPr>
-          <p:cNvPr id="17" name="Down Arrow 16">
-            <a:extLst>
-              <a:ext uri="{FF2B5EF4-FFF2-40B4-BE49-F238E27FC236}">
-                <a16:creationId xmlns:a16="http://schemas.microsoft.com/office/drawing/2014/main" id="{C1222EF2-B69A-1F42-B220-733C799D85E7}"/>
-              </a:ext>
-            </a:extLst>
-          </p:cNvPr>
+          <p:cNvPr id="17" name="Down Arrow 16"/>
           <p:cNvSpPr/>
           <p:nvPr/>
         </p:nvSpPr>
@@ -10509,13 +9697,7 @@
       </p:sp>
       <p:sp>
         <p:nvSpPr>
-          <p:cNvPr id="18" name="Down Arrow 17">
-            <a:extLst>
-              <a:ext uri="{FF2B5EF4-FFF2-40B4-BE49-F238E27FC236}">
-                <a16:creationId xmlns:a16="http://schemas.microsoft.com/office/drawing/2014/main" id="{7DBCF8AE-2B2A-B141-9C69-BB4867D5CAC8}"/>
-              </a:ext>
-            </a:extLst>
-          </p:cNvPr>
+          <p:cNvPr id="18" name="Down Arrow 17"/>
           <p:cNvSpPr/>
           <p:nvPr/>
         </p:nvSpPr>
@@ -10563,13 +9745,7 @@
       </p:sp>
       <p:sp>
         <p:nvSpPr>
-          <p:cNvPr id="6" name="TextBox 5">
-            <a:extLst>
-              <a:ext uri="{FF2B5EF4-FFF2-40B4-BE49-F238E27FC236}">
-                <a16:creationId xmlns:a16="http://schemas.microsoft.com/office/drawing/2014/main" id="{5124EFA7-AD5D-A54D-9C39-1E767A4393A1}"/>
-              </a:ext>
-            </a:extLst>
-          </p:cNvPr>
+          <p:cNvPr id="6" name="TextBox 5"/>
           <p:cNvSpPr txBox="1"/>
           <p:nvPr/>
         </p:nvSpPr>
@@ -10603,13 +9779,7 @@
       </p:sp>
       <p:sp>
         <p:nvSpPr>
-          <p:cNvPr id="11" name="TextBox 10">
-            <a:extLst>
-              <a:ext uri="{FF2B5EF4-FFF2-40B4-BE49-F238E27FC236}">
-                <a16:creationId xmlns:a16="http://schemas.microsoft.com/office/drawing/2014/main" id="{8CBEEEFA-4B8C-1847-A685-223BB9143B80}"/>
-              </a:ext>
-            </a:extLst>
-          </p:cNvPr>
+          <p:cNvPr id="11" name="TextBox 10"/>
           <p:cNvSpPr txBox="1"/>
           <p:nvPr/>
         </p:nvSpPr>
@@ -10661,11 +9831,6 @@
         </p:txBody>
       </p:sp>
     </p:spTree>
-    <p:extLst>
-      <p:ext uri="{BB962C8B-B14F-4D97-AF65-F5344CB8AC3E}">
-        <p14:creationId xmlns:p14="http://schemas.microsoft.com/office/powerpoint/2010/main" val="4105007726"/>
-      </p:ext>
-    </p:extLst>
   </p:cSld>
   <p:clrMapOvr>
     <a:masterClrMapping/>
@@ -10987,7 +10152,7 @@
                                   <p:childTnLst>
                                     <p:animMotion origin="layout" path="M 3.61111E-6 3.7037E-7 L 0.00017 -0.06528 " pathEditMode="relative" rAng="0" ptsTypes="AA">
                                       <p:cBhvr>
-                                        <p:cTn id="28" dur="2000" fill="hold"/>
+                                        <p:cTn id="28" dur="1000" fill="hold"/>
                                         <p:tgtEl>
                                           <p:spTgt spid="8"/>
                                         </p:tgtEl>
@@ -11007,7 +10172,7 @@
                         <p:par>
                           <p:cTn id="29" fill="hold">
                             <p:stCondLst>
-                              <p:cond delay="2000"/>
+                              <p:cond delay="1000"/>
                             </p:stCondLst>
                             <p:childTnLst>
                               <p:par>
@@ -11311,13 +10476,7 @@
       </p:grpSpPr>
       <p:sp>
         <p:nvSpPr>
-          <p:cNvPr id="2" name="矩形 1">
-            <a:extLst>
-              <a:ext uri="{FF2B5EF4-FFF2-40B4-BE49-F238E27FC236}">
-                <a16:creationId xmlns:a16="http://schemas.microsoft.com/office/drawing/2014/main" id="{1CC05087-E4A6-48E6-B56B-F86165A09EF2}"/>
-              </a:ext>
-            </a:extLst>
-          </p:cNvPr>
+          <p:cNvPr id="2" name="矩形 1"/>
           <p:cNvSpPr/>
           <p:nvPr/>
         </p:nvSpPr>
@@ -11370,13 +10529,7 @@
       </p:sp>
       <p:sp>
         <p:nvSpPr>
-          <p:cNvPr id="3" name="矩形 2">
-            <a:extLst>
-              <a:ext uri="{FF2B5EF4-FFF2-40B4-BE49-F238E27FC236}">
-                <a16:creationId xmlns:a16="http://schemas.microsoft.com/office/drawing/2014/main" id="{02B39C57-17A5-4D83-BDB7-6FD2E59B75B7}"/>
-              </a:ext>
-            </a:extLst>
-          </p:cNvPr>
+          <p:cNvPr id="3" name="矩形 2"/>
           <p:cNvSpPr/>
           <p:nvPr/>
         </p:nvSpPr>
@@ -11420,9 +10573,6 @@
         </p:style>
         <p:txBody>
           <a:bodyPr rot="0" spcFirstLastPara="0" vertOverflow="overflow" horzOverflow="overflow" vert="horz" wrap="square" lIns="68580" tIns="34290" rIns="68580" bIns="34290" numCol="1" spcCol="0" rtlCol="0" fromWordArt="0" anchor="ctr" anchorCtr="0" forceAA="0" compatLnSpc="1">
-            <a:prstTxWarp prst="textNoShape">
-              <a:avLst/>
-            </a:prstTxWarp>
             <a:noAutofit/>
           </a:bodyPr>
           <a:lstStyle/>
@@ -11434,13 +10584,7 @@
       </p:sp>
       <p:sp>
         <p:nvSpPr>
-          <p:cNvPr id="5" name="文本框 4">
-            <a:extLst>
-              <a:ext uri="{FF2B5EF4-FFF2-40B4-BE49-F238E27FC236}">
-                <a16:creationId xmlns:a16="http://schemas.microsoft.com/office/drawing/2014/main" id="{283AC7F9-DA48-4B2A-9626-169CA23F84C7}"/>
-              </a:ext>
-            </a:extLst>
-          </p:cNvPr>
+          <p:cNvPr id="5" name="文本框 4"/>
           <p:cNvSpPr txBox="1"/>
           <p:nvPr/>
         </p:nvSpPr>
@@ -11491,13 +10635,7 @@
       </p:sp>
       <p:sp>
         <p:nvSpPr>
-          <p:cNvPr id="6" name="文本框 5">
-            <a:extLst>
-              <a:ext uri="{FF2B5EF4-FFF2-40B4-BE49-F238E27FC236}">
-                <a16:creationId xmlns:a16="http://schemas.microsoft.com/office/drawing/2014/main" id="{5E0B33C0-757D-43D3-BF40-E07B47E671CE}"/>
-              </a:ext>
-            </a:extLst>
-          </p:cNvPr>
+          <p:cNvPr id="6" name="文本框 5"/>
           <p:cNvSpPr txBox="1"/>
           <p:nvPr/>
         </p:nvSpPr>
@@ -11602,13 +10740,7 @@
       </p:sp>
       <p:sp>
         <p:nvSpPr>
-          <p:cNvPr id="4" name="TextBox 3">
-            <a:extLst>
-              <a:ext uri="{FF2B5EF4-FFF2-40B4-BE49-F238E27FC236}">
-                <a16:creationId xmlns:a16="http://schemas.microsoft.com/office/drawing/2014/main" id="{C63D98F4-D35C-4A40-BDB4-F6590F1C47F0}"/>
-              </a:ext>
-            </a:extLst>
-          </p:cNvPr>
+          <p:cNvPr id="4" name="TextBox 3"/>
           <p:cNvSpPr txBox="1"/>
           <p:nvPr/>
         </p:nvSpPr>
@@ -11645,11 +10777,6 @@
         </p:txBody>
       </p:sp>
     </p:spTree>
-    <p:extLst>
-      <p:ext uri="{BB962C8B-B14F-4D97-AF65-F5344CB8AC3E}">
-        <p14:creationId xmlns:p14="http://schemas.microsoft.com/office/powerpoint/2010/main" val="2790570204"/>
-      </p:ext>
-    </p:extLst>
   </p:cSld>
   <p:clrMapOvr>
     <a:masterClrMapping/>
@@ -11987,13 +11114,7 @@
       </p:grpSpPr>
       <p:sp>
         <p:nvSpPr>
-          <p:cNvPr id="7" name="矩形 6">
-            <a:extLst>
-              <a:ext uri="{FF2B5EF4-FFF2-40B4-BE49-F238E27FC236}">
-                <a16:creationId xmlns:a16="http://schemas.microsoft.com/office/drawing/2014/main" id="{2277614E-0EAE-4046-84A3-D1B0C0BC6A0A}"/>
-              </a:ext>
-            </a:extLst>
-          </p:cNvPr>
+          <p:cNvPr id="7" name="矩形 6"/>
           <p:cNvSpPr/>
           <p:nvPr/>
         </p:nvSpPr>
@@ -12046,13 +11167,7 @@
       </p:sp>
       <p:sp>
         <p:nvSpPr>
-          <p:cNvPr id="25" name="矩形 24">
-            <a:extLst>
-              <a:ext uri="{FF2B5EF4-FFF2-40B4-BE49-F238E27FC236}">
-                <a16:creationId xmlns:a16="http://schemas.microsoft.com/office/drawing/2014/main" id="{E82281F7-E7DA-47C3-9156-2967FCA9391D}"/>
-              </a:ext>
-            </a:extLst>
-          </p:cNvPr>
+          <p:cNvPr id="25" name="矩形 24"/>
           <p:cNvSpPr/>
           <p:nvPr/>
         </p:nvSpPr>
@@ -12090,9 +11205,6 @@
         </p:style>
         <p:txBody>
           <a:bodyPr rot="0" spcFirstLastPara="0" vertOverflow="overflow" horzOverflow="overflow" vert="horz" wrap="square" lIns="68580" tIns="34290" rIns="68580" bIns="34290" numCol="1" spcCol="0" rtlCol="0" fromWordArt="0" anchor="ctr" anchorCtr="0" forceAA="0" compatLnSpc="1">
-            <a:prstTxWarp prst="textNoShape">
-              <a:avLst/>
-            </a:prstTxWarp>
             <a:noAutofit/>
           </a:bodyPr>
           <a:lstStyle/>
@@ -12104,13 +11216,7 @@
       </p:sp>
       <p:sp>
         <p:nvSpPr>
-          <p:cNvPr id="3" name="矩形 2">
-            <a:extLst>
-              <a:ext uri="{FF2B5EF4-FFF2-40B4-BE49-F238E27FC236}">
-                <a16:creationId xmlns:a16="http://schemas.microsoft.com/office/drawing/2014/main" id="{2055D2C7-DE24-454D-84CD-E35556740759}"/>
-              </a:ext>
-            </a:extLst>
-          </p:cNvPr>
+          <p:cNvPr id="3" name="矩形 2"/>
           <p:cNvSpPr/>
           <p:nvPr/>
         </p:nvSpPr>
@@ -12154,9 +11260,6 @@
         </p:style>
         <p:txBody>
           <a:bodyPr rot="0" spcFirstLastPara="0" vertOverflow="overflow" horzOverflow="overflow" vert="horz" wrap="square" lIns="68580" tIns="34290" rIns="68580" bIns="34290" numCol="1" spcCol="0" rtlCol="0" fromWordArt="0" anchor="ctr" anchorCtr="0" forceAA="0" compatLnSpc="1">
-            <a:prstTxWarp prst="textNoShape">
-              <a:avLst/>
-            </a:prstTxWarp>
             <a:noAutofit/>
           </a:bodyPr>
           <a:lstStyle/>
@@ -12168,13 +11271,7 @@
       </p:sp>
       <p:sp>
         <p:nvSpPr>
-          <p:cNvPr id="4" name="矩形 3">
-            <a:extLst>
-              <a:ext uri="{FF2B5EF4-FFF2-40B4-BE49-F238E27FC236}">
-                <a16:creationId xmlns:a16="http://schemas.microsoft.com/office/drawing/2014/main" id="{59E298DA-3C97-4728-868A-BAD23900F4BD}"/>
-              </a:ext>
-            </a:extLst>
-          </p:cNvPr>
+          <p:cNvPr id="4" name="矩形 3"/>
           <p:cNvSpPr/>
           <p:nvPr/>
         </p:nvSpPr>
@@ -12218,9 +11315,6 @@
         </p:style>
         <p:txBody>
           <a:bodyPr rot="0" spcFirstLastPara="0" vertOverflow="overflow" horzOverflow="overflow" vert="horz" wrap="square" lIns="68580" tIns="34290" rIns="68580" bIns="34290" numCol="1" spcCol="0" rtlCol="0" fromWordArt="0" anchor="ctr" anchorCtr="0" forceAA="0" compatLnSpc="1">
-            <a:prstTxWarp prst="textNoShape">
-              <a:avLst/>
-            </a:prstTxWarp>
             <a:noAutofit/>
           </a:bodyPr>
           <a:lstStyle/>
@@ -12232,13 +11326,7 @@
       </p:sp>
       <p:sp>
         <p:nvSpPr>
-          <p:cNvPr id="14" name="文本框 13">
-            <a:extLst>
-              <a:ext uri="{FF2B5EF4-FFF2-40B4-BE49-F238E27FC236}">
-                <a16:creationId xmlns:a16="http://schemas.microsoft.com/office/drawing/2014/main" id="{9E6C9E5F-AE71-4B43-8DF1-3E024C8E11CD}"/>
-              </a:ext>
-            </a:extLst>
-          </p:cNvPr>
+          <p:cNvPr id="14" name="文本框 13"/>
           <p:cNvSpPr txBox="1"/>
           <p:nvPr/>
         </p:nvSpPr>
@@ -12295,13 +11383,7 @@
       </p:sp>
       <p:sp>
         <p:nvSpPr>
-          <p:cNvPr id="15" name="文本框 14">
-            <a:extLst>
-              <a:ext uri="{FF2B5EF4-FFF2-40B4-BE49-F238E27FC236}">
-                <a16:creationId xmlns:a16="http://schemas.microsoft.com/office/drawing/2014/main" id="{B66C587C-F1AA-47A0-A745-FCB2C65542C8}"/>
-              </a:ext>
-            </a:extLst>
-          </p:cNvPr>
+          <p:cNvPr id="15" name="文本框 14"/>
           <p:cNvSpPr txBox="1"/>
           <p:nvPr/>
         </p:nvSpPr>
@@ -12363,16 +11445,8 @@
       </p:sp>
       <p:cxnSp>
         <p:nvCxnSpPr>
-          <p:cNvPr id="16" name="直接连接符 15">
-            <a:extLst>
-              <a:ext uri="{FF2B5EF4-FFF2-40B4-BE49-F238E27FC236}">
-                <a16:creationId xmlns:a16="http://schemas.microsoft.com/office/drawing/2014/main" id="{5E6773A1-BD34-477A-B3D3-B139F0B35F85}"/>
-              </a:ext>
-            </a:extLst>
-          </p:cNvPr>
-          <p:cNvCxnSpPr>
-            <a:cxnSpLocks/>
-          </p:cNvCxnSpPr>
+          <p:cNvPr id="16" name="直接连接符 15"/>
+          <p:cNvCxnSpPr/>
           <p:nvPr/>
         </p:nvCxnSpPr>
         <p:spPr>
@@ -12408,13 +11482,7 @@
       </p:cxnSp>
       <p:sp>
         <p:nvSpPr>
-          <p:cNvPr id="19" name="文本框 18">
-            <a:extLst>
-              <a:ext uri="{FF2B5EF4-FFF2-40B4-BE49-F238E27FC236}">
-                <a16:creationId xmlns:a16="http://schemas.microsoft.com/office/drawing/2014/main" id="{F38C07B9-FD33-4839-9ACB-2449459ABA43}"/>
-              </a:ext>
-            </a:extLst>
-          </p:cNvPr>
+          <p:cNvPr id="19" name="文本框 18"/>
           <p:cNvSpPr txBox="1"/>
           <p:nvPr/>
         </p:nvSpPr>
@@ -12489,13 +11557,7 @@
       </p:sp>
       <p:sp>
         <p:nvSpPr>
-          <p:cNvPr id="20" name="文本框 19">
-            <a:extLst>
-              <a:ext uri="{FF2B5EF4-FFF2-40B4-BE49-F238E27FC236}">
-                <a16:creationId xmlns:a16="http://schemas.microsoft.com/office/drawing/2014/main" id="{2783444C-5E6F-4488-ABF3-3C8515BD1ABA}"/>
-              </a:ext>
-            </a:extLst>
-          </p:cNvPr>
+          <p:cNvPr id="20" name="文本框 19"/>
           <p:cNvSpPr txBox="1"/>
           <p:nvPr/>
         </p:nvSpPr>
@@ -12558,16 +11620,8 @@
       </p:sp>
       <p:cxnSp>
         <p:nvCxnSpPr>
-          <p:cNvPr id="27" name="直接连接符 26">
-            <a:extLst>
-              <a:ext uri="{FF2B5EF4-FFF2-40B4-BE49-F238E27FC236}">
-                <a16:creationId xmlns:a16="http://schemas.microsoft.com/office/drawing/2014/main" id="{B9C28C85-64A7-4B37-B9A3-481EBE2A9BCF}"/>
-              </a:ext>
-            </a:extLst>
-          </p:cNvPr>
-          <p:cNvCxnSpPr>
-            <a:cxnSpLocks/>
-          </p:cNvCxnSpPr>
+          <p:cNvPr id="27" name="直接连接符 26"/>
+          <p:cNvCxnSpPr/>
           <p:nvPr/>
         </p:nvCxnSpPr>
         <p:spPr>
@@ -12603,13 +11657,7 @@
       </p:cxnSp>
       <p:sp>
         <p:nvSpPr>
-          <p:cNvPr id="18" name="Freeform 91">
-            <a:extLst>
-              <a:ext uri="{FF2B5EF4-FFF2-40B4-BE49-F238E27FC236}">
-                <a16:creationId xmlns:a16="http://schemas.microsoft.com/office/drawing/2014/main" id="{58219593-2985-9143-947C-F76F933D982B}"/>
-              </a:ext>
-            </a:extLst>
-          </p:cNvPr>
+          <p:cNvPr id="18" name="Freeform 91"/>
           <p:cNvSpPr>
             <a:spLocks noEditPoints="1"/>
           </p:cNvSpPr>
@@ -13066,14 +12114,9 @@
             <a:noFill/>
           </a:ln>
           <a:effectLst/>
-          <a:extLst/>
         </p:spPr>
         <p:txBody>
-          <a:bodyPr vert="horz" wrap="square" lIns="68580" tIns="34290" rIns="68580" bIns="34290" numCol="1" anchor="t" anchorCtr="0" compatLnSpc="1">
-            <a:prstTxWarp prst="textNoShape">
-              <a:avLst/>
-            </a:prstTxWarp>
-          </a:bodyPr>
+          <a:bodyPr vert="horz" wrap="square" lIns="68580" tIns="34290" rIns="68580" bIns="34290" numCol="1" anchor="t" anchorCtr="0" compatLnSpc="1"/>
           <a:lstStyle/>
           <a:p>
             <a:endParaRPr lang="zh-CN" altLang="en-US" sz="1350" dirty="0"/>
@@ -13082,13 +12125,7 @@
       </p:sp>
       <p:sp>
         <p:nvSpPr>
-          <p:cNvPr id="23" name="Freeform 125">
-            <a:extLst>
-              <a:ext uri="{FF2B5EF4-FFF2-40B4-BE49-F238E27FC236}">
-                <a16:creationId xmlns:a16="http://schemas.microsoft.com/office/drawing/2014/main" id="{90DFD91D-39A1-184C-AE72-B84B60AFD57E}"/>
-              </a:ext>
-            </a:extLst>
-          </p:cNvPr>
+          <p:cNvPr id="23" name="Freeform 125"/>
           <p:cNvSpPr>
             <a:spLocks noEditPoints="1"/>
           </p:cNvSpPr>
@@ -13464,14 +12501,9 @@
             <a:noFill/>
           </a:ln>
           <a:effectLst/>
-          <a:extLst/>
         </p:spPr>
         <p:txBody>
-          <a:bodyPr vert="horz" wrap="square" lIns="68580" tIns="34290" rIns="68580" bIns="34290" numCol="1" anchor="t" anchorCtr="0" compatLnSpc="1">
-            <a:prstTxWarp prst="textNoShape">
-              <a:avLst/>
-            </a:prstTxWarp>
-          </a:bodyPr>
+          <a:bodyPr vert="horz" wrap="square" lIns="68580" tIns="34290" rIns="68580" bIns="34290" numCol="1" anchor="t" anchorCtr="0" compatLnSpc="1"/>
           <a:lstStyle/>
           <a:p>
             <a:endParaRPr lang="zh-CN" altLang="en-US" sz="1350" dirty="0"/>
@@ -13480,13 +12512,7 @@
       </p:sp>
       <p:sp>
         <p:nvSpPr>
-          <p:cNvPr id="24" name="Freeform 67">
-            <a:extLst>
-              <a:ext uri="{FF2B5EF4-FFF2-40B4-BE49-F238E27FC236}">
-                <a16:creationId xmlns:a16="http://schemas.microsoft.com/office/drawing/2014/main" id="{F79262F5-502D-4D40-A00C-8EA8377C6C5A}"/>
-              </a:ext>
-            </a:extLst>
-          </p:cNvPr>
+          <p:cNvPr id="24" name="Freeform 67"/>
           <p:cNvSpPr>
             <a:spLocks noEditPoints="1"/>
           </p:cNvSpPr>
@@ -13877,14 +12903,9 @@
             <a:noFill/>
           </a:ln>
           <a:effectLst/>
-          <a:extLst/>
         </p:spPr>
         <p:txBody>
-          <a:bodyPr vert="horz" wrap="square" lIns="68580" tIns="34290" rIns="68580" bIns="34290" numCol="1" anchor="t" anchorCtr="0" compatLnSpc="1">
-            <a:prstTxWarp prst="textNoShape">
-              <a:avLst/>
-            </a:prstTxWarp>
-          </a:bodyPr>
+          <a:bodyPr vert="horz" wrap="square" lIns="68580" tIns="34290" rIns="68580" bIns="34290" numCol="1" anchor="t" anchorCtr="0" compatLnSpc="1"/>
           <a:lstStyle/>
           <a:p>
             <a:endParaRPr lang="zh-CN" altLang="en-US" sz="1350"/>
@@ -13893,13 +12914,7 @@
       </p:sp>
       <p:grpSp>
         <p:nvGrpSpPr>
-          <p:cNvPr id="26" name="Group 47">
-            <a:extLst>
-              <a:ext uri="{FF2B5EF4-FFF2-40B4-BE49-F238E27FC236}">
-                <a16:creationId xmlns:a16="http://schemas.microsoft.com/office/drawing/2014/main" id="{F55C3CD7-932F-6641-AECE-F0DDE5D3E416}"/>
-              </a:ext>
-            </a:extLst>
-          </p:cNvPr>
+          <p:cNvPr id="26" name="Group 47"/>
           <p:cNvGrpSpPr>
             <a:grpSpLocks noChangeAspect="1"/>
           </p:cNvGrpSpPr>
@@ -13919,13 +12934,7 @@
         </p:grpSpPr>
         <p:sp>
           <p:nvSpPr>
-            <p:cNvPr id="28" name="Freeform 48">
-              <a:extLst>
-                <a:ext uri="{FF2B5EF4-FFF2-40B4-BE49-F238E27FC236}">
-                  <a16:creationId xmlns:a16="http://schemas.microsoft.com/office/drawing/2014/main" id="{8845A44D-EA88-6247-A207-F932DB5A4376}"/>
-                </a:ext>
-              </a:extLst>
-            </p:cNvPr>
+            <p:cNvPr id="28" name="Freeform 48"/>
             <p:cNvSpPr>
               <a:spLocks noEditPoints="1"/>
             </p:cNvSpPr>
@@ -14154,18 +13163,12 @@
                     <a:srgbClr val="000000"/>
                   </a:solidFill>
                   <a:round/>
-                  <a:headEnd/>
-                  <a:tailEnd/>
                 </a14:hiddenLine>
               </a:ext>
             </a:extLst>
           </p:spPr>
           <p:txBody>
-            <a:bodyPr vert="horz" wrap="square" lIns="68580" tIns="34290" rIns="68580" bIns="34290" numCol="1" anchor="t" anchorCtr="0" compatLnSpc="1">
-              <a:prstTxWarp prst="textNoShape">
-                <a:avLst/>
-              </a:prstTxWarp>
-            </a:bodyPr>
+            <a:bodyPr vert="horz" wrap="square" lIns="68580" tIns="34290" rIns="68580" bIns="34290" numCol="1" anchor="t" anchorCtr="0" compatLnSpc="1"/>
             <a:lstStyle/>
             <a:p>
               <a:endParaRPr lang="zh-CN" altLang="en-US" sz="1350"/>
@@ -14174,13 +13177,7 @@
         </p:sp>
         <p:sp>
           <p:nvSpPr>
-            <p:cNvPr id="29" name="Freeform 49">
-              <a:extLst>
-                <a:ext uri="{FF2B5EF4-FFF2-40B4-BE49-F238E27FC236}">
-                  <a16:creationId xmlns:a16="http://schemas.microsoft.com/office/drawing/2014/main" id="{6D4F4CBC-FDC1-3B40-9B60-AD11C9C8C497}"/>
-                </a:ext>
-              </a:extLst>
-            </p:cNvPr>
+            <p:cNvPr id="29" name="Freeform 49"/>
             <p:cNvSpPr>
               <a:spLocks noEditPoints="1"/>
             </p:cNvSpPr>
@@ -14382,18 +13379,12 @@
                     <a:srgbClr val="000000"/>
                   </a:solidFill>
                   <a:round/>
-                  <a:headEnd/>
-                  <a:tailEnd/>
                 </a14:hiddenLine>
               </a:ext>
             </a:extLst>
           </p:spPr>
           <p:txBody>
-            <a:bodyPr vert="horz" wrap="square" lIns="68580" tIns="34290" rIns="68580" bIns="34290" numCol="1" anchor="t" anchorCtr="0" compatLnSpc="1">
-              <a:prstTxWarp prst="textNoShape">
-                <a:avLst/>
-              </a:prstTxWarp>
-            </a:bodyPr>
+            <a:bodyPr vert="horz" wrap="square" lIns="68580" tIns="34290" rIns="68580" bIns="34290" numCol="1" anchor="t" anchorCtr="0" compatLnSpc="1"/>
             <a:lstStyle/>
             <a:p>
               <a:endParaRPr lang="zh-CN" altLang="en-US" sz="1350"/>
@@ -14403,13 +13394,7 @@
       </p:grpSp>
       <p:sp>
         <p:nvSpPr>
-          <p:cNvPr id="30" name="Freeform 87">
-            <a:extLst>
-              <a:ext uri="{FF2B5EF4-FFF2-40B4-BE49-F238E27FC236}">
-                <a16:creationId xmlns:a16="http://schemas.microsoft.com/office/drawing/2014/main" id="{AB21AB68-465E-9C48-93A4-AAA26BCB5941}"/>
-              </a:ext>
-            </a:extLst>
-          </p:cNvPr>
+          <p:cNvPr id="30" name="Freeform 87"/>
           <p:cNvSpPr>
             <a:spLocks noEditPoints="1"/>
           </p:cNvSpPr>
@@ -14835,14 +13820,9 @@
             <a:noFill/>
           </a:ln>
           <a:effectLst/>
-          <a:extLst/>
         </p:spPr>
         <p:txBody>
-          <a:bodyPr vert="horz" wrap="square" lIns="68580" tIns="34290" rIns="68580" bIns="34290" numCol="1" anchor="t" anchorCtr="0" compatLnSpc="1">
-            <a:prstTxWarp prst="textNoShape">
-              <a:avLst/>
-            </a:prstTxWarp>
-          </a:bodyPr>
+          <a:bodyPr vert="horz" wrap="square" lIns="68580" tIns="34290" rIns="68580" bIns="34290" numCol="1" anchor="t" anchorCtr="0" compatLnSpc="1"/>
           <a:lstStyle/>
           <a:p>
             <a:endParaRPr lang="zh-CN" altLang="en-US" sz="1350"/>
@@ -14851,13 +13831,7 @@
       </p:sp>
       <p:sp>
         <p:nvSpPr>
-          <p:cNvPr id="31" name="文本框 18">
-            <a:extLst>
-              <a:ext uri="{FF2B5EF4-FFF2-40B4-BE49-F238E27FC236}">
-                <a16:creationId xmlns:a16="http://schemas.microsoft.com/office/drawing/2014/main" id="{861AC796-9EC4-6B4E-B400-A37F33EB2A87}"/>
-              </a:ext>
-            </a:extLst>
-          </p:cNvPr>
+          <p:cNvPr id="31" name="文本框 18"/>
           <p:cNvSpPr txBox="1"/>
           <p:nvPr/>
         </p:nvSpPr>
@@ -14965,13 +13939,7 @@
       </p:sp>
       <p:sp>
         <p:nvSpPr>
-          <p:cNvPr id="2" name="TextBox 1">
-            <a:extLst>
-              <a:ext uri="{FF2B5EF4-FFF2-40B4-BE49-F238E27FC236}">
-                <a16:creationId xmlns:a16="http://schemas.microsoft.com/office/drawing/2014/main" id="{F09C028D-65CC-EB44-BCFD-C5D8D1CD0D9C}"/>
-              </a:ext>
-            </a:extLst>
-          </p:cNvPr>
+          <p:cNvPr id="2" name="TextBox 1"/>
           <p:cNvSpPr txBox="1"/>
           <p:nvPr/>
         </p:nvSpPr>
@@ -15085,11 +14053,6 @@
         </p:txBody>
       </p:sp>
     </p:spTree>
-    <p:extLst>
-      <p:ext uri="{BB962C8B-B14F-4D97-AF65-F5344CB8AC3E}">
-        <p14:creationId xmlns:p14="http://schemas.microsoft.com/office/powerpoint/2010/main" val="890249121"/>
-      </p:ext>
-    </p:extLst>
   </p:cSld>
   <p:clrMapOvr>
     <a:masterClrMapping/>
@@ -15119,15 +14082,8 @@
       </p:grpSpPr>
       <p:cxnSp>
         <p:nvCxnSpPr>
-          <p:cNvPr id="7" name="直接连接符 6">
-            <a:extLst>
-              <a:ext uri="{FF2B5EF4-FFF2-40B4-BE49-F238E27FC236}">
-                <a16:creationId xmlns:a16="http://schemas.microsoft.com/office/drawing/2014/main" id="{0DBB23F4-B640-4AFA-932F-6085171C1C15}"/>
-              </a:ext>
-            </a:extLst>
-          </p:cNvPr>
+          <p:cNvPr id="7" name="直接连接符 6"/>
           <p:cNvCxnSpPr>
-            <a:cxnSpLocks/>
             <a:endCxn id="5" idx="2"/>
           </p:cNvCxnSpPr>
           <p:nvPr/>
@@ -15182,15 +14138,8 @@
       </p:cxnSp>
       <p:cxnSp>
         <p:nvCxnSpPr>
-          <p:cNvPr id="8" name="直接连接符 7">
-            <a:extLst>
-              <a:ext uri="{FF2B5EF4-FFF2-40B4-BE49-F238E27FC236}">
-                <a16:creationId xmlns:a16="http://schemas.microsoft.com/office/drawing/2014/main" id="{9156931B-1A96-4343-BE7B-C88C5BF50981}"/>
-              </a:ext>
-            </a:extLst>
-          </p:cNvPr>
+          <p:cNvPr id="8" name="直接连接符 7"/>
           <p:cNvCxnSpPr>
-            <a:cxnSpLocks/>
             <a:endCxn id="5" idx="6"/>
           </p:cNvCxnSpPr>
           <p:nvPr/>
@@ -15245,13 +14194,7 @@
       </p:cxnSp>
       <p:sp>
         <p:nvSpPr>
-          <p:cNvPr id="5" name="椭圆 4">
-            <a:extLst>
-              <a:ext uri="{FF2B5EF4-FFF2-40B4-BE49-F238E27FC236}">
-                <a16:creationId xmlns:a16="http://schemas.microsoft.com/office/drawing/2014/main" id="{63743CC4-903B-48AB-A132-229139BB56EC}"/>
-              </a:ext>
-            </a:extLst>
-          </p:cNvPr>
+          <p:cNvPr id="5" name="椭圆 4"/>
           <p:cNvSpPr/>
           <p:nvPr/>
         </p:nvSpPr>
@@ -15304,13 +14247,7 @@
       </p:sp>
       <p:sp>
         <p:nvSpPr>
-          <p:cNvPr id="6" name="椭圆 5">
-            <a:extLst>
-              <a:ext uri="{FF2B5EF4-FFF2-40B4-BE49-F238E27FC236}">
-                <a16:creationId xmlns:a16="http://schemas.microsoft.com/office/drawing/2014/main" id="{FFEB70AD-8016-4EB0-B3E6-3B93433155BE}"/>
-              </a:ext>
-            </a:extLst>
-          </p:cNvPr>
+          <p:cNvPr id="6" name="椭圆 5"/>
           <p:cNvSpPr/>
           <p:nvPr/>
         </p:nvSpPr>
@@ -15363,13 +14300,7 @@
       </p:sp>
       <p:sp>
         <p:nvSpPr>
-          <p:cNvPr id="12" name="文本框 11">
-            <a:extLst>
-              <a:ext uri="{FF2B5EF4-FFF2-40B4-BE49-F238E27FC236}">
-                <a16:creationId xmlns:a16="http://schemas.microsoft.com/office/drawing/2014/main" id="{2DC4CD7D-3CFD-4C59-8C22-187081BAAB00}"/>
-              </a:ext>
-            </a:extLst>
-          </p:cNvPr>
+          <p:cNvPr id="12" name="文本框 11"/>
           <p:cNvSpPr txBox="1"/>
           <p:nvPr/>
         </p:nvSpPr>
@@ -15502,13 +14433,7 @@
       </p:sp>
       <p:sp>
         <p:nvSpPr>
-          <p:cNvPr id="13" name="文本框 12">
-            <a:extLst>
-              <a:ext uri="{FF2B5EF4-FFF2-40B4-BE49-F238E27FC236}">
-                <a16:creationId xmlns:a16="http://schemas.microsoft.com/office/drawing/2014/main" id="{DAAD235E-8C8C-4983-99F9-5AEA44335134}"/>
-              </a:ext>
-            </a:extLst>
-          </p:cNvPr>
+          <p:cNvPr id="13" name="文本框 12"/>
           <p:cNvSpPr txBox="1"/>
           <p:nvPr/>
         </p:nvSpPr>
@@ -15767,13 +14692,7 @@
       </p:sp>
       <p:sp>
         <p:nvSpPr>
-          <p:cNvPr id="14" name="文本框 13">
-            <a:extLst>
-              <a:ext uri="{FF2B5EF4-FFF2-40B4-BE49-F238E27FC236}">
-                <a16:creationId xmlns:a16="http://schemas.microsoft.com/office/drawing/2014/main" id="{DB774F6D-4FAC-4567-BE07-06753F6D4B8B}"/>
-              </a:ext>
-            </a:extLst>
-          </p:cNvPr>
+          <p:cNvPr id="14" name="文本框 13"/>
           <p:cNvSpPr txBox="1"/>
           <p:nvPr/>
         </p:nvSpPr>
@@ -15890,13 +14809,7 @@
       </p:sp>
       <p:sp>
         <p:nvSpPr>
-          <p:cNvPr id="15" name="文本框 14">
-            <a:extLst>
-              <a:ext uri="{FF2B5EF4-FFF2-40B4-BE49-F238E27FC236}">
-                <a16:creationId xmlns:a16="http://schemas.microsoft.com/office/drawing/2014/main" id="{BBB74202-BD2A-4A21-A4E3-3707CBF77125}"/>
-              </a:ext>
-            </a:extLst>
-          </p:cNvPr>
+          <p:cNvPr id="15" name="文本框 14"/>
           <p:cNvSpPr txBox="1"/>
           <p:nvPr/>
         </p:nvSpPr>
@@ -15949,13 +14862,7 @@
       </p:sp>
       <p:sp>
         <p:nvSpPr>
-          <p:cNvPr id="16" name="文本框 15">
-            <a:extLst>
-              <a:ext uri="{FF2B5EF4-FFF2-40B4-BE49-F238E27FC236}">
-                <a16:creationId xmlns:a16="http://schemas.microsoft.com/office/drawing/2014/main" id="{1A5B0B02-E48F-475A-A141-14EA352E4495}"/>
-              </a:ext>
-            </a:extLst>
-          </p:cNvPr>
+          <p:cNvPr id="16" name="文本框 15"/>
           <p:cNvSpPr txBox="1"/>
           <p:nvPr/>
         </p:nvSpPr>
@@ -16008,13 +14915,7 @@
       </p:sp>
       <p:grpSp>
         <p:nvGrpSpPr>
-          <p:cNvPr id="20" name="Group 187">
-            <a:extLst>
-              <a:ext uri="{FF2B5EF4-FFF2-40B4-BE49-F238E27FC236}">
-                <a16:creationId xmlns:a16="http://schemas.microsoft.com/office/drawing/2014/main" id="{815DDC13-9435-42EA-A1A1-29EDF9D25CA0}"/>
-              </a:ext>
-            </a:extLst>
-          </p:cNvPr>
+          <p:cNvPr id="20" name="Group 187"/>
           <p:cNvGrpSpPr>
             <a:grpSpLocks noChangeAspect="1"/>
           </p:cNvGrpSpPr>
@@ -16040,13 +14941,7 @@
         </p:grpSpPr>
         <p:sp>
           <p:nvSpPr>
-            <p:cNvPr id="21" name="Freeform 188">
-              <a:extLst>
-                <a:ext uri="{FF2B5EF4-FFF2-40B4-BE49-F238E27FC236}">
-                  <a16:creationId xmlns:a16="http://schemas.microsoft.com/office/drawing/2014/main" id="{1921B786-BEE6-4E44-885F-7939CB6ABCF7}"/>
-                </a:ext>
-              </a:extLst>
-            </p:cNvPr>
+            <p:cNvPr id="21" name="Freeform 188"/>
             <p:cNvSpPr>
               <a:spLocks noEditPoints="1"/>
             </p:cNvSpPr>
@@ -17012,18 +15907,12 @@
                     <a:srgbClr val="000000"/>
                   </a:solidFill>
                   <a:round/>
-                  <a:headEnd/>
-                  <a:tailEnd/>
                 </a14:hiddenLine>
               </a:ext>
             </a:extLst>
           </p:spPr>
           <p:txBody>
-            <a:bodyPr vert="horz" wrap="square" lIns="68580" tIns="34290" rIns="68580" bIns="34290" numCol="1" anchor="t" anchorCtr="0" compatLnSpc="1">
-              <a:prstTxWarp prst="textNoShape">
-                <a:avLst/>
-              </a:prstTxWarp>
-            </a:bodyPr>
+            <a:bodyPr vert="horz" wrap="square" lIns="68580" tIns="34290" rIns="68580" bIns="34290" numCol="1" anchor="t" anchorCtr="0" compatLnSpc="1"/>
             <a:lstStyle/>
             <a:p>
               <a:endParaRPr lang="zh-CN" altLang="en-US" sz="1350"/>
@@ -17032,13 +15921,7 @@
         </p:sp>
         <p:sp>
           <p:nvSpPr>
-            <p:cNvPr id="22" name="Freeform 189">
-              <a:extLst>
-                <a:ext uri="{FF2B5EF4-FFF2-40B4-BE49-F238E27FC236}">
-                  <a16:creationId xmlns:a16="http://schemas.microsoft.com/office/drawing/2014/main" id="{AE31F031-B0F4-4607-A7E3-53B3CDC49D91}"/>
-                </a:ext>
-              </a:extLst>
-            </p:cNvPr>
+            <p:cNvPr id="22" name="Freeform 189"/>
             <p:cNvSpPr>
               <a:spLocks noEditPoints="1"/>
             </p:cNvSpPr>
@@ -17189,18 +16072,12 @@
                     <a:srgbClr val="000000"/>
                   </a:solidFill>
                   <a:round/>
-                  <a:headEnd/>
-                  <a:tailEnd/>
                 </a14:hiddenLine>
               </a:ext>
             </a:extLst>
           </p:spPr>
           <p:txBody>
-            <a:bodyPr vert="horz" wrap="square" lIns="68580" tIns="34290" rIns="68580" bIns="34290" numCol="1" anchor="t" anchorCtr="0" compatLnSpc="1">
-              <a:prstTxWarp prst="textNoShape">
-                <a:avLst/>
-              </a:prstTxWarp>
-            </a:bodyPr>
+            <a:bodyPr vert="horz" wrap="square" lIns="68580" tIns="34290" rIns="68580" bIns="34290" numCol="1" anchor="t" anchorCtr="0" compatLnSpc="1"/>
             <a:lstStyle/>
             <a:p>
               <a:endParaRPr lang="zh-CN" altLang="en-US" sz="1350"/>
@@ -17210,20 +16087,14 @@
       </p:grpSp>
       <p:sp>
         <p:nvSpPr>
-          <p:cNvPr id="2" name="TextBox 1">
-            <a:extLst>
-              <a:ext uri="{FF2B5EF4-FFF2-40B4-BE49-F238E27FC236}">
-                <a16:creationId xmlns:a16="http://schemas.microsoft.com/office/drawing/2014/main" id="{04DDCB0F-8C73-5C43-9CB9-888925B430EB}"/>
-              </a:ext>
-            </a:extLst>
-          </p:cNvPr>
+          <p:cNvPr id="2" name="TextBox 1"/>
           <p:cNvSpPr txBox="1"/>
           <p:nvPr/>
         </p:nvSpPr>
         <p:spPr>
           <a:xfrm>
-            <a:off x="2110210" y="1420198"/>
-            <a:ext cx="5871303" cy="3770263"/>
+            <a:off x="2110105" y="1420495"/>
+            <a:ext cx="7317740" cy="3769360"/>
           </a:xfrm>
           <a:prstGeom prst="rect">
             <a:avLst/>
@@ -17245,11 +16116,6 @@
         </p:txBody>
       </p:sp>
     </p:spTree>
-    <p:extLst>
-      <p:ext uri="{BB962C8B-B14F-4D97-AF65-F5344CB8AC3E}">
-        <p14:creationId xmlns:p14="http://schemas.microsoft.com/office/powerpoint/2010/main" val="3045588903"/>
-      </p:ext>
-    </p:extLst>
   </p:cSld>
   <p:clrMapOvr>
     <a:masterClrMapping/>
@@ -17278,9 +16144,6 @@
                     <p:cTn id="3" fill="hold">
                       <p:stCondLst>
                         <p:cond delay="indefinite"/>
-                        <p:cond evt="onBegin" delay="0">
-                          <p:tn val="2"/>
-                        </p:cond>
                       </p:stCondLst>
                       <p:childTnLst>
                         <p:par>
@@ -17290,7 +16153,7 @@
                             </p:stCondLst>
                             <p:childTnLst>
                               <p:par>
-                                <p:cTn id="5" presetID="16" presetClass="entr" presetSubtype="21" fill="hold" grpId="0" nodeType="afterEffect">
+                                <p:cTn id="5" presetID="2" presetClass="entr" presetSubtype="4" fill="hold" nodeType="clickEffect">
                                   <p:stCondLst>
                                     <p:cond delay="0"/>
                                   </p:stCondLst>
@@ -17298,511 +16161,6 @@
                                     <p:set>
                                       <p:cBhvr>
                                         <p:cTn id="6" dur="1" fill="hold">
-                                          <p:stCondLst>
-                                            <p:cond delay="0"/>
-                                          </p:stCondLst>
-                                        </p:cTn>
-                                        <p:tgtEl>
-                                          <p:spTgt spid="14"/>
-                                        </p:tgtEl>
-                                        <p:attrNameLst>
-                                          <p:attrName>style.visibility</p:attrName>
-                                        </p:attrNameLst>
-                                      </p:cBhvr>
-                                      <p:to>
-                                        <p:strVal val="visible"/>
-                                      </p:to>
-                                    </p:set>
-                                    <p:animEffect transition="in" filter="barn(inVertical)">
-                                      <p:cBhvr>
-                                        <p:cTn id="7" dur="1000"/>
-                                        <p:tgtEl>
-                                          <p:spTgt spid="14"/>
-                                        </p:tgtEl>
-                                      </p:cBhvr>
-                                    </p:animEffect>
-                                  </p:childTnLst>
-                                </p:cTn>
-                              </p:par>
-                            </p:childTnLst>
-                          </p:cTn>
-                        </p:par>
-                        <p:par>
-                          <p:cTn id="8" fill="hold">
-                            <p:stCondLst>
-                              <p:cond delay="1000"/>
-                            </p:stCondLst>
-                            <p:childTnLst>
-                              <p:par>
-                                <p:cTn id="9" presetID="53" presetClass="entr" presetSubtype="16" fill="hold" grpId="0" nodeType="afterEffect">
-                                  <p:stCondLst>
-                                    <p:cond delay="0"/>
-                                  </p:stCondLst>
-                                  <p:childTnLst>
-                                    <p:set>
-                                      <p:cBhvr>
-                                        <p:cTn id="10" dur="1" fill="hold">
-                                          <p:stCondLst>
-                                            <p:cond delay="0"/>
-                                          </p:stCondLst>
-                                        </p:cTn>
-                                        <p:tgtEl>
-                                          <p:spTgt spid="5"/>
-                                        </p:tgtEl>
-                                        <p:attrNameLst>
-                                          <p:attrName>style.visibility</p:attrName>
-                                        </p:attrNameLst>
-                                      </p:cBhvr>
-                                      <p:to>
-                                        <p:strVal val="visible"/>
-                                      </p:to>
-                                    </p:set>
-                                    <p:anim calcmode="lin" valueType="num">
-                                      <p:cBhvr>
-                                        <p:cTn id="11" dur="500" fill="hold"/>
-                                        <p:tgtEl>
-                                          <p:spTgt spid="5"/>
-                                        </p:tgtEl>
-                                        <p:attrNameLst>
-                                          <p:attrName>ppt_w</p:attrName>
-                                        </p:attrNameLst>
-                                      </p:cBhvr>
-                                      <p:tavLst>
-                                        <p:tav tm="0">
-                                          <p:val>
-                                            <p:fltVal val="0"/>
-                                          </p:val>
-                                        </p:tav>
-                                        <p:tav tm="100000">
-                                          <p:val>
-                                            <p:strVal val="#ppt_w"/>
-                                          </p:val>
-                                        </p:tav>
-                                      </p:tavLst>
-                                    </p:anim>
-                                    <p:anim calcmode="lin" valueType="num">
-                                      <p:cBhvr>
-                                        <p:cTn id="12" dur="500" fill="hold"/>
-                                        <p:tgtEl>
-                                          <p:spTgt spid="5"/>
-                                        </p:tgtEl>
-                                        <p:attrNameLst>
-                                          <p:attrName>ppt_h</p:attrName>
-                                        </p:attrNameLst>
-                                      </p:cBhvr>
-                                      <p:tavLst>
-                                        <p:tav tm="0">
-                                          <p:val>
-                                            <p:fltVal val="0"/>
-                                          </p:val>
-                                        </p:tav>
-                                        <p:tav tm="100000">
-                                          <p:val>
-                                            <p:strVal val="#ppt_h"/>
-                                          </p:val>
-                                        </p:tav>
-                                      </p:tavLst>
-                                    </p:anim>
-                                    <p:animEffect transition="in" filter="fade">
-                                      <p:cBhvr>
-                                        <p:cTn id="13" dur="500"/>
-                                        <p:tgtEl>
-                                          <p:spTgt spid="5"/>
-                                        </p:tgtEl>
-                                      </p:cBhvr>
-                                    </p:animEffect>
-                                  </p:childTnLst>
-                                </p:cTn>
-                              </p:par>
-                              <p:par>
-                                <p:cTn id="14" presetID="53" presetClass="entr" presetSubtype="16" fill="hold" grpId="0" nodeType="withEffect">
-                                  <p:stCondLst>
-                                    <p:cond delay="250"/>
-                                  </p:stCondLst>
-                                  <p:childTnLst>
-                                    <p:set>
-                                      <p:cBhvr>
-                                        <p:cTn id="15" dur="1" fill="hold">
-                                          <p:stCondLst>
-                                            <p:cond delay="0"/>
-                                          </p:stCondLst>
-                                        </p:cTn>
-                                        <p:tgtEl>
-                                          <p:spTgt spid="6"/>
-                                        </p:tgtEl>
-                                        <p:attrNameLst>
-                                          <p:attrName>style.visibility</p:attrName>
-                                        </p:attrNameLst>
-                                      </p:cBhvr>
-                                      <p:to>
-                                        <p:strVal val="visible"/>
-                                      </p:to>
-                                    </p:set>
-                                    <p:anim calcmode="lin" valueType="num">
-                                      <p:cBhvr>
-                                        <p:cTn id="16" dur="500" fill="hold"/>
-                                        <p:tgtEl>
-                                          <p:spTgt spid="6"/>
-                                        </p:tgtEl>
-                                        <p:attrNameLst>
-                                          <p:attrName>ppt_w</p:attrName>
-                                        </p:attrNameLst>
-                                      </p:cBhvr>
-                                      <p:tavLst>
-                                        <p:tav tm="0">
-                                          <p:val>
-                                            <p:fltVal val="0"/>
-                                          </p:val>
-                                        </p:tav>
-                                        <p:tav tm="100000">
-                                          <p:val>
-                                            <p:strVal val="#ppt_w"/>
-                                          </p:val>
-                                        </p:tav>
-                                      </p:tavLst>
-                                    </p:anim>
-                                    <p:anim calcmode="lin" valueType="num">
-                                      <p:cBhvr>
-                                        <p:cTn id="17" dur="500" fill="hold"/>
-                                        <p:tgtEl>
-                                          <p:spTgt spid="6"/>
-                                        </p:tgtEl>
-                                        <p:attrNameLst>
-                                          <p:attrName>ppt_h</p:attrName>
-                                        </p:attrNameLst>
-                                      </p:cBhvr>
-                                      <p:tavLst>
-                                        <p:tav tm="0">
-                                          <p:val>
-                                            <p:fltVal val="0"/>
-                                          </p:val>
-                                        </p:tav>
-                                        <p:tav tm="100000">
-                                          <p:val>
-                                            <p:strVal val="#ppt_h"/>
-                                          </p:val>
-                                        </p:tav>
-                                      </p:tavLst>
-                                    </p:anim>
-                                    <p:animEffect transition="in" filter="fade">
-                                      <p:cBhvr>
-                                        <p:cTn id="18" dur="500"/>
-                                        <p:tgtEl>
-                                          <p:spTgt spid="6"/>
-                                        </p:tgtEl>
-                                      </p:cBhvr>
-                                    </p:animEffect>
-                                  </p:childTnLst>
-                                </p:cTn>
-                              </p:par>
-                            </p:childTnLst>
-                          </p:cTn>
-                        </p:par>
-                        <p:par>
-                          <p:cTn id="19" fill="hold">
-                            <p:stCondLst>
-                              <p:cond delay="1750"/>
-                            </p:stCondLst>
-                            <p:childTnLst>
-                              <p:par>
-                                <p:cTn id="20" presetID="10" presetClass="entr" presetSubtype="0" fill="hold" nodeType="afterEffect">
-                                  <p:stCondLst>
-                                    <p:cond delay="0"/>
-                                  </p:stCondLst>
-                                  <p:childTnLst>
-                                    <p:set>
-                                      <p:cBhvr>
-                                        <p:cTn id="21" dur="1" fill="hold">
-                                          <p:stCondLst>
-                                            <p:cond delay="0"/>
-                                          </p:stCondLst>
-                                        </p:cTn>
-                                        <p:tgtEl>
-                                          <p:spTgt spid="20"/>
-                                        </p:tgtEl>
-                                        <p:attrNameLst>
-                                          <p:attrName>style.visibility</p:attrName>
-                                        </p:attrNameLst>
-                                      </p:cBhvr>
-                                      <p:to>
-                                        <p:strVal val="visible"/>
-                                      </p:to>
-                                    </p:set>
-                                    <p:animEffect transition="in" filter="fade">
-                                      <p:cBhvr>
-                                        <p:cTn id="22" dur="500"/>
-                                        <p:tgtEl>
-                                          <p:spTgt spid="20"/>
-                                        </p:tgtEl>
-                                      </p:cBhvr>
-                                    </p:animEffect>
-                                  </p:childTnLst>
-                                </p:cTn>
-                              </p:par>
-                            </p:childTnLst>
-                          </p:cTn>
-                        </p:par>
-                        <p:par>
-                          <p:cTn id="23" fill="hold">
-                            <p:stCondLst>
-                              <p:cond delay="2250"/>
-                            </p:stCondLst>
-                            <p:childTnLst>
-                              <p:par>
-                                <p:cTn id="24" presetID="22" presetClass="entr" presetSubtype="2" fill="hold" nodeType="afterEffect">
-                                  <p:stCondLst>
-                                    <p:cond delay="0"/>
-                                  </p:stCondLst>
-                                  <p:childTnLst>
-                                    <p:set>
-                                      <p:cBhvr>
-                                        <p:cTn id="25" dur="1" fill="hold">
-                                          <p:stCondLst>
-                                            <p:cond delay="0"/>
-                                          </p:stCondLst>
-                                        </p:cTn>
-                                        <p:tgtEl>
-                                          <p:spTgt spid="7"/>
-                                        </p:tgtEl>
-                                        <p:attrNameLst>
-                                          <p:attrName>style.visibility</p:attrName>
-                                        </p:attrNameLst>
-                                      </p:cBhvr>
-                                      <p:to>
-                                        <p:strVal val="visible"/>
-                                      </p:to>
-                                    </p:set>
-                                    <p:animEffect transition="in" filter="wipe(right)">
-                                      <p:cBhvr>
-                                        <p:cTn id="26" dur="1000"/>
-                                        <p:tgtEl>
-                                          <p:spTgt spid="7"/>
-                                        </p:tgtEl>
-                                      </p:cBhvr>
-                                    </p:animEffect>
-                                  </p:childTnLst>
-                                </p:cTn>
-                              </p:par>
-                              <p:par>
-                                <p:cTn id="27" presetID="22" presetClass="entr" presetSubtype="8" fill="hold" nodeType="withEffect">
-                                  <p:stCondLst>
-                                    <p:cond delay="0"/>
-                                  </p:stCondLst>
-                                  <p:childTnLst>
-                                    <p:set>
-                                      <p:cBhvr>
-                                        <p:cTn id="28" dur="1" fill="hold">
-                                          <p:stCondLst>
-                                            <p:cond delay="0"/>
-                                          </p:stCondLst>
-                                        </p:cTn>
-                                        <p:tgtEl>
-                                          <p:spTgt spid="8"/>
-                                        </p:tgtEl>
-                                        <p:attrNameLst>
-                                          <p:attrName>style.visibility</p:attrName>
-                                        </p:attrNameLst>
-                                      </p:cBhvr>
-                                      <p:to>
-                                        <p:strVal val="visible"/>
-                                      </p:to>
-                                    </p:set>
-                                    <p:animEffect transition="in" filter="wipe(left)">
-                                      <p:cBhvr>
-                                        <p:cTn id="29" dur="1000"/>
-                                        <p:tgtEl>
-                                          <p:spTgt spid="8"/>
-                                        </p:tgtEl>
-                                      </p:cBhvr>
-                                    </p:animEffect>
-                                  </p:childTnLst>
-                                </p:cTn>
-                              </p:par>
-                            </p:childTnLst>
-                          </p:cTn>
-                        </p:par>
-                        <p:par>
-                          <p:cTn id="30" fill="hold">
-                            <p:stCondLst>
-                              <p:cond delay="3250"/>
-                            </p:stCondLst>
-                            <p:childTnLst>
-                              <p:par>
-                                <p:cTn id="31" presetID="10" presetClass="entr" presetSubtype="0" fill="hold" grpId="0" nodeType="afterEffect">
-                                  <p:stCondLst>
-                                    <p:cond delay="0"/>
-                                  </p:stCondLst>
-                                  <p:childTnLst>
-                                    <p:set>
-                                      <p:cBhvr>
-                                        <p:cTn id="32" dur="1" fill="hold">
-                                          <p:stCondLst>
-                                            <p:cond delay="0"/>
-                                          </p:stCondLst>
-                                        </p:cTn>
-                                        <p:tgtEl>
-                                          <p:spTgt spid="15"/>
-                                        </p:tgtEl>
-                                        <p:attrNameLst>
-                                          <p:attrName>style.visibility</p:attrName>
-                                        </p:attrNameLst>
-                                      </p:cBhvr>
-                                      <p:to>
-                                        <p:strVal val="visible"/>
-                                      </p:to>
-                                    </p:set>
-                                    <p:animEffect transition="in" filter="fade">
-                                      <p:cBhvr>
-                                        <p:cTn id="33" dur="500"/>
-                                        <p:tgtEl>
-                                          <p:spTgt spid="15"/>
-                                        </p:tgtEl>
-                                      </p:cBhvr>
-                                    </p:animEffect>
-                                  </p:childTnLst>
-                                </p:cTn>
-                              </p:par>
-                              <p:par>
-                                <p:cTn id="34" presetID="10" presetClass="entr" presetSubtype="0" fill="hold" grpId="0" nodeType="withEffect">
-                                  <p:stCondLst>
-                                    <p:cond delay="0"/>
-                                  </p:stCondLst>
-                                  <p:childTnLst>
-                                    <p:set>
-                                      <p:cBhvr>
-                                        <p:cTn id="35" dur="1" fill="hold">
-                                          <p:stCondLst>
-                                            <p:cond delay="0"/>
-                                          </p:stCondLst>
-                                        </p:cTn>
-                                        <p:tgtEl>
-                                          <p:spTgt spid="16"/>
-                                        </p:tgtEl>
-                                        <p:attrNameLst>
-                                          <p:attrName>style.visibility</p:attrName>
-                                        </p:attrNameLst>
-                                      </p:cBhvr>
-                                      <p:to>
-                                        <p:strVal val="visible"/>
-                                      </p:to>
-                                    </p:set>
-                                    <p:animEffect transition="in" filter="fade">
-                                      <p:cBhvr>
-                                        <p:cTn id="36" dur="500"/>
-                                        <p:tgtEl>
-                                          <p:spTgt spid="16"/>
-                                        </p:tgtEl>
-                                      </p:cBhvr>
-                                    </p:animEffect>
-                                  </p:childTnLst>
-                                </p:cTn>
-                              </p:par>
-                            </p:childTnLst>
-                          </p:cTn>
-                        </p:par>
-                        <p:par>
-                          <p:cTn id="37" fill="hold">
-                            <p:stCondLst>
-                              <p:cond delay="3750"/>
-                            </p:stCondLst>
-                            <p:childTnLst>
-                              <p:par>
-                                <p:cTn id="38" presetID="22" presetClass="entr" presetSubtype="1" fill="hold" grpId="0" nodeType="afterEffect">
-                                  <p:stCondLst>
-                                    <p:cond delay="0"/>
-                                  </p:stCondLst>
-                                  <p:childTnLst>
-                                    <p:set>
-                                      <p:cBhvr>
-                                        <p:cTn id="39" dur="1" fill="hold">
-                                          <p:stCondLst>
-                                            <p:cond delay="0"/>
-                                          </p:stCondLst>
-                                        </p:cTn>
-                                        <p:tgtEl>
-                                          <p:spTgt spid="12"/>
-                                        </p:tgtEl>
-                                        <p:attrNameLst>
-                                          <p:attrName>style.visibility</p:attrName>
-                                        </p:attrNameLst>
-                                      </p:cBhvr>
-                                      <p:to>
-                                        <p:strVal val="visible"/>
-                                      </p:to>
-                                    </p:set>
-                                    <p:animEffect transition="in" filter="wipe(up)">
-                                      <p:cBhvr>
-                                        <p:cTn id="40" dur="1000"/>
-                                        <p:tgtEl>
-                                          <p:spTgt spid="12"/>
-                                        </p:tgtEl>
-                                      </p:cBhvr>
-                                    </p:animEffect>
-                                  </p:childTnLst>
-                                </p:cTn>
-                              </p:par>
-                              <p:par>
-                                <p:cTn id="41" presetID="22" presetClass="entr" presetSubtype="1" fill="hold" grpId="0" nodeType="withEffect">
-                                  <p:stCondLst>
-                                    <p:cond delay="0"/>
-                                  </p:stCondLst>
-                                  <p:childTnLst>
-                                    <p:set>
-                                      <p:cBhvr>
-                                        <p:cTn id="42" dur="1" fill="hold">
-                                          <p:stCondLst>
-                                            <p:cond delay="0"/>
-                                          </p:stCondLst>
-                                        </p:cTn>
-                                        <p:tgtEl>
-                                          <p:spTgt spid="13"/>
-                                        </p:tgtEl>
-                                        <p:attrNameLst>
-                                          <p:attrName>style.visibility</p:attrName>
-                                        </p:attrNameLst>
-                                      </p:cBhvr>
-                                      <p:to>
-                                        <p:strVal val="visible"/>
-                                      </p:to>
-                                    </p:set>
-                                    <p:animEffect transition="in" filter="wipe(up)">
-                                      <p:cBhvr>
-                                        <p:cTn id="43" dur="1000"/>
-                                        <p:tgtEl>
-                                          <p:spTgt spid="13"/>
-                                        </p:tgtEl>
-                                      </p:cBhvr>
-                                    </p:animEffect>
-                                  </p:childTnLst>
-                                </p:cTn>
-                              </p:par>
-                            </p:childTnLst>
-                          </p:cTn>
-                        </p:par>
-                      </p:childTnLst>
-                    </p:cTn>
-                  </p:par>
-                  <p:par>
-                    <p:cTn id="44" fill="hold">
-                      <p:stCondLst>
-                        <p:cond delay="indefinite"/>
-                      </p:stCondLst>
-                      <p:childTnLst>
-                        <p:par>
-                          <p:cTn id="45" fill="hold">
-                            <p:stCondLst>
-                              <p:cond delay="0"/>
-                            </p:stCondLst>
-                            <p:childTnLst>
-                              <p:par>
-                                <p:cTn id="46" presetID="2" presetClass="entr" presetSubtype="4" fill="hold" nodeType="clickEffect">
-                                  <p:stCondLst>
-                                    <p:cond delay="0"/>
-                                  </p:stCondLst>
-                                  <p:childTnLst>
-                                    <p:set>
-                                      <p:cBhvr>
-                                        <p:cTn id="47" dur="1" fill="hold">
                                           <p:stCondLst>
                                             <p:cond delay="0"/>
                                           </p:stCondLst>
@@ -17824,7 +16182,7 @@
                                     </p:set>
                                     <p:anim calcmode="lin" valueType="num">
                                       <p:cBhvr additive="base">
-                                        <p:cTn id="48" dur="500" fill="hold"/>
+                                        <p:cTn id="7" dur="500" fill="hold"/>
                                         <p:tgtEl>
                                           <p:spTgt spid="2">
                                             <p:txEl>
@@ -17851,7 +16209,7 @@
                                     </p:anim>
                                     <p:anim calcmode="lin" valueType="num">
                                       <p:cBhvr additive="base">
-                                        <p:cTn id="49" dur="500" fill="hold"/>
+                                        <p:cTn id="8" dur="500" fill="hold"/>
                                         <p:tgtEl>
                                           <p:spTgt spid="2">
                                             <p:txEl>
@@ -17906,15 +16264,6 @@
         </p:cTn>
       </p:par>
     </p:tnLst>
-    <p:bldLst>
-      <p:bldP spid="5" grpId="0" animBg="1"/>
-      <p:bldP spid="6" grpId="0" animBg="1"/>
-      <p:bldP spid="12" grpId="0"/>
-      <p:bldP spid="13" grpId="0"/>
-      <p:bldP spid="14" grpId="0" animBg="1"/>
-      <p:bldP spid="15" grpId="0"/>
-      <p:bldP spid="16" grpId="0"/>
-    </p:bldLst>
   </p:timing>
 </p:sld>
 </file>
@@ -17938,13 +16287,7 @@
       </p:grpSpPr>
       <p:sp>
         <p:nvSpPr>
-          <p:cNvPr id="37" name="矩形 36">
-            <a:extLst>
-              <a:ext uri="{FF2B5EF4-FFF2-40B4-BE49-F238E27FC236}">
-                <a16:creationId xmlns:a16="http://schemas.microsoft.com/office/drawing/2014/main" id="{8811D951-6D2E-4EA9-BD3D-7B643DCAECED}"/>
-              </a:ext>
-            </a:extLst>
-          </p:cNvPr>
+          <p:cNvPr id="37" name="矩形 36"/>
           <p:cNvSpPr/>
           <p:nvPr/>
         </p:nvSpPr>
@@ -17982,9 +16325,6 @@
         </p:style>
         <p:txBody>
           <a:bodyPr rot="0" spcFirstLastPara="0" vertOverflow="overflow" horzOverflow="overflow" vert="horz" wrap="square" lIns="68580" tIns="34290" rIns="68580" bIns="34290" numCol="1" spcCol="0" rtlCol="0" fromWordArt="0" anchor="ctr" anchorCtr="0" forceAA="0" compatLnSpc="1">
-            <a:prstTxWarp prst="textNoShape">
-              <a:avLst/>
-            </a:prstTxWarp>
             <a:noAutofit/>
           </a:bodyPr>
           <a:lstStyle/>
@@ -17996,13 +16336,7 @@
       </p:sp>
       <p:sp>
         <p:nvSpPr>
-          <p:cNvPr id="5" name="矩形: 圆角 4">
-            <a:extLst>
-              <a:ext uri="{FF2B5EF4-FFF2-40B4-BE49-F238E27FC236}">
-                <a16:creationId xmlns:a16="http://schemas.microsoft.com/office/drawing/2014/main" id="{D5F0B677-1DA7-4ECF-BE55-FCB35B214337}"/>
-              </a:ext>
-            </a:extLst>
-          </p:cNvPr>
+          <p:cNvPr id="5" name="矩形: 圆角 4"/>
           <p:cNvSpPr/>
           <p:nvPr/>
         </p:nvSpPr>
@@ -18048,9 +16382,6 @@
         </p:style>
         <p:txBody>
           <a:bodyPr rot="0" spcFirstLastPara="0" vertOverflow="overflow" horzOverflow="overflow" vert="horz" wrap="square" lIns="68580" tIns="34290" rIns="68580" bIns="34290" numCol="1" spcCol="0" rtlCol="0" fromWordArt="0" anchor="ctr" anchorCtr="0" forceAA="0" compatLnSpc="1">
-            <a:prstTxWarp prst="textNoShape">
-              <a:avLst/>
-            </a:prstTxWarp>
             <a:noAutofit/>
           </a:bodyPr>
           <a:lstStyle/>
@@ -18062,13 +16393,7 @@
       </p:sp>
       <p:sp>
         <p:nvSpPr>
-          <p:cNvPr id="2" name="矩形 1">
-            <a:extLst>
-              <a:ext uri="{FF2B5EF4-FFF2-40B4-BE49-F238E27FC236}">
-                <a16:creationId xmlns:a16="http://schemas.microsoft.com/office/drawing/2014/main" id="{6BF0568C-BBD2-4215-B5CE-4060A3CB119F}"/>
-              </a:ext>
-            </a:extLst>
-          </p:cNvPr>
+          <p:cNvPr id="2" name="矩形 1"/>
           <p:cNvSpPr/>
           <p:nvPr/>
         </p:nvSpPr>
@@ -18112,9 +16437,6 @@
         </p:style>
         <p:txBody>
           <a:bodyPr rot="0" spcFirstLastPara="0" vertOverflow="overflow" horzOverflow="overflow" vert="horz" wrap="square" lIns="68580" tIns="34290" rIns="68580" bIns="34290" numCol="1" spcCol="0" rtlCol="0" fromWordArt="0" anchor="ctr" anchorCtr="0" forceAA="0" compatLnSpc="1">
-            <a:prstTxWarp prst="textNoShape">
-              <a:avLst/>
-            </a:prstTxWarp>
             <a:noAutofit/>
           </a:bodyPr>
           <a:lstStyle/>
@@ -18126,13 +16448,7 @@
       </p:sp>
       <p:sp>
         <p:nvSpPr>
-          <p:cNvPr id="3" name="矩形 2">
-            <a:extLst>
-              <a:ext uri="{FF2B5EF4-FFF2-40B4-BE49-F238E27FC236}">
-                <a16:creationId xmlns:a16="http://schemas.microsoft.com/office/drawing/2014/main" id="{3386EF83-8075-44C8-8904-12B56530A93D}"/>
-              </a:ext>
-            </a:extLst>
-          </p:cNvPr>
+          <p:cNvPr id="3" name="矩形 2"/>
           <p:cNvSpPr/>
           <p:nvPr/>
         </p:nvSpPr>
@@ -18176,9 +16492,6 @@
         </p:style>
         <p:txBody>
           <a:bodyPr rot="0" spcFirstLastPara="0" vertOverflow="overflow" horzOverflow="overflow" vert="horz" wrap="square" lIns="68580" tIns="34290" rIns="68580" bIns="34290" numCol="1" spcCol="0" rtlCol="0" fromWordArt="0" anchor="ctr" anchorCtr="0" forceAA="0" compatLnSpc="1">
-            <a:prstTxWarp prst="textNoShape">
-              <a:avLst/>
-            </a:prstTxWarp>
             <a:noAutofit/>
           </a:bodyPr>
           <a:lstStyle/>
@@ -18190,13 +16503,7 @@
       </p:sp>
       <p:sp>
         <p:nvSpPr>
-          <p:cNvPr id="4" name="矩形 3">
-            <a:extLst>
-              <a:ext uri="{FF2B5EF4-FFF2-40B4-BE49-F238E27FC236}">
-                <a16:creationId xmlns:a16="http://schemas.microsoft.com/office/drawing/2014/main" id="{009129DF-B815-455D-B1D3-42D13503DCBB}"/>
-              </a:ext>
-            </a:extLst>
-          </p:cNvPr>
+          <p:cNvPr id="4" name="矩形 3"/>
           <p:cNvSpPr/>
           <p:nvPr/>
         </p:nvSpPr>
@@ -18240,9 +16547,6 @@
         </p:style>
         <p:txBody>
           <a:bodyPr rot="0" spcFirstLastPara="0" vertOverflow="overflow" horzOverflow="overflow" vert="horz" wrap="square" lIns="68580" tIns="34290" rIns="68580" bIns="34290" numCol="1" spcCol="0" rtlCol="0" fromWordArt="0" anchor="ctr" anchorCtr="0" forceAA="0" compatLnSpc="1">
-            <a:prstTxWarp prst="textNoShape">
-              <a:avLst/>
-            </a:prstTxWarp>
             <a:noAutofit/>
           </a:bodyPr>
           <a:lstStyle/>
@@ -18254,13 +16558,7 @@
       </p:sp>
       <p:pic>
         <p:nvPicPr>
-          <p:cNvPr id="17" name="图片 16">
-            <a:extLst>
-              <a:ext uri="{FF2B5EF4-FFF2-40B4-BE49-F238E27FC236}">
-                <a16:creationId xmlns:a16="http://schemas.microsoft.com/office/drawing/2014/main" id="{A82DECDE-1A22-4A81-B872-5FBE50F8329A}"/>
-              </a:ext>
-            </a:extLst>
-          </p:cNvPr>
+          <p:cNvPr id="17" name="图片 16"/>
           <p:cNvPicPr>
             <a:picLocks noChangeAspect="1"/>
           </p:cNvPicPr>
@@ -18354,13 +16652,7 @@
       </p:pic>
       <p:pic>
         <p:nvPicPr>
-          <p:cNvPr id="18" name="图片 17">
-            <a:extLst>
-              <a:ext uri="{FF2B5EF4-FFF2-40B4-BE49-F238E27FC236}">
-                <a16:creationId xmlns:a16="http://schemas.microsoft.com/office/drawing/2014/main" id="{30E54302-017E-4FA6-A219-3D2B28D0E474}"/>
-              </a:ext>
-            </a:extLst>
-          </p:cNvPr>
+          <p:cNvPr id="18" name="图片 17"/>
           <p:cNvPicPr>
             <a:picLocks noChangeAspect="1"/>
           </p:cNvPicPr>
@@ -18454,13 +16746,7 @@
       </p:pic>
       <p:pic>
         <p:nvPicPr>
-          <p:cNvPr id="19" name="图片 18">
-            <a:extLst>
-              <a:ext uri="{FF2B5EF4-FFF2-40B4-BE49-F238E27FC236}">
-                <a16:creationId xmlns:a16="http://schemas.microsoft.com/office/drawing/2014/main" id="{6B7FF662-49E1-47E6-971B-45A6F09670DB}"/>
-              </a:ext>
-            </a:extLst>
-          </p:cNvPr>
+          <p:cNvPr id="19" name="图片 18"/>
           <p:cNvPicPr>
             <a:picLocks noChangeAspect="1"/>
           </p:cNvPicPr>
@@ -18554,13 +16840,7 @@
       </p:pic>
       <p:sp>
         <p:nvSpPr>
-          <p:cNvPr id="21" name="文本框 20">
-            <a:extLst>
-              <a:ext uri="{FF2B5EF4-FFF2-40B4-BE49-F238E27FC236}">
-                <a16:creationId xmlns:a16="http://schemas.microsoft.com/office/drawing/2014/main" id="{5EC72D13-087A-4F53-A989-3A7B262B3D82}"/>
-              </a:ext>
-            </a:extLst>
-          </p:cNvPr>
+          <p:cNvPr id="21" name="文本框 20"/>
           <p:cNvSpPr txBox="1"/>
           <p:nvPr/>
         </p:nvSpPr>
@@ -18613,16 +16893,8 @@
       </p:sp>
       <p:cxnSp>
         <p:nvCxnSpPr>
-          <p:cNvPr id="22" name="直接连接符 21">
-            <a:extLst>
-              <a:ext uri="{FF2B5EF4-FFF2-40B4-BE49-F238E27FC236}">
-                <a16:creationId xmlns:a16="http://schemas.microsoft.com/office/drawing/2014/main" id="{15F53DFC-D9D4-4044-AD09-54DAF418C2B7}"/>
-              </a:ext>
-            </a:extLst>
-          </p:cNvPr>
-          <p:cNvCxnSpPr>
-            <a:cxnSpLocks/>
-          </p:cNvCxnSpPr>
+          <p:cNvPr id="22" name="直接连接符 21"/>
+          <p:cNvCxnSpPr/>
           <p:nvPr/>
         </p:nvCxnSpPr>
         <p:spPr>
@@ -18658,13 +16930,7 @@
       </p:cxnSp>
       <p:sp>
         <p:nvSpPr>
-          <p:cNvPr id="28" name="文本框 27">
-            <a:extLst>
-              <a:ext uri="{FF2B5EF4-FFF2-40B4-BE49-F238E27FC236}">
-                <a16:creationId xmlns:a16="http://schemas.microsoft.com/office/drawing/2014/main" id="{689B7EC3-9585-44E0-9654-B23EAACE0629}"/>
-              </a:ext>
-            </a:extLst>
-          </p:cNvPr>
+          <p:cNvPr id="28" name="文本框 27"/>
           <p:cNvSpPr txBox="1"/>
           <p:nvPr/>
         </p:nvSpPr>
@@ -18700,16 +16966,8 @@
       </p:sp>
       <p:cxnSp>
         <p:nvCxnSpPr>
-          <p:cNvPr id="29" name="直接连接符 28">
-            <a:extLst>
-              <a:ext uri="{FF2B5EF4-FFF2-40B4-BE49-F238E27FC236}">
-                <a16:creationId xmlns:a16="http://schemas.microsoft.com/office/drawing/2014/main" id="{A13ED5B9-7908-4AFF-80F5-7A5C0425DAD4}"/>
-              </a:ext>
-            </a:extLst>
-          </p:cNvPr>
-          <p:cNvCxnSpPr>
-            <a:cxnSpLocks/>
-          </p:cNvCxnSpPr>
+          <p:cNvPr id="29" name="直接连接符 28"/>
+          <p:cNvCxnSpPr/>
           <p:nvPr/>
         </p:nvCxnSpPr>
         <p:spPr>
@@ -18745,13 +17003,7 @@
       </p:cxnSp>
       <p:cxnSp>
         <p:nvCxnSpPr>
-          <p:cNvPr id="34" name="直接连接符 33">
-            <a:extLst>
-              <a:ext uri="{FF2B5EF4-FFF2-40B4-BE49-F238E27FC236}">
-                <a16:creationId xmlns:a16="http://schemas.microsoft.com/office/drawing/2014/main" id="{D7E84629-58F2-4406-AEC9-34D5C4EFEF8E}"/>
-              </a:ext>
-            </a:extLst>
-          </p:cNvPr>
+          <p:cNvPr id="34" name="直接连接符 33"/>
           <p:cNvCxnSpPr/>
           <p:nvPr/>
         </p:nvCxnSpPr>
@@ -18786,13 +17038,7 @@
       </p:cxnSp>
       <p:sp>
         <p:nvSpPr>
-          <p:cNvPr id="31" name="文本框 30">
-            <a:extLst>
-              <a:ext uri="{FF2B5EF4-FFF2-40B4-BE49-F238E27FC236}">
-                <a16:creationId xmlns:a16="http://schemas.microsoft.com/office/drawing/2014/main" id="{EB829718-612B-4A48-8CE9-1B09BD5B84C7}"/>
-              </a:ext>
-            </a:extLst>
-          </p:cNvPr>
+          <p:cNvPr id="31" name="文本框 30"/>
           <p:cNvSpPr txBox="1"/>
           <p:nvPr/>
         </p:nvSpPr>
@@ -18845,16 +17091,8 @@
       </p:sp>
       <p:cxnSp>
         <p:nvCxnSpPr>
-          <p:cNvPr id="32" name="直接连接符 31">
-            <a:extLst>
-              <a:ext uri="{FF2B5EF4-FFF2-40B4-BE49-F238E27FC236}">
-                <a16:creationId xmlns:a16="http://schemas.microsoft.com/office/drawing/2014/main" id="{F602C6EE-77B8-4C44-8496-3AC560E5B101}"/>
-              </a:ext>
-            </a:extLst>
-          </p:cNvPr>
-          <p:cNvCxnSpPr>
-            <a:cxnSpLocks/>
-          </p:cNvCxnSpPr>
+          <p:cNvPr id="32" name="直接连接符 31"/>
+          <p:cNvCxnSpPr/>
           <p:nvPr/>
         </p:nvCxnSpPr>
         <p:spPr>
@@ -18890,13 +17128,7 @@
       </p:cxnSp>
       <p:sp>
         <p:nvSpPr>
-          <p:cNvPr id="6" name="文本框 5">
-            <a:extLst>
-              <a:ext uri="{FF2B5EF4-FFF2-40B4-BE49-F238E27FC236}">
-                <a16:creationId xmlns:a16="http://schemas.microsoft.com/office/drawing/2014/main" id="{C9402702-C89C-4373-9684-BC28FF86A678}"/>
-              </a:ext>
-            </a:extLst>
-          </p:cNvPr>
+          <p:cNvPr id="6" name="文本框 5"/>
           <p:cNvSpPr txBox="1"/>
           <p:nvPr/>
         </p:nvSpPr>
@@ -18941,13 +17173,7 @@
       </p:sp>
       <p:sp>
         <p:nvSpPr>
-          <p:cNvPr id="13" name="TextBox 12">
-            <a:extLst>
-              <a:ext uri="{FF2B5EF4-FFF2-40B4-BE49-F238E27FC236}">
-                <a16:creationId xmlns:a16="http://schemas.microsoft.com/office/drawing/2014/main" id="{B746F762-B23B-2F4B-9B11-C76310113809}"/>
-              </a:ext>
-            </a:extLst>
-          </p:cNvPr>
+          <p:cNvPr id="13" name="TextBox 12"/>
           <p:cNvSpPr txBox="1"/>
           <p:nvPr/>
         </p:nvSpPr>
@@ -19060,11 +17286,6 @@
         </p:txBody>
       </p:sp>
     </p:spTree>
-    <p:extLst>
-      <p:ext uri="{BB962C8B-B14F-4D97-AF65-F5344CB8AC3E}">
-        <p14:creationId xmlns:p14="http://schemas.microsoft.com/office/powerpoint/2010/main" val="3085524410"/>
-      </p:ext>
-    </p:extLst>
   </p:cSld>
   <p:clrMapOvr>
     <a:masterClrMapping/>
@@ -19081,1262 +17302,6 @@
       </p:transition>
     </mc:Fallback>
   </mc:AlternateContent>
-  <p:timing>
-    <p:tnLst>
-      <p:par>
-        <p:cTn id="1" dur="indefinite" restart="never" nodeType="tmRoot">
-          <p:childTnLst>
-            <p:seq concurrent="1" nextAc="seek">
-              <p:cTn id="2" dur="indefinite" nodeType="mainSeq">
-                <p:childTnLst>
-                  <p:par>
-                    <p:cTn id="3" fill="hold">
-                      <p:stCondLst>
-                        <p:cond delay="indefinite"/>
-                        <p:cond evt="onBegin" delay="0">
-                          <p:tn val="2"/>
-                        </p:cond>
-                      </p:stCondLst>
-                      <p:childTnLst>
-                        <p:par>
-                          <p:cTn id="4" fill="hold">
-                            <p:stCondLst>
-                              <p:cond delay="0"/>
-                            </p:stCondLst>
-                            <p:childTnLst>
-                              <p:par>
-                                <p:cTn id="5" presetID="47" presetClass="entr" presetSubtype="0" fill="hold" grpId="0" nodeType="afterEffect">
-                                  <p:stCondLst>
-                                    <p:cond delay="0"/>
-                                  </p:stCondLst>
-                                  <p:childTnLst>
-                                    <p:set>
-                                      <p:cBhvr>
-                                        <p:cTn id="6" dur="1" fill="hold">
-                                          <p:stCondLst>
-                                            <p:cond delay="0"/>
-                                          </p:stCondLst>
-                                        </p:cTn>
-                                        <p:tgtEl>
-                                          <p:spTgt spid="6"/>
-                                        </p:tgtEl>
-                                        <p:attrNameLst>
-                                          <p:attrName>style.visibility</p:attrName>
-                                        </p:attrNameLst>
-                                      </p:cBhvr>
-                                      <p:to>
-                                        <p:strVal val="visible"/>
-                                      </p:to>
-                                    </p:set>
-                                    <p:animEffect transition="in" filter="fade">
-                                      <p:cBhvr>
-                                        <p:cTn id="7" dur="500"/>
-                                        <p:tgtEl>
-                                          <p:spTgt spid="6"/>
-                                        </p:tgtEl>
-                                      </p:cBhvr>
-                                    </p:animEffect>
-                                    <p:anim calcmode="lin" valueType="num">
-                                      <p:cBhvr>
-                                        <p:cTn id="8" dur="500" fill="hold"/>
-                                        <p:tgtEl>
-                                          <p:spTgt spid="6"/>
-                                        </p:tgtEl>
-                                        <p:attrNameLst>
-                                          <p:attrName>ppt_x</p:attrName>
-                                        </p:attrNameLst>
-                                      </p:cBhvr>
-                                      <p:tavLst>
-                                        <p:tav tm="0">
-                                          <p:val>
-                                            <p:strVal val="#ppt_x"/>
-                                          </p:val>
-                                        </p:tav>
-                                        <p:tav tm="100000">
-                                          <p:val>
-                                            <p:strVal val="#ppt_x"/>
-                                          </p:val>
-                                        </p:tav>
-                                      </p:tavLst>
-                                    </p:anim>
-                                    <p:anim calcmode="lin" valueType="num">
-                                      <p:cBhvr>
-                                        <p:cTn id="9" dur="500" fill="hold"/>
-                                        <p:tgtEl>
-                                          <p:spTgt spid="6"/>
-                                        </p:tgtEl>
-                                        <p:attrNameLst>
-                                          <p:attrName>ppt_y</p:attrName>
-                                        </p:attrNameLst>
-                                      </p:cBhvr>
-                                      <p:tavLst>
-                                        <p:tav tm="0">
-                                          <p:val>
-                                            <p:strVal val="#ppt_y-.1"/>
-                                          </p:val>
-                                        </p:tav>
-                                        <p:tav tm="100000">
-                                          <p:val>
-                                            <p:strVal val="#ppt_y"/>
-                                          </p:val>
-                                        </p:tav>
-                                      </p:tavLst>
-                                    </p:anim>
-                                  </p:childTnLst>
-                                </p:cTn>
-                              </p:par>
-                            </p:childTnLst>
-                          </p:cTn>
-                        </p:par>
-                        <p:par>
-                          <p:cTn id="10" fill="hold">
-                            <p:stCondLst>
-                              <p:cond delay="500"/>
-                            </p:stCondLst>
-                            <p:childTnLst>
-                              <p:par>
-                                <p:cTn id="11" presetID="16" presetClass="entr" presetSubtype="37" fill="hold" nodeType="afterEffect">
-                                  <p:stCondLst>
-                                    <p:cond delay="0"/>
-                                  </p:stCondLst>
-                                  <p:childTnLst>
-                                    <p:set>
-                                      <p:cBhvr>
-                                        <p:cTn id="12" dur="1" fill="hold">
-                                          <p:stCondLst>
-                                            <p:cond delay="0"/>
-                                          </p:stCondLst>
-                                        </p:cTn>
-                                        <p:tgtEl>
-                                          <p:spTgt spid="34"/>
-                                        </p:tgtEl>
-                                        <p:attrNameLst>
-                                          <p:attrName>style.visibility</p:attrName>
-                                        </p:attrNameLst>
-                                      </p:cBhvr>
-                                      <p:to>
-                                        <p:strVal val="visible"/>
-                                      </p:to>
-                                    </p:set>
-                                    <p:animEffect transition="in" filter="barn(outVertical)">
-                                      <p:cBhvr>
-                                        <p:cTn id="13" dur="1000"/>
-                                        <p:tgtEl>
-                                          <p:spTgt spid="34"/>
-                                        </p:tgtEl>
-                                      </p:cBhvr>
-                                    </p:animEffect>
-                                  </p:childTnLst>
-                                </p:cTn>
-                              </p:par>
-                              <p:par>
-                                <p:cTn id="14" presetID="16" presetClass="entr" presetSubtype="37" fill="hold" grpId="0" nodeType="withEffect">
-                                  <p:stCondLst>
-                                    <p:cond delay="0"/>
-                                  </p:stCondLst>
-                                  <p:childTnLst>
-                                    <p:set>
-                                      <p:cBhvr>
-                                        <p:cTn id="15" dur="1" fill="hold">
-                                          <p:stCondLst>
-                                            <p:cond delay="0"/>
-                                          </p:stCondLst>
-                                        </p:cTn>
-                                        <p:tgtEl>
-                                          <p:spTgt spid="5"/>
-                                        </p:tgtEl>
-                                        <p:attrNameLst>
-                                          <p:attrName>style.visibility</p:attrName>
-                                        </p:attrNameLst>
-                                      </p:cBhvr>
-                                      <p:to>
-                                        <p:strVal val="visible"/>
-                                      </p:to>
-                                    </p:set>
-                                    <p:animEffect transition="in" filter="barn(outVertical)">
-                                      <p:cBhvr>
-                                        <p:cTn id="16" dur="1000"/>
-                                        <p:tgtEl>
-                                          <p:spTgt spid="5"/>
-                                        </p:tgtEl>
-                                      </p:cBhvr>
-                                    </p:animEffect>
-                                  </p:childTnLst>
-                                </p:cTn>
-                              </p:par>
-                            </p:childTnLst>
-                          </p:cTn>
-                        </p:par>
-                        <p:par>
-                          <p:cTn id="17" fill="hold">
-                            <p:stCondLst>
-                              <p:cond delay="1500"/>
-                            </p:stCondLst>
-                            <p:childTnLst>
-                              <p:par>
-                                <p:cTn id="18" presetID="10" presetClass="entr" presetSubtype="0" fill="hold" grpId="0" nodeType="afterEffect">
-                                  <p:stCondLst>
-                                    <p:cond delay="0"/>
-                                  </p:stCondLst>
-                                  <p:childTnLst>
-                                    <p:set>
-                                      <p:cBhvr>
-                                        <p:cTn id="19" dur="1" fill="hold">
-                                          <p:stCondLst>
-                                            <p:cond delay="0"/>
-                                          </p:stCondLst>
-                                        </p:cTn>
-                                        <p:tgtEl>
-                                          <p:spTgt spid="37"/>
-                                        </p:tgtEl>
-                                        <p:attrNameLst>
-                                          <p:attrName>style.visibility</p:attrName>
-                                        </p:attrNameLst>
-                                      </p:cBhvr>
-                                      <p:to>
-                                        <p:strVal val="visible"/>
-                                      </p:to>
-                                    </p:set>
-                                    <p:animEffect transition="in" filter="fade">
-                                      <p:cBhvr>
-                                        <p:cTn id="20" dur="500"/>
-                                        <p:tgtEl>
-                                          <p:spTgt spid="37"/>
-                                        </p:tgtEl>
-                                      </p:cBhvr>
-                                    </p:animEffect>
-                                  </p:childTnLst>
-                                </p:cTn>
-                              </p:par>
-                            </p:childTnLst>
-                          </p:cTn>
-                        </p:par>
-                        <p:par>
-                          <p:cTn id="21" fill="hold">
-                            <p:stCondLst>
-                              <p:cond delay="2000"/>
-                            </p:stCondLst>
-                            <p:childTnLst>
-                              <p:par>
-                                <p:cTn id="22" presetID="42" presetClass="entr" presetSubtype="0" fill="hold" grpId="0" nodeType="afterEffect">
-                                  <p:stCondLst>
-                                    <p:cond delay="0"/>
-                                  </p:stCondLst>
-                                  <p:childTnLst>
-                                    <p:set>
-                                      <p:cBhvr>
-                                        <p:cTn id="23" dur="1" fill="hold">
-                                          <p:stCondLst>
-                                            <p:cond delay="0"/>
-                                          </p:stCondLst>
-                                        </p:cTn>
-                                        <p:tgtEl>
-                                          <p:spTgt spid="3"/>
-                                        </p:tgtEl>
-                                        <p:attrNameLst>
-                                          <p:attrName>style.visibility</p:attrName>
-                                        </p:attrNameLst>
-                                      </p:cBhvr>
-                                      <p:to>
-                                        <p:strVal val="visible"/>
-                                      </p:to>
-                                    </p:set>
-                                    <p:animEffect transition="in" filter="fade">
-                                      <p:cBhvr>
-                                        <p:cTn id="24" dur="1000"/>
-                                        <p:tgtEl>
-                                          <p:spTgt spid="3"/>
-                                        </p:tgtEl>
-                                      </p:cBhvr>
-                                    </p:animEffect>
-                                    <p:anim calcmode="lin" valueType="num">
-                                      <p:cBhvr>
-                                        <p:cTn id="25" dur="1000" fill="hold"/>
-                                        <p:tgtEl>
-                                          <p:spTgt spid="3"/>
-                                        </p:tgtEl>
-                                        <p:attrNameLst>
-                                          <p:attrName>ppt_x</p:attrName>
-                                        </p:attrNameLst>
-                                      </p:cBhvr>
-                                      <p:tavLst>
-                                        <p:tav tm="0">
-                                          <p:val>
-                                            <p:strVal val="#ppt_x"/>
-                                          </p:val>
-                                        </p:tav>
-                                        <p:tav tm="100000">
-                                          <p:val>
-                                            <p:strVal val="#ppt_x"/>
-                                          </p:val>
-                                        </p:tav>
-                                      </p:tavLst>
-                                    </p:anim>
-                                    <p:anim calcmode="lin" valueType="num">
-                                      <p:cBhvr>
-                                        <p:cTn id="26" dur="1000" fill="hold"/>
-                                        <p:tgtEl>
-                                          <p:spTgt spid="3"/>
-                                        </p:tgtEl>
-                                        <p:attrNameLst>
-                                          <p:attrName>ppt_y</p:attrName>
-                                        </p:attrNameLst>
-                                      </p:cBhvr>
-                                      <p:tavLst>
-                                        <p:tav tm="0">
-                                          <p:val>
-                                            <p:strVal val="#ppt_y+.1"/>
-                                          </p:val>
-                                        </p:tav>
-                                        <p:tav tm="100000">
-                                          <p:val>
-                                            <p:strVal val="#ppt_y"/>
-                                          </p:val>
-                                        </p:tav>
-                                      </p:tavLst>
-                                    </p:anim>
-                                  </p:childTnLst>
-                                </p:cTn>
-                              </p:par>
-                              <p:par>
-                                <p:cTn id="27" presetID="42" presetClass="entr" presetSubtype="0" fill="hold" nodeType="withEffect">
-                                  <p:stCondLst>
-                                    <p:cond delay="0"/>
-                                  </p:stCondLst>
-                                  <p:childTnLst>
-                                    <p:set>
-                                      <p:cBhvr>
-                                        <p:cTn id="28" dur="1" fill="hold">
-                                          <p:stCondLst>
-                                            <p:cond delay="0"/>
-                                          </p:stCondLst>
-                                        </p:cTn>
-                                        <p:tgtEl>
-                                          <p:spTgt spid="19"/>
-                                        </p:tgtEl>
-                                        <p:attrNameLst>
-                                          <p:attrName>style.visibility</p:attrName>
-                                        </p:attrNameLst>
-                                      </p:cBhvr>
-                                      <p:to>
-                                        <p:strVal val="visible"/>
-                                      </p:to>
-                                    </p:set>
-                                    <p:animEffect transition="in" filter="fade">
-                                      <p:cBhvr>
-                                        <p:cTn id="29" dur="1000"/>
-                                        <p:tgtEl>
-                                          <p:spTgt spid="19"/>
-                                        </p:tgtEl>
-                                      </p:cBhvr>
-                                    </p:animEffect>
-                                    <p:anim calcmode="lin" valueType="num">
-                                      <p:cBhvr>
-                                        <p:cTn id="30" dur="1000" fill="hold"/>
-                                        <p:tgtEl>
-                                          <p:spTgt spid="19"/>
-                                        </p:tgtEl>
-                                        <p:attrNameLst>
-                                          <p:attrName>ppt_x</p:attrName>
-                                        </p:attrNameLst>
-                                      </p:cBhvr>
-                                      <p:tavLst>
-                                        <p:tav tm="0">
-                                          <p:val>
-                                            <p:strVal val="#ppt_x"/>
-                                          </p:val>
-                                        </p:tav>
-                                        <p:tav tm="100000">
-                                          <p:val>
-                                            <p:strVal val="#ppt_x"/>
-                                          </p:val>
-                                        </p:tav>
-                                      </p:tavLst>
-                                    </p:anim>
-                                    <p:anim calcmode="lin" valueType="num">
-                                      <p:cBhvr>
-                                        <p:cTn id="31" dur="1000" fill="hold"/>
-                                        <p:tgtEl>
-                                          <p:spTgt spid="19"/>
-                                        </p:tgtEl>
-                                        <p:attrNameLst>
-                                          <p:attrName>ppt_y</p:attrName>
-                                        </p:attrNameLst>
-                                      </p:cBhvr>
-                                      <p:tavLst>
-                                        <p:tav tm="0">
-                                          <p:val>
-                                            <p:strVal val="#ppt_y+.1"/>
-                                          </p:val>
-                                        </p:tav>
-                                        <p:tav tm="100000">
-                                          <p:val>
-                                            <p:strVal val="#ppt_y"/>
-                                          </p:val>
-                                        </p:tav>
-                                      </p:tavLst>
-                                    </p:anim>
-                                  </p:childTnLst>
-                                </p:cTn>
-                              </p:par>
-                              <p:par>
-                                <p:cTn id="32" presetID="42" presetClass="entr" presetSubtype="0" fill="hold" grpId="0" nodeType="withEffect">
-                                  <p:stCondLst>
-                                    <p:cond delay="0"/>
-                                  </p:stCondLst>
-                                  <p:childTnLst>
-                                    <p:set>
-                                      <p:cBhvr>
-                                        <p:cTn id="33" dur="1" fill="hold">
-                                          <p:stCondLst>
-                                            <p:cond delay="0"/>
-                                          </p:stCondLst>
-                                        </p:cTn>
-                                        <p:tgtEl>
-                                          <p:spTgt spid="28"/>
-                                        </p:tgtEl>
-                                        <p:attrNameLst>
-                                          <p:attrName>style.visibility</p:attrName>
-                                        </p:attrNameLst>
-                                      </p:cBhvr>
-                                      <p:to>
-                                        <p:strVal val="visible"/>
-                                      </p:to>
-                                    </p:set>
-                                    <p:animEffect transition="in" filter="fade">
-                                      <p:cBhvr>
-                                        <p:cTn id="34" dur="1000"/>
-                                        <p:tgtEl>
-                                          <p:spTgt spid="28"/>
-                                        </p:tgtEl>
-                                      </p:cBhvr>
-                                    </p:animEffect>
-                                    <p:anim calcmode="lin" valueType="num">
-                                      <p:cBhvr>
-                                        <p:cTn id="35" dur="1000" fill="hold"/>
-                                        <p:tgtEl>
-                                          <p:spTgt spid="28"/>
-                                        </p:tgtEl>
-                                        <p:attrNameLst>
-                                          <p:attrName>ppt_x</p:attrName>
-                                        </p:attrNameLst>
-                                      </p:cBhvr>
-                                      <p:tavLst>
-                                        <p:tav tm="0">
-                                          <p:val>
-                                            <p:strVal val="#ppt_x"/>
-                                          </p:val>
-                                        </p:tav>
-                                        <p:tav tm="100000">
-                                          <p:val>
-                                            <p:strVal val="#ppt_x"/>
-                                          </p:val>
-                                        </p:tav>
-                                      </p:tavLst>
-                                    </p:anim>
-                                    <p:anim calcmode="lin" valueType="num">
-                                      <p:cBhvr>
-                                        <p:cTn id="36" dur="1000" fill="hold"/>
-                                        <p:tgtEl>
-                                          <p:spTgt spid="28"/>
-                                        </p:tgtEl>
-                                        <p:attrNameLst>
-                                          <p:attrName>ppt_y</p:attrName>
-                                        </p:attrNameLst>
-                                      </p:cBhvr>
-                                      <p:tavLst>
-                                        <p:tav tm="0">
-                                          <p:val>
-                                            <p:strVal val="#ppt_y+.1"/>
-                                          </p:val>
-                                        </p:tav>
-                                        <p:tav tm="100000">
-                                          <p:val>
-                                            <p:strVal val="#ppt_y"/>
-                                          </p:val>
-                                        </p:tav>
-                                      </p:tavLst>
-                                    </p:anim>
-                                  </p:childTnLst>
-                                </p:cTn>
-                              </p:par>
-                              <p:par>
-                                <p:cTn id="37" presetID="42" presetClass="entr" presetSubtype="0" fill="hold" nodeType="withEffect">
-                                  <p:stCondLst>
-                                    <p:cond delay="0"/>
-                                  </p:stCondLst>
-                                  <p:childTnLst>
-                                    <p:set>
-                                      <p:cBhvr>
-                                        <p:cTn id="38" dur="1" fill="hold">
-                                          <p:stCondLst>
-                                            <p:cond delay="0"/>
-                                          </p:stCondLst>
-                                        </p:cTn>
-                                        <p:tgtEl>
-                                          <p:spTgt spid="29"/>
-                                        </p:tgtEl>
-                                        <p:attrNameLst>
-                                          <p:attrName>style.visibility</p:attrName>
-                                        </p:attrNameLst>
-                                      </p:cBhvr>
-                                      <p:to>
-                                        <p:strVal val="visible"/>
-                                      </p:to>
-                                    </p:set>
-                                    <p:animEffect transition="in" filter="fade">
-                                      <p:cBhvr>
-                                        <p:cTn id="39" dur="1000"/>
-                                        <p:tgtEl>
-                                          <p:spTgt spid="29"/>
-                                        </p:tgtEl>
-                                      </p:cBhvr>
-                                    </p:animEffect>
-                                    <p:anim calcmode="lin" valueType="num">
-                                      <p:cBhvr>
-                                        <p:cTn id="40" dur="1000" fill="hold"/>
-                                        <p:tgtEl>
-                                          <p:spTgt spid="29"/>
-                                        </p:tgtEl>
-                                        <p:attrNameLst>
-                                          <p:attrName>ppt_x</p:attrName>
-                                        </p:attrNameLst>
-                                      </p:cBhvr>
-                                      <p:tavLst>
-                                        <p:tav tm="0">
-                                          <p:val>
-                                            <p:strVal val="#ppt_x"/>
-                                          </p:val>
-                                        </p:tav>
-                                        <p:tav tm="100000">
-                                          <p:val>
-                                            <p:strVal val="#ppt_x"/>
-                                          </p:val>
-                                        </p:tav>
-                                      </p:tavLst>
-                                    </p:anim>
-                                    <p:anim calcmode="lin" valueType="num">
-                                      <p:cBhvr>
-                                        <p:cTn id="41" dur="1000" fill="hold"/>
-                                        <p:tgtEl>
-                                          <p:spTgt spid="29"/>
-                                        </p:tgtEl>
-                                        <p:attrNameLst>
-                                          <p:attrName>ppt_y</p:attrName>
-                                        </p:attrNameLst>
-                                      </p:cBhvr>
-                                      <p:tavLst>
-                                        <p:tav tm="0">
-                                          <p:val>
-                                            <p:strVal val="#ppt_y+.1"/>
-                                          </p:val>
-                                        </p:tav>
-                                        <p:tav tm="100000">
-                                          <p:val>
-                                            <p:strVal val="#ppt_y"/>
-                                          </p:val>
-                                        </p:tav>
-                                      </p:tavLst>
-                                    </p:anim>
-                                  </p:childTnLst>
-                                </p:cTn>
-                              </p:par>
-                            </p:childTnLst>
-                          </p:cTn>
-                        </p:par>
-                        <p:par>
-                          <p:cTn id="42" fill="hold">
-                            <p:stCondLst>
-                              <p:cond delay="3000"/>
-                            </p:stCondLst>
-                            <p:childTnLst>
-                              <p:par>
-                                <p:cTn id="43" presetID="42" presetClass="entr" presetSubtype="0" fill="hold" grpId="0" nodeType="afterEffect">
-                                  <p:stCondLst>
-                                    <p:cond delay="0"/>
-                                  </p:stCondLst>
-                                  <p:childTnLst>
-                                    <p:set>
-                                      <p:cBhvr>
-                                        <p:cTn id="44" dur="1" fill="hold">
-                                          <p:stCondLst>
-                                            <p:cond delay="0"/>
-                                          </p:stCondLst>
-                                        </p:cTn>
-                                        <p:tgtEl>
-                                          <p:spTgt spid="2"/>
-                                        </p:tgtEl>
-                                        <p:attrNameLst>
-                                          <p:attrName>style.visibility</p:attrName>
-                                        </p:attrNameLst>
-                                      </p:cBhvr>
-                                      <p:to>
-                                        <p:strVal val="visible"/>
-                                      </p:to>
-                                    </p:set>
-                                    <p:animEffect transition="in" filter="fade">
-                                      <p:cBhvr>
-                                        <p:cTn id="45" dur="1000"/>
-                                        <p:tgtEl>
-                                          <p:spTgt spid="2"/>
-                                        </p:tgtEl>
-                                      </p:cBhvr>
-                                    </p:animEffect>
-                                    <p:anim calcmode="lin" valueType="num">
-                                      <p:cBhvr>
-                                        <p:cTn id="46" dur="1000" fill="hold"/>
-                                        <p:tgtEl>
-                                          <p:spTgt spid="2"/>
-                                        </p:tgtEl>
-                                        <p:attrNameLst>
-                                          <p:attrName>ppt_x</p:attrName>
-                                        </p:attrNameLst>
-                                      </p:cBhvr>
-                                      <p:tavLst>
-                                        <p:tav tm="0">
-                                          <p:val>
-                                            <p:strVal val="#ppt_x"/>
-                                          </p:val>
-                                        </p:tav>
-                                        <p:tav tm="100000">
-                                          <p:val>
-                                            <p:strVal val="#ppt_x"/>
-                                          </p:val>
-                                        </p:tav>
-                                      </p:tavLst>
-                                    </p:anim>
-                                    <p:anim calcmode="lin" valueType="num">
-                                      <p:cBhvr>
-                                        <p:cTn id="47" dur="1000" fill="hold"/>
-                                        <p:tgtEl>
-                                          <p:spTgt spid="2"/>
-                                        </p:tgtEl>
-                                        <p:attrNameLst>
-                                          <p:attrName>ppt_y</p:attrName>
-                                        </p:attrNameLst>
-                                      </p:cBhvr>
-                                      <p:tavLst>
-                                        <p:tav tm="0">
-                                          <p:val>
-                                            <p:strVal val="#ppt_y+.1"/>
-                                          </p:val>
-                                        </p:tav>
-                                        <p:tav tm="100000">
-                                          <p:val>
-                                            <p:strVal val="#ppt_y"/>
-                                          </p:val>
-                                        </p:tav>
-                                      </p:tavLst>
-                                    </p:anim>
-                                  </p:childTnLst>
-                                </p:cTn>
-                              </p:par>
-                              <p:par>
-                                <p:cTn id="48" presetID="42" presetClass="entr" presetSubtype="0" fill="hold" nodeType="withEffect">
-                                  <p:stCondLst>
-                                    <p:cond delay="0"/>
-                                  </p:stCondLst>
-                                  <p:childTnLst>
-                                    <p:set>
-                                      <p:cBhvr>
-                                        <p:cTn id="49" dur="1" fill="hold">
-                                          <p:stCondLst>
-                                            <p:cond delay="0"/>
-                                          </p:stCondLst>
-                                        </p:cTn>
-                                        <p:tgtEl>
-                                          <p:spTgt spid="18"/>
-                                        </p:tgtEl>
-                                        <p:attrNameLst>
-                                          <p:attrName>style.visibility</p:attrName>
-                                        </p:attrNameLst>
-                                      </p:cBhvr>
-                                      <p:to>
-                                        <p:strVal val="visible"/>
-                                      </p:to>
-                                    </p:set>
-                                    <p:animEffect transition="in" filter="fade">
-                                      <p:cBhvr>
-                                        <p:cTn id="50" dur="1000"/>
-                                        <p:tgtEl>
-                                          <p:spTgt spid="18"/>
-                                        </p:tgtEl>
-                                      </p:cBhvr>
-                                    </p:animEffect>
-                                    <p:anim calcmode="lin" valueType="num">
-                                      <p:cBhvr>
-                                        <p:cTn id="51" dur="1000" fill="hold"/>
-                                        <p:tgtEl>
-                                          <p:spTgt spid="18"/>
-                                        </p:tgtEl>
-                                        <p:attrNameLst>
-                                          <p:attrName>ppt_x</p:attrName>
-                                        </p:attrNameLst>
-                                      </p:cBhvr>
-                                      <p:tavLst>
-                                        <p:tav tm="0">
-                                          <p:val>
-                                            <p:strVal val="#ppt_x"/>
-                                          </p:val>
-                                        </p:tav>
-                                        <p:tav tm="100000">
-                                          <p:val>
-                                            <p:strVal val="#ppt_x"/>
-                                          </p:val>
-                                        </p:tav>
-                                      </p:tavLst>
-                                    </p:anim>
-                                    <p:anim calcmode="lin" valueType="num">
-                                      <p:cBhvr>
-                                        <p:cTn id="52" dur="1000" fill="hold"/>
-                                        <p:tgtEl>
-                                          <p:spTgt spid="18"/>
-                                        </p:tgtEl>
-                                        <p:attrNameLst>
-                                          <p:attrName>ppt_y</p:attrName>
-                                        </p:attrNameLst>
-                                      </p:cBhvr>
-                                      <p:tavLst>
-                                        <p:tav tm="0">
-                                          <p:val>
-                                            <p:strVal val="#ppt_y+.1"/>
-                                          </p:val>
-                                        </p:tav>
-                                        <p:tav tm="100000">
-                                          <p:val>
-                                            <p:strVal val="#ppt_y"/>
-                                          </p:val>
-                                        </p:tav>
-                                      </p:tavLst>
-                                    </p:anim>
-                                  </p:childTnLst>
-                                </p:cTn>
-                              </p:par>
-                              <p:par>
-                                <p:cTn id="53" presetID="42" presetClass="entr" presetSubtype="0" fill="hold" grpId="0" nodeType="withEffect">
-                                  <p:stCondLst>
-                                    <p:cond delay="0"/>
-                                  </p:stCondLst>
-                                  <p:childTnLst>
-                                    <p:set>
-                                      <p:cBhvr>
-                                        <p:cTn id="54" dur="1" fill="hold">
-                                          <p:stCondLst>
-                                            <p:cond delay="0"/>
-                                          </p:stCondLst>
-                                        </p:cTn>
-                                        <p:tgtEl>
-                                          <p:spTgt spid="21"/>
-                                        </p:tgtEl>
-                                        <p:attrNameLst>
-                                          <p:attrName>style.visibility</p:attrName>
-                                        </p:attrNameLst>
-                                      </p:cBhvr>
-                                      <p:to>
-                                        <p:strVal val="visible"/>
-                                      </p:to>
-                                    </p:set>
-                                    <p:animEffect transition="in" filter="fade">
-                                      <p:cBhvr>
-                                        <p:cTn id="55" dur="1000"/>
-                                        <p:tgtEl>
-                                          <p:spTgt spid="21"/>
-                                        </p:tgtEl>
-                                      </p:cBhvr>
-                                    </p:animEffect>
-                                    <p:anim calcmode="lin" valueType="num">
-                                      <p:cBhvr>
-                                        <p:cTn id="56" dur="1000" fill="hold"/>
-                                        <p:tgtEl>
-                                          <p:spTgt spid="21"/>
-                                        </p:tgtEl>
-                                        <p:attrNameLst>
-                                          <p:attrName>ppt_x</p:attrName>
-                                        </p:attrNameLst>
-                                      </p:cBhvr>
-                                      <p:tavLst>
-                                        <p:tav tm="0">
-                                          <p:val>
-                                            <p:strVal val="#ppt_x"/>
-                                          </p:val>
-                                        </p:tav>
-                                        <p:tav tm="100000">
-                                          <p:val>
-                                            <p:strVal val="#ppt_x"/>
-                                          </p:val>
-                                        </p:tav>
-                                      </p:tavLst>
-                                    </p:anim>
-                                    <p:anim calcmode="lin" valueType="num">
-                                      <p:cBhvr>
-                                        <p:cTn id="57" dur="1000" fill="hold"/>
-                                        <p:tgtEl>
-                                          <p:spTgt spid="21"/>
-                                        </p:tgtEl>
-                                        <p:attrNameLst>
-                                          <p:attrName>ppt_y</p:attrName>
-                                        </p:attrNameLst>
-                                      </p:cBhvr>
-                                      <p:tavLst>
-                                        <p:tav tm="0">
-                                          <p:val>
-                                            <p:strVal val="#ppt_y+.1"/>
-                                          </p:val>
-                                        </p:tav>
-                                        <p:tav tm="100000">
-                                          <p:val>
-                                            <p:strVal val="#ppt_y"/>
-                                          </p:val>
-                                        </p:tav>
-                                      </p:tavLst>
-                                    </p:anim>
-                                  </p:childTnLst>
-                                </p:cTn>
-                              </p:par>
-                              <p:par>
-                                <p:cTn id="58" presetID="42" presetClass="entr" presetSubtype="0" fill="hold" nodeType="withEffect">
-                                  <p:stCondLst>
-                                    <p:cond delay="0"/>
-                                  </p:stCondLst>
-                                  <p:childTnLst>
-                                    <p:set>
-                                      <p:cBhvr>
-                                        <p:cTn id="59" dur="1" fill="hold">
-                                          <p:stCondLst>
-                                            <p:cond delay="0"/>
-                                          </p:stCondLst>
-                                        </p:cTn>
-                                        <p:tgtEl>
-                                          <p:spTgt spid="22"/>
-                                        </p:tgtEl>
-                                        <p:attrNameLst>
-                                          <p:attrName>style.visibility</p:attrName>
-                                        </p:attrNameLst>
-                                      </p:cBhvr>
-                                      <p:to>
-                                        <p:strVal val="visible"/>
-                                      </p:to>
-                                    </p:set>
-                                    <p:animEffect transition="in" filter="fade">
-                                      <p:cBhvr>
-                                        <p:cTn id="60" dur="1000"/>
-                                        <p:tgtEl>
-                                          <p:spTgt spid="22"/>
-                                        </p:tgtEl>
-                                      </p:cBhvr>
-                                    </p:animEffect>
-                                    <p:anim calcmode="lin" valueType="num">
-                                      <p:cBhvr>
-                                        <p:cTn id="61" dur="1000" fill="hold"/>
-                                        <p:tgtEl>
-                                          <p:spTgt spid="22"/>
-                                        </p:tgtEl>
-                                        <p:attrNameLst>
-                                          <p:attrName>ppt_x</p:attrName>
-                                        </p:attrNameLst>
-                                      </p:cBhvr>
-                                      <p:tavLst>
-                                        <p:tav tm="0">
-                                          <p:val>
-                                            <p:strVal val="#ppt_x"/>
-                                          </p:val>
-                                        </p:tav>
-                                        <p:tav tm="100000">
-                                          <p:val>
-                                            <p:strVal val="#ppt_x"/>
-                                          </p:val>
-                                        </p:tav>
-                                      </p:tavLst>
-                                    </p:anim>
-                                    <p:anim calcmode="lin" valueType="num">
-                                      <p:cBhvr>
-                                        <p:cTn id="62" dur="1000" fill="hold"/>
-                                        <p:tgtEl>
-                                          <p:spTgt spid="22"/>
-                                        </p:tgtEl>
-                                        <p:attrNameLst>
-                                          <p:attrName>ppt_y</p:attrName>
-                                        </p:attrNameLst>
-                                      </p:cBhvr>
-                                      <p:tavLst>
-                                        <p:tav tm="0">
-                                          <p:val>
-                                            <p:strVal val="#ppt_y+.1"/>
-                                          </p:val>
-                                        </p:tav>
-                                        <p:tav tm="100000">
-                                          <p:val>
-                                            <p:strVal val="#ppt_y"/>
-                                          </p:val>
-                                        </p:tav>
-                                      </p:tavLst>
-                                    </p:anim>
-                                  </p:childTnLst>
-                                </p:cTn>
-                              </p:par>
-                              <p:par>
-                                <p:cTn id="63" presetID="42" presetClass="entr" presetSubtype="0" fill="hold" grpId="0" nodeType="withEffect">
-                                  <p:stCondLst>
-                                    <p:cond delay="0"/>
-                                  </p:stCondLst>
-                                  <p:childTnLst>
-                                    <p:set>
-                                      <p:cBhvr>
-                                        <p:cTn id="64" dur="1" fill="hold">
-                                          <p:stCondLst>
-                                            <p:cond delay="0"/>
-                                          </p:stCondLst>
-                                        </p:cTn>
-                                        <p:tgtEl>
-                                          <p:spTgt spid="4"/>
-                                        </p:tgtEl>
-                                        <p:attrNameLst>
-                                          <p:attrName>style.visibility</p:attrName>
-                                        </p:attrNameLst>
-                                      </p:cBhvr>
-                                      <p:to>
-                                        <p:strVal val="visible"/>
-                                      </p:to>
-                                    </p:set>
-                                    <p:animEffect transition="in" filter="fade">
-                                      <p:cBhvr>
-                                        <p:cTn id="65" dur="1000"/>
-                                        <p:tgtEl>
-                                          <p:spTgt spid="4"/>
-                                        </p:tgtEl>
-                                      </p:cBhvr>
-                                    </p:animEffect>
-                                    <p:anim calcmode="lin" valueType="num">
-                                      <p:cBhvr>
-                                        <p:cTn id="66" dur="1000" fill="hold"/>
-                                        <p:tgtEl>
-                                          <p:spTgt spid="4"/>
-                                        </p:tgtEl>
-                                        <p:attrNameLst>
-                                          <p:attrName>ppt_x</p:attrName>
-                                        </p:attrNameLst>
-                                      </p:cBhvr>
-                                      <p:tavLst>
-                                        <p:tav tm="0">
-                                          <p:val>
-                                            <p:strVal val="#ppt_x"/>
-                                          </p:val>
-                                        </p:tav>
-                                        <p:tav tm="100000">
-                                          <p:val>
-                                            <p:strVal val="#ppt_x"/>
-                                          </p:val>
-                                        </p:tav>
-                                      </p:tavLst>
-                                    </p:anim>
-                                    <p:anim calcmode="lin" valueType="num">
-                                      <p:cBhvr>
-                                        <p:cTn id="67" dur="1000" fill="hold"/>
-                                        <p:tgtEl>
-                                          <p:spTgt spid="4"/>
-                                        </p:tgtEl>
-                                        <p:attrNameLst>
-                                          <p:attrName>ppt_y</p:attrName>
-                                        </p:attrNameLst>
-                                      </p:cBhvr>
-                                      <p:tavLst>
-                                        <p:tav tm="0">
-                                          <p:val>
-                                            <p:strVal val="#ppt_y+.1"/>
-                                          </p:val>
-                                        </p:tav>
-                                        <p:tav tm="100000">
-                                          <p:val>
-                                            <p:strVal val="#ppt_y"/>
-                                          </p:val>
-                                        </p:tav>
-                                      </p:tavLst>
-                                    </p:anim>
-                                  </p:childTnLst>
-                                </p:cTn>
-                              </p:par>
-                              <p:par>
-                                <p:cTn id="68" presetID="42" presetClass="entr" presetSubtype="0" fill="hold" nodeType="withEffect">
-                                  <p:stCondLst>
-                                    <p:cond delay="0"/>
-                                  </p:stCondLst>
-                                  <p:childTnLst>
-                                    <p:set>
-                                      <p:cBhvr>
-                                        <p:cTn id="69" dur="1" fill="hold">
-                                          <p:stCondLst>
-                                            <p:cond delay="0"/>
-                                          </p:stCondLst>
-                                        </p:cTn>
-                                        <p:tgtEl>
-                                          <p:spTgt spid="17"/>
-                                        </p:tgtEl>
-                                        <p:attrNameLst>
-                                          <p:attrName>style.visibility</p:attrName>
-                                        </p:attrNameLst>
-                                      </p:cBhvr>
-                                      <p:to>
-                                        <p:strVal val="visible"/>
-                                      </p:to>
-                                    </p:set>
-                                    <p:animEffect transition="in" filter="fade">
-                                      <p:cBhvr>
-                                        <p:cTn id="70" dur="1000"/>
-                                        <p:tgtEl>
-                                          <p:spTgt spid="17"/>
-                                        </p:tgtEl>
-                                      </p:cBhvr>
-                                    </p:animEffect>
-                                    <p:anim calcmode="lin" valueType="num">
-                                      <p:cBhvr>
-                                        <p:cTn id="71" dur="1000" fill="hold"/>
-                                        <p:tgtEl>
-                                          <p:spTgt spid="17"/>
-                                        </p:tgtEl>
-                                        <p:attrNameLst>
-                                          <p:attrName>ppt_x</p:attrName>
-                                        </p:attrNameLst>
-                                      </p:cBhvr>
-                                      <p:tavLst>
-                                        <p:tav tm="0">
-                                          <p:val>
-                                            <p:strVal val="#ppt_x"/>
-                                          </p:val>
-                                        </p:tav>
-                                        <p:tav tm="100000">
-                                          <p:val>
-                                            <p:strVal val="#ppt_x"/>
-                                          </p:val>
-                                        </p:tav>
-                                      </p:tavLst>
-                                    </p:anim>
-                                    <p:anim calcmode="lin" valueType="num">
-                                      <p:cBhvr>
-                                        <p:cTn id="72" dur="1000" fill="hold"/>
-                                        <p:tgtEl>
-                                          <p:spTgt spid="17"/>
-                                        </p:tgtEl>
-                                        <p:attrNameLst>
-                                          <p:attrName>ppt_y</p:attrName>
-                                        </p:attrNameLst>
-                                      </p:cBhvr>
-                                      <p:tavLst>
-                                        <p:tav tm="0">
-                                          <p:val>
-                                            <p:strVal val="#ppt_y+.1"/>
-                                          </p:val>
-                                        </p:tav>
-                                        <p:tav tm="100000">
-                                          <p:val>
-                                            <p:strVal val="#ppt_y"/>
-                                          </p:val>
-                                        </p:tav>
-                                      </p:tavLst>
-                                    </p:anim>
-                                  </p:childTnLst>
-                                </p:cTn>
-                              </p:par>
-                              <p:par>
-                                <p:cTn id="73" presetID="42" presetClass="entr" presetSubtype="0" fill="hold" grpId="0" nodeType="withEffect">
-                                  <p:stCondLst>
-                                    <p:cond delay="0"/>
-                                  </p:stCondLst>
-                                  <p:childTnLst>
-                                    <p:set>
-                                      <p:cBhvr>
-                                        <p:cTn id="74" dur="1" fill="hold">
-                                          <p:stCondLst>
-                                            <p:cond delay="0"/>
-                                          </p:stCondLst>
-                                        </p:cTn>
-                                        <p:tgtEl>
-                                          <p:spTgt spid="31"/>
-                                        </p:tgtEl>
-                                        <p:attrNameLst>
-                                          <p:attrName>style.visibility</p:attrName>
-                                        </p:attrNameLst>
-                                      </p:cBhvr>
-                                      <p:to>
-                                        <p:strVal val="visible"/>
-                                      </p:to>
-                                    </p:set>
-                                    <p:animEffect transition="in" filter="fade">
-                                      <p:cBhvr>
-                                        <p:cTn id="75" dur="1000"/>
-                                        <p:tgtEl>
-                                          <p:spTgt spid="31"/>
-                                        </p:tgtEl>
-                                      </p:cBhvr>
-                                    </p:animEffect>
-                                    <p:anim calcmode="lin" valueType="num">
-                                      <p:cBhvr>
-                                        <p:cTn id="76" dur="1000" fill="hold"/>
-                                        <p:tgtEl>
-                                          <p:spTgt spid="31"/>
-                                        </p:tgtEl>
-                                        <p:attrNameLst>
-                                          <p:attrName>ppt_x</p:attrName>
-                                        </p:attrNameLst>
-                                      </p:cBhvr>
-                                      <p:tavLst>
-                                        <p:tav tm="0">
-                                          <p:val>
-                                            <p:strVal val="#ppt_x"/>
-                                          </p:val>
-                                        </p:tav>
-                                        <p:tav tm="100000">
-                                          <p:val>
-                                            <p:strVal val="#ppt_x"/>
-                                          </p:val>
-                                        </p:tav>
-                                      </p:tavLst>
-                                    </p:anim>
-                                    <p:anim calcmode="lin" valueType="num">
-                                      <p:cBhvr>
-                                        <p:cTn id="77" dur="1000" fill="hold"/>
-                                        <p:tgtEl>
-                                          <p:spTgt spid="31"/>
-                                        </p:tgtEl>
-                                        <p:attrNameLst>
-                                          <p:attrName>ppt_y</p:attrName>
-                                        </p:attrNameLst>
-                                      </p:cBhvr>
-                                      <p:tavLst>
-                                        <p:tav tm="0">
-                                          <p:val>
-                                            <p:strVal val="#ppt_y+.1"/>
-                                          </p:val>
-                                        </p:tav>
-                                        <p:tav tm="100000">
-                                          <p:val>
-                                            <p:strVal val="#ppt_y"/>
-                                          </p:val>
-                                        </p:tav>
-                                      </p:tavLst>
-                                    </p:anim>
-                                  </p:childTnLst>
-                                </p:cTn>
-                              </p:par>
-                              <p:par>
-                                <p:cTn id="78" presetID="42" presetClass="entr" presetSubtype="0" fill="hold" nodeType="withEffect">
-                                  <p:stCondLst>
-                                    <p:cond delay="0"/>
-                                  </p:stCondLst>
-                                  <p:childTnLst>
-                                    <p:set>
-                                      <p:cBhvr>
-                                        <p:cTn id="79" dur="1" fill="hold">
-                                          <p:stCondLst>
-                                            <p:cond delay="0"/>
-                                          </p:stCondLst>
-                                        </p:cTn>
-                                        <p:tgtEl>
-                                          <p:spTgt spid="32"/>
-                                        </p:tgtEl>
-                                        <p:attrNameLst>
-                                          <p:attrName>style.visibility</p:attrName>
-                                        </p:attrNameLst>
-                                      </p:cBhvr>
-                                      <p:to>
-                                        <p:strVal val="visible"/>
-                                      </p:to>
-                                    </p:set>
-                                    <p:animEffect transition="in" filter="fade">
-                                      <p:cBhvr>
-                                        <p:cTn id="80" dur="1000"/>
-                                        <p:tgtEl>
-                                          <p:spTgt spid="32"/>
-                                        </p:tgtEl>
-                                      </p:cBhvr>
-                                    </p:animEffect>
-                                    <p:anim calcmode="lin" valueType="num">
-                                      <p:cBhvr>
-                                        <p:cTn id="81" dur="1000" fill="hold"/>
-                                        <p:tgtEl>
-                                          <p:spTgt spid="32"/>
-                                        </p:tgtEl>
-                                        <p:attrNameLst>
-                                          <p:attrName>ppt_x</p:attrName>
-                                        </p:attrNameLst>
-                                      </p:cBhvr>
-                                      <p:tavLst>
-                                        <p:tav tm="0">
-                                          <p:val>
-                                            <p:strVal val="#ppt_x"/>
-                                          </p:val>
-                                        </p:tav>
-                                        <p:tav tm="100000">
-                                          <p:val>
-                                            <p:strVal val="#ppt_x"/>
-                                          </p:val>
-                                        </p:tav>
-                                      </p:tavLst>
-                                    </p:anim>
-                                    <p:anim calcmode="lin" valueType="num">
-                                      <p:cBhvr>
-                                        <p:cTn id="82" dur="1000" fill="hold"/>
-                                        <p:tgtEl>
-                                          <p:spTgt spid="32"/>
-                                        </p:tgtEl>
-                                        <p:attrNameLst>
-                                          <p:attrName>ppt_y</p:attrName>
-                                        </p:attrNameLst>
-                                      </p:cBhvr>
-                                      <p:tavLst>
-                                        <p:tav tm="0">
-                                          <p:val>
-                                            <p:strVal val="#ppt_y+.1"/>
-                                          </p:val>
-                                        </p:tav>
-                                        <p:tav tm="100000">
-                                          <p:val>
-                                            <p:strVal val="#ppt_y"/>
-                                          </p:val>
-                                        </p:tav>
-                                      </p:tavLst>
-                                    </p:anim>
-                                  </p:childTnLst>
-                                </p:cTn>
-                              </p:par>
-                            </p:childTnLst>
-                          </p:cTn>
-                        </p:par>
-                      </p:childTnLst>
-                    </p:cTn>
-                  </p:par>
-                </p:childTnLst>
-              </p:cTn>
-              <p:prevCondLst>
-                <p:cond evt="onPrev" delay="0">
-                  <p:tgtEl>
-                    <p:sldTgt/>
-                  </p:tgtEl>
-                </p:cond>
-              </p:prevCondLst>
-              <p:nextCondLst>
-                <p:cond evt="onNext" delay="0">
-                  <p:tgtEl>
-                    <p:sldTgt/>
-                  </p:tgtEl>
-                </p:cond>
-              </p:nextCondLst>
-            </p:seq>
-          </p:childTnLst>
-        </p:cTn>
-      </p:par>
-    </p:tnLst>
-    <p:bldLst>
-      <p:bldP spid="37" grpId="0" animBg="1"/>
-      <p:bldP spid="5" grpId="0" animBg="1"/>
-      <p:bldP spid="2" grpId="0" animBg="1"/>
-      <p:bldP spid="3" grpId="0" animBg="1"/>
-      <p:bldP spid="4" grpId="0" animBg="1"/>
-      <p:bldP spid="21" grpId="0"/>
-      <p:bldP spid="28" grpId="0"/>
-      <p:bldP spid="31" grpId="0"/>
-      <p:bldP spid="6" grpId="0" animBg="1"/>
-    </p:bldLst>
-  </p:timing>
 </p:sld>
 </file>
 
@@ -20359,16 +17324,8 @@
       </p:grpSpPr>
       <p:cxnSp>
         <p:nvCxnSpPr>
-          <p:cNvPr id="7" name="直接连接符 6">
-            <a:extLst>
-              <a:ext uri="{FF2B5EF4-FFF2-40B4-BE49-F238E27FC236}">
-                <a16:creationId xmlns:a16="http://schemas.microsoft.com/office/drawing/2014/main" id="{0DBB23F4-B640-4AFA-932F-6085171C1C15}"/>
-              </a:ext>
-            </a:extLst>
-          </p:cNvPr>
-          <p:cNvCxnSpPr>
-            <a:cxnSpLocks/>
-          </p:cNvCxnSpPr>
+          <p:cNvPr id="7" name="直接连接符 6"/>
+          <p:cNvCxnSpPr/>
           <p:nvPr/>
         </p:nvCxnSpPr>
         <p:spPr>
@@ -20421,16 +17378,8 @@
       </p:cxnSp>
       <p:cxnSp>
         <p:nvCxnSpPr>
-          <p:cNvPr id="8" name="直接连接符 7">
-            <a:extLst>
-              <a:ext uri="{FF2B5EF4-FFF2-40B4-BE49-F238E27FC236}">
-                <a16:creationId xmlns:a16="http://schemas.microsoft.com/office/drawing/2014/main" id="{9156931B-1A96-4343-BE7B-C88C5BF50981}"/>
-              </a:ext>
-            </a:extLst>
-          </p:cNvPr>
-          <p:cNvCxnSpPr>
-            <a:cxnSpLocks/>
-          </p:cNvCxnSpPr>
+          <p:cNvPr id="8" name="直接连接符 7"/>
+          <p:cNvCxnSpPr/>
           <p:nvPr/>
         </p:nvCxnSpPr>
         <p:spPr>
@@ -20483,13 +17432,7 @@
       </p:cxnSp>
       <p:sp>
         <p:nvSpPr>
-          <p:cNvPr id="12" name="文本框 11">
-            <a:extLst>
-              <a:ext uri="{FF2B5EF4-FFF2-40B4-BE49-F238E27FC236}">
-                <a16:creationId xmlns:a16="http://schemas.microsoft.com/office/drawing/2014/main" id="{2DC4CD7D-3CFD-4C59-8C22-187081BAAB00}"/>
-              </a:ext>
-            </a:extLst>
-          </p:cNvPr>
+          <p:cNvPr id="12" name="文本框 11"/>
           <p:cNvSpPr txBox="1"/>
           <p:nvPr/>
         </p:nvSpPr>
@@ -20568,13 +17511,7 @@
       </p:sp>
       <p:sp>
         <p:nvSpPr>
-          <p:cNvPr id="14" name="文本框 13">
-            <a:extLst>
-              <a:ext uri="{FF2B5EF4-FFF2-40B4-BE49-F238E27FC236}">
-                <a16:creationId xmlns:a16="http://schemas.microsoft.com/office/drawing/2014/main" id="{DB774F6D-4FAC-4567-BE07-06753F6D4B8B}"/>
-              </a:ext>
-            </a:extLst>
-          </p:cNvPr>
+          <p:cNvPr id="14" name="文本框 13"/>
           <p:cNvSpPr txBox="1"/>
           <p:nvPr/>
         </p:nvSpPr>
@@ -20675,13 +17612,7 @@
       </p:sp>
       <p:pic>
         <p:nvPicPr>
-          <p:cNvPr id="3" name="Picture 2">
-            <a:extLst>
-              <a:ext uri="{FF2B5EF4-FFF2-40B4-BE49-F238E27FC236}">
-                <a16:creationId xmlns:a16="http://schemas.microsoft.com/office/drawing/2014/main" id="{D3F86A7E-1790-1B46-B1D0-5238366D9B0C}"/>
-              </a:ext>
-            </a:extLst>
-          </p:cNvPr>
+          <p:cNvPr id="3" name="Picture 2"/>
           <p:cNvPicPr>
             <a:picLocks noChangeAspect="1"/>
           </p:cNvPicPr>
@@ -20711,13 +17642,7 @@
       </p:pic>
       <p:grpSp>
         <p:nvGrpSpPr>
-          <p:cNvPr id="23" name="Group 140">
-            <a:extLst>
-              <a:ext uri="{FF2B5EF4-FFF2-40B4-BE49-F238E27FC236}">
-                <a16:creationId xmlns:a16="http://schemas.microsoft.com/office/drawing/2014/main" id="{5CE08CA3-F6EA-4749-9373-6F824FCBBA64}"/>
-              </a:ext>
-            </a:extLst>
-          </p:cNvPr>
+          <p:cNvPr id="23" name="Group 140"/>
           <p:cNvGrpSpPr>
             <a:grpSpLocks noChangeAspect="1"/>
           </p:cNvGrpSpPr>
@@ -20737,13 +17662,7 @@
         </p:grpSpPr>
         <p:sp>
           <p:nvSpPr>
-            <p:cNvPr id="24" name="Freeform 141">
-              <a:extLst>
-                <a:ext uri="{FF2B5EF4-FFF2-40B4-BE49-F238E27FC236}">
-                  <a16:creationId xmlns:a16="http://schemas.microsoft.com/office/drawing/2014/main" id="{50270C94-8A63-E549-A1AF-CF2B91227DCA}"/>
-                </a:ext>
-              </a:extLst>
-            </p:cNvPr>
+            <p:cNvPr id="24" name="Freeform 141"/>
             <p:cNvSpPr>
               <a:spLocks noEditPoints="1"/>
             </p:cNvSpPr>
@@ -21042,18 +17961,12 @@
                     <a:srgbClr val="000000"/>
                   </a:solidFill>
                   <a:round/>
-                  <a:headEnd/>
-                  <a:tailEnd/>
                 </a14:hiddenLine>
               </a:ext>
             </a:extLst>
           </p:spPr>
           <p:txBody>
-            <a:bodyPr vert="horz" wrap="square" lIns="68580" tIns="34290" rIns="68580" bIns="34290" numCol="1" anchor="t" anchorCtr="0" compatLnSpc="1">
-              <a:prstTxWarp prst="textNoShape">
-                <a:avLst/>
-              </a:prstTxWarp>
-            </a:bodyPr>
+            <a:bodyPr vert="horz" wrap="square" lIns="68580" tIns="34290" rIns="68580" bIns="34290" numCol="1" anchor="t" anchorCtr="0" compatLnSpc="1"/>
             <a:lstStyle/>
             <a:p>
               <a:endParaRPr lang="zh-CN" altLang="en-US" sz="1350" dirty="0"/>
@@ -21062,13 +17975,7 @@
         </p:sp>
         <p:sp>
           <p:nvSpPr>
-            <p:cNvPr id="25" name="Freeform 142">
-              <a:extLst>
-                <a:ext uri="{FF2B5EF4-FFF2-40B4-BE49-F238E27FC236}">
-                  <a16:creationId xmlns:a16="http://schemas.microsoft.com/office/drawing/2014/main" id="{7A1A286A-D114-7947-8044-19CDA37A3824}"/>
-                </a:ext>
-              </a:extLst>
-            </p:cNvPr>
+            <p:cNvPr id="25" name="Freeform 142"/>
             <p:cNvSpPr>
               <a:spLocks noEditPoints="1"/>
             </p:cNvSpPr>
@@ -21219,18 +18126,12 @@
                     <a:srgbClr val="000000"/>
                   </a:solidFill>
                   <a:round/>
-                  <a:headEnd/>
-                  <a:tailEnd/>
                 </a14:hiddenLine>
               </a:ext>
             </a:extLst>
           </p:spPr>
           <p:txBody>
-            <a:bodyPr vert="horz" wrap="square" lIns="68580" tIns="34290" rIns="68580" bIns="34290" numCol="1" anchor="t" anchorCtr="0" compatLnSpc="1">
-              <a:prstTxWarp prst="textNoShape">
-                <a:avLst/>
-              </a:prstTxWarp>
-            </a:bodyPr>
+            <a:bodyPr vert="horz" wrap="square" lIns="68580" tIns="34290" rIns="68580" bIns="34290" numCol="1" anchor="t" anchorCtr="0" compatLnSpc="1"/>
             <a:lstStyle/>
             <a:p>
               <a:endParaRPr lang="zh-CN" altLang="en-US" sz="1350"/>
@@ -21240,13 +18141,7 @@
       </p:grpSp>
       <p:sp>
         <p:nvSpPr>
-          <p:cNvPr id="4" name="Right Arrow 3">
-            <a:extLst>
-              <a:ext uri="{FF2B5EF4-FFF2-40B4-BE49-F238E27FC236}">
-                <a16:creationId xmlns:a16="http://schemas.microsoft.com/office/drawing/2014/main" id="{0F091BB4-729B-E34E-936F-1C57B8BC2469}"/>
-              </a:ext>
-            </a:extLst>
-          </p:cNvPr>
+          <p:cNvPr id="4" name="Right Arrow 3"/>
           <p:cNvSpPr/>
           <p:nvPr/>
         </p:nvSpPr>
@@ -21286,13 +18181,7 @@
       </p:sp>
       <p:sp>
         <p:nvSpPr>
-          <p:cNvPr id="26" name="Right Arrow 25">
-            <a:extLst>
-              <a:ext uri="{FF2B5EF4-FFF2-40B4-BE49-F238E27FC236}">
-                <a16:creationId xmlns:a16="http://schemas.microsoft.com/office/drawing/2014/main" id="{D5BA4953-437E-6642-BFAD-19D25A76BB9B}"/>
-              </a:ext>
-            </a:extLst>
-          </p:cNvPr>
+          <p:cNvPr id="26" name="Right Arrow 25"/>
           <p:cNvSpPr/>
           <p:nvPr/>
         </p:nvSpPr>
@@ -21332,13 +18221,7 @@
       </p:sp>
       <p:sp>
         <p:nvSpPr>
-          <p:cNvPr id="9" name="TextBox 8">
-            <a:extLst>
-              <a:ext uri="{FF2B5EF4-FFF2-40B4-BE49-F238E27FC236}">
-                <a16:creationId xmlns:a16="http://schemas.microsoft.com/office/drawing/2014/main" id="{1801AFF1-8DE2-054B-940B-D2EB75386DF6}"/>
-              </a:ext>
-            </a:extLst>
-          </p:cNvPr>
+          <p:cNvPr id="9" name="TextBox 8"/>
           <p:cNvSpPr txBox="1"/>
           <p:nvPr/>
         </p:nvSpPr>
@@ -21402,13 +18285,7 @@
       </p:sp>
       <p:sp>
         <p:nvSpPr>
-          <p:cNvPr id="27" name="TextBox 26">
-            <a:extLst>
-              <a:ext uri="{FF2B5EF4-FFF2-40B4-BE49-F238E27FC236}">
-                <a16:creationId xmlns:a16="http://schemas.microsoft.com/office/drawing/2014/main" id="{6B51AB96-A09A-4F4A-9531-FE2522AD7C40}"/>
-              </a:ext>
-            </a:extLst>
-          </p:cNvPr>
+          <p:cNvPr id="27" name="TextBox 26"/>
           <p:cNvSpPr txBox="1"/>
           <p:nvPr/>
         </p:nvSpPr>
@@ -21470,13 +18347,7 @@
       </p:sp>
       <p:sp>
         <p:nvSpPr>
-          <p:cNvPr id="10" name="Rectangle 9">
-            <a:extLst>
-              <a:ext uri="{FF2B5EF4-FFF2-40B4-BE49-F238E27FC236}">
-                <a16:creationId xmlns:a16="http://schemas.microsoft.com/office/drawing/2014/main" id="{483EFD8C-027D-5845-8AE4-8465349EFC82}"/>
-              </a:ext>
-            </a:extLst>
-          </p:cNvPr>
+          <p:cNvPr id="10" name="Rectangle 9"/>
           <p:cNvSpPr/>
           <p:nvPr/>
         </p:nvSpPr>
@@ -21501,7 +18372,7 @@
                 <a:solidFill>
                   <a:srgbClr val="333333"/>
                 </a:solidFill>
-                <a:latin typeface="arial" panose="020B0604020202020204" pitchFamily="34" charset="0"/>
+                <a:latin typeface="Arial" panose="020B0604020202090204" pitchFamily="34" charset="0"/>
               </a:rPr>
               <a:t> </a:t>
             </a:r>
@@ -21510,7 +18381,7 @@
                 <a:solidFill>
                   <a:srgbClr val="333333"/>
                 </a:solidFill>
-                <a:latin typeface="arial" panose="020B0604020202020204" pitchFamily="34" charset="0"/>
+                <a:latin typeface="Arial" panose="020B0604020202090204" pitchFamily="34" charset="0"/>
               </a:rPr>
               <a:t>A</a:t>
             </a:r>
@@ -21519,7 +18390,7 @@
                 <a:solidFill>
                   <a:srgbClr val="333333"/>
                 </a:solidFill>
-                <a:latin typeface="arial" panose="020B0604020202020204" pitchFamily="34" charset="0"/>
+                <a:latin typeface="Arial" panose="020B0604020202090204" pitchFamily="34" charset="0"/>
               </a:rPr>
               <a:t>symmetric </a:t>
             </a:r>
@@ -21528,7 +18399,7 @@
                 <a:solidFill>
                   <a:srgbClr val="333333"/>
                 </a:solidFill>
-                <a:latin typeface="arial" panose="020B0604020202020204" pitchFamily="34" charset="0"/>
+                <a:latin typeface="Arial" panose="020B0604020202090204" pitchFamily="34" charset="0"/>
               </a:rPr>
               <a:t>C</a:t>
             </a:r>
@@ -21537,7 +18408,7 @@
                 <a:solidFill>
                   <a:srgbClr val="333333"/>
                 </a:solidFill>
-                <a:latin typeface="arial" panose="020B0604020202020204" pitchFamily="34" charset="0"/>
+                <a:latin typeface="Arial" panose="020B0604020202090204" pitchFamily="34" charset="0"/>
               </a:rPr>
               <a:t>ryptograph</a:t>
             </a:r>
@@ -21546,7 +18417,7 @@
                 <a:solidFill>
                   <a:srgbClr val="333333"/>
                 </a:solidFill>
-                <a:latin typeface="arial" panose="020B0604020202020204" pitchFamily="34" charset="0"/>
+                <a:latin typeface="Arial" panose="020B0604020202090204" pitchFamily="34" charset="0"/>
               </a:rPr>
               <a:t>y</a:t>
             </a:r>
@@ -21556,13 +18427,7 @@
       </p:sp>
       <p:sp>
         <p:nvSpPr>
-          <p:cNvPr id="11" name="Rectangle 10">
-            <a:extLst>
-              <a:ext uri="{FF2B5EF4-FFF2-40B4-BE49-F238E27FC236}">
-                <a16:creationId xmlns:a16="http://schemas.microsoft.com/office/drawing/2014/main" id="{F4F374B4-4542-6143-BDD2-E12749099AE2}"/>
-              </a:ext>
-            </a:extLst>
-          </p:cNvPr>
+          <p:cNvPr id="11" name="Rectangle 10"/>
           <p:cNvSpPr/>
           <p:nvPr/>
         </p:nvSpPr>
@@ -21587,7 +18452,7 @@
                 <a:solidFill>
                   <a:srgbClr val="333333"/>
                 </a:solidFill>
-                <a:latin typeface="arial" panose="020B0604020202020204" pitchFamily="34" charset="0"/>
+                <a:latin typeface="Arial" panose="020B0604020202090204" pitchFamily="34" charset="0"/>
               </a:rPr>
               <a:t> </a:t>
             </a:r>
@@ -21596,7 +18461,7 @@
                 <a:solidFill>
                   <a:srgbClr val="333333"/>
                 </a:solidFill>
-                <a:latin typeface="arial" panose="020B0604020202020204" pitchFamily="34" charset="0"/>
+                <a:latin typeface="Arial" panose="020B0604020202090204" pitchFamily="34" charset="0"/>
               </a:rPr>
               <a:t>S</a:t>
             </a:r>
@@ -21605,7 +18470,7 @@
                 <a:solidFill>
                   <a:srgbClr val="333333"/>
                 </a:solidFill>
-                <a:latin typeface="arial" panose="020B0604020202020204" pitchFamily="34" charset="0"/>
+                <a:latin typeface="Arial" panose="020B0604020202090204" pitchFamily="34" charset="0"/>
               </a:rPr>
               <a:t>ymmetric </a:t>
             </a:r>
@@ -21614,7 +18479,7 @@
                 <a:solidFill>
                   <a:srgbClr val="333333"/>
                 </a:solidFill>
-                <a:latin typeface="arial" panose="020B0604020202020204" pitchFamily="34" charset="0"/>
+                <a:latin typeface="Arial" panose="020B0604020202090204" pitchFamily="34" charset="0"/>
               </a:rPr>
               <a:t>C</a:t>
             </a:r>
@@ -21623,7 +18488,7 @@
                 <a:solidFill>
                   <a:srgbClr val="333333"/>
                 </a:solidFill>
-                <a:latin typeface="arial" panose="020B0604020202020204" pitchFamily="34" charset="0"/>
+                <a:latin typeface="Arial" panose="020B0604020202090204" pitchFamily="34" charset="0"/>
               </a:rPr>
               <a:t>ryptograph</a:t>
             </a:r>
@@ -21632,7 +18497,7 @@
                 <a:solidFill>
                   <a:srgbClr val="333333"/>
                 </a:solidFill>
-                <a:latin typeface="arial" panose="020B0604020202020204" pitchFamily="34" charset="0"/>
+                <a:latin typeface="Arial" panose="020B0604020202090204" pitchFamily="34" charset="0"/>
               </a:rPr>
               <a:t>y</a:t>
             </a:r>
@@ -21641,7 +18506,7 @@
                 <a:solidFill>
                   <a:srgbClr val="333333"/>
                 </a:solidFill>
-                <a:latin typeface="arial" panose="020B0604020202020204" pitchFamily="34" charset="0"/>
+                <a:latin typeface="Arial" panose="020B0604020202090204" pitchFamily="34" charset="0"/>
               </a:rPr>
               <a:t> </a:t>
             </a:r>
@@ -21651,13 +18516,7 @@
       </p:sp>
       <p:sp>
         <p:nvSpPr>
-          <p:cNvPr id="28" name="文本框 11">
-            <a:extLst>
-              <a:ext uri="{FF2B5EF4-FFF2-40B4-BE49-F238E27FC236}">
-                <a16:creationId xmlns:a16="http://schemas.microsoft.com/office/drawing/2014/main" id="{1B544DEA-62FA-0345-9CEC-436405B2DFA3}"/>
-              </a:ext>
-            </a:extLst>
-          </p:cNvPr>
+          <p:cNvPr id="28" name="文本框 11"/>
           <p:cNvSpPr txBox="1"/>
           <p:nvPr/>
         </p:nvSpPr>
@@ -21736,13 +18595,7 @@
       </p:sp>
       <p:sp>
         <p:nvSpPr>
-          <p:cNvPr id="29" name="TextBox 28">
-            <a:extLst>
-              <a:ext uri="{FF2B5EF4-FFF2-40B4-BE49-F238E27FC236}">
-                <a16:creationId xmlns:a16="http://schemas.microsoft.com/office/drawing/2014/main" id="{B98B5F06-1322-8047-8081-BAE911147F9E}"/>
-              </a:ext>
-            </a:extLst>
-          </p:cNvPr>
+          <p:cNvPr id="29" name="TextBox 28"/>
           <p:cNvSpPr txBox="1"/>
           <p:nvPr/>
         </p:nvSpPr>
@@ -21771,13 +18624,7 @@
       </p:sp>
       <p:sp>
         <p:nvSpPr>
-          <p:cNvPr id="30" name="Rectangle 29">
-            <a:extLst>
-              <a:ext uri="{FF2B5EF4-FFF2-40B4-BE49-F238E27FC236}">
-                <a16:creationId xmlns:a16="http://schemas.microsoft.com/office/drawing/2014/main" id="{EE9905F7-A385-074E-9829-D817213589FA}"/>
-              </a:ext>
-            </a:extLst>
-          </p:cNvPr>
+          <p:cNvPr id="30" name="Rectangle 29"/>
           <p:cNvSpPr/>
           <p:nvPr/>
         </p:nvSpPr>
@@ -21810,20 +18657,14 @@
                 <a:srgbClr val="222222"/>
               </a:solidFill>
               <a:effectLst/>
-              <a:latin typeface="Arial" panose="020B0604020202020204" pitchFamily="34" charset="0"/>
+              <a:latin typeface="Arial" panose="020B0604020202090204" pitchFamily="34" charset="0"/>
             </a:endParaRPr>
           </a:p>
         </p:txBody>
       </p:sp>
       <p:sp>
         <p:nvSpPr>
-          <p:cNvPr id="31" name="TextBox 30">
-            <a:extLst>
-              <a:ext uri="{FF2B5EF4-FFF2-40B4-BE49-F238E27FC236}">
-                <a16:creationId xmlns:a16="http://schemas.microsoft.com/office/drawing/2014/main" id="{A0636F73-0277-124B-9BF1-B4ADF730BB07}"/>
-              </a:ext>
-            </a:extLst>
-          </p:cNvPr>
+          <p:cNvPr id="31" name="TextBox 30"/>
           <p:cNvSpPr txBox="1"/>
           <p:nvPr/>
         </p:nvSpPr>
@@ -21863,13 +18704,7 @@
       </p:sp>
       <p:sp>
         <p:nvSpPr>
-          <p:cNvPr id="32" name="Rectangle 31">
-            <a:extLst>
-              <a:ext uri="{FF2B5EF4-FFF2-40B4-BE49-F238E27FC236}">
-                <a16:creationId xmlns:a16="http://schemas.microsoft.com/office/drawing/2014/main" id="{7E80C5B7-2C2F-2944-86B5-F3C83200FBF5}"/>
-              </a:ext>
-            </a:extLst>
-          </p:cNvPr>
+          <p:cNvPr id="32" name="Rectangle 31"/>
           <p:cNvSpPr/>
           <p:nvPr/>
         </p:nvSpPr>
@@ -21900,20 +18735,14 @@
       </p:sp>
       <p:sp>
         <p:nvSpPr>
-          <p:cNvPr id="33" name="Rectangle 32">
-            <a:extLst>
-              <a:ext uri="{FF2B5EF4-FFF2-40B4-BE49-F238E27FC236}">
-                <a16:creationId xmlns:a16="http://schemas.microsoft.com/office/drawing/2014/main" id="{0BD166F8-1440-3941-88A8-3E7B20BB38E6}"/>
-              </a:ext>
-            </a:extLst>
-          </p:cNvPr>
+          <p:cNvPr id="33" name="Rectangle 32"/>
           <p:cNvSpPr/>
           <p:nvPr/>
         </p:nvSpPr>
         <p:spPr>
           <a:xfrm>
-            <a:off x="4498004" y="6045216"/>
-            <a:ext cx="3472425" cy="461665"/>
+            <a:off x="4463539" y="6045216"/>
+            <a:ext cx="3541355" cy="461665"/>
           </a:xfrm>
           <a:prstGeom prst="rect">
             <a:avLst/>
@@ -21931,22 +18760,16 @@
                 <a:solidFill>
                   <a:srgbClr val="333333"/>
                 </a:solidFill>
-                <a:latin typeface="arial" panose="020B0604020202020204" pitchFamily="34" charset="0"/>
+                <a:latin typeface="Arial" panose="020B0604020202090204" pitchFamily="34" charset="0"/>
               </a:rPr>
-              <a:t>Public-key cryptography</a:t>
+              <a:t>Public-key Cryptography</a:t>
             </a:r>
           </a:p>
         </p:txBody>
       </p:sp>
       <p:sp>
         <p:nvSpPr>
-          <p:cNvPr id="34" name="文本框 11">
-            <a:extLst>
-              <a:ext uri="{FF2B5EF4-FFF2-40B4-BE49-F238E27FC236}">
-                <a16:creationId xmlns:a16="http://schemas.microsoft.com/office/drawing/2014/main" id="{DF5F3864-1BDB-994C-8781-C8C315F428AC}"/>
-              </a:ext>
-            </a:extLst>
-          </p:cNvPr>
+          <p:cNvPr id="34" name="文本框 11"/>
           <p:cNvSpPr txBox="1"/>
           <p:nvPr/>
         </p:nvSpPr>
@@ -22061,13 +18884,7 @@
       </p:sp>
       <p:sp>
         <p:nvSpPr>
-          <p:cNvPr id="35" name="Rectangle 34">
-            <a:extLst>
-              <a:ext uri="{FF2B5EF4-FFF2-40B4-BE49-F238E27FC236}">
-                <a16:creationId xmlns:a16="http://schemas.microsoft.com/office/drawing/2014/main" id="{F48DB2E1-822D-0844-A196-EB7ADA0357D1}"/>
-              </a:ext>
-            </a:extLst>
-          </p:cNvPr>
+          <p:cNvPr id="35" name="Rectangle 34"/>
           <p:cNvSpPr/>
           <p:nvPr/>
         </p:nvSpPr>
@@ -22096,13 +18913,7 @@
       </p:sp>
       <p:sp>
         <p:nvSpPr>
-          <p:cNvPr id="36" name="Rectangle 35">
-            <a:extLst>
-              <a:ext uri="{FF2B5EF4-FFF2-40B4-BE49-F238E27FC236}">
-                <a16:creationId xmlns:a16="http://schemas.microsoft.com/office/drawing/2014/main" id="{386CDEFC-0620-8140-BA75-007397719450}"/>
-              </a:ext>
-            </a:extLst>
-          </p:cNvPr>
+          <p:cNvPr id="36" name="Rectangle 35"/>
           <p:cNvSpPr/>
           <p:nvPr/>
         </p:nvSpPr>
@@ -22131,13 +18942,7 @@
       </p:sp>
       <p:sp>
         <p:nvSpPr>
-          <p:cNvPr id="2" name="TextBox 1">
-            <a:extLst>
-              <a:ext uri="{FF2B5EF4-FFF2-40B4-BE49-F238E27FC236}">
-                <a16:creationId xmlns:a16="http://schemas.microsoft.com/office/drawing/2014/main" id="{38D3F9A3-9202-2F40-ACFE-38F28CE11E44}"/>
-              </a:ext>
-            </a:extLst>
-          </p:cNvPr>
+          <p:cNvPr id="2" name="TextBox 1"/>
           <p:cNvSpPr txBox="1"/>
           <p:nvPr/>
         </p:nvSpPr>
@@ -22165,11 +18970,6 @@
         </p:txBody>
       </p:sp>
     </p:spTree>
-    <p:extLst>
-      <p:ext uri="{BB962C8B-B14F-4D97-AF65-F5344CB8AC3E}">
-        <p14:creationId xmlns:p14="http://schemas.microsoft.com/office/powerpoint/2010/main" val="579370536"/>
-      </p:ext>
-    </p:extLst>
   </p:cSld>
   <p:clrMapOvr>
     <a:masterClrMapping/>
@@ -22198,9 +18998,6 @@
                     <p:cTn id="3" fill="hold">
                       <p:stCondLst>
                         <p:cond delay="indefinite"/>
-                        <p:cond evt="onBegin" delay="0">
-                          <p:tn val="2"/>
-                        </p:cond>
                       </p:stCondLst>
                       <p:childTnLst>
                         <p:par>
@@ -22210,7 +19007,7 @@
                             </p:stCondLst>
                             <p:childTnLst>
                               <p:par>
-                                <p:cTn id="5" presetID="16" presetClass="entr" presetSubtype="21" fill="hold" grpId="0" nodeType="afterEffect">
+                                <p:cTn id="5" presetID="1" presetClass="exit" presetSubtype="0" fill="hold" grpId="0" nodeType="clickEffect">
                                   <p:stCondLst>
                                     <p:cond delay="0"/>
                                   </p:stCondLst>
@@ -22218,226 +19015,6 @@
                                     <p:set>
                                       <p:cBhvr>
                                         <p:cTn id="6" dur="1" fill="hold">
-                                          <p:stCondLst>
-                                            <p:cond delay="0"/>
-                                          </p:stCondLst>
-                                        </p:cTn>
-                                        <p:tgtEl>
-                                          <p:spTgt spid="14"/>
-                                        </p:tgtEl>
-                                        <p:attrNameLst>
-                                          <p:attrName>style.visibility</p:attrName>
-                                        </p:attrNameLst>
-                                      </p:cBhvr>
-                                      <p:to>
-                                        <p:strVal val="visible"/>
-                                      </p:to>
-                                    </p:set>
-                                    <p:animEffect transition="in" filter="barn(inVertical)">
-                                      <p:cBhvr>
-                                        <p:cTn id="7" dur="1000"/>
-                                        <p:tgtEl>
-                                          <p:spTgt spid="14"/>
-                                        </p:tgtEl>
-                                      </p:cBhvr>
-                                    </p:animEffect>
-                                  </p:childTnLst>
-                                </p:cTn>
-                              </p:par>
-                            </p:childTnLst>
-                          </p:cTn>
-                        </p:par>
-                        <p:par>
-                          <p:cTn id="8" fill="hold">
-                            <p:stCondLst>
-                              <p:cond delay="1000"/>
-                            </p:stCondLst>
-                            <p:childTnLst>
-                              <p:par>
-                                <p:cTn id="9" presetID="22" presetClass="entr" presetSubtype="2" fill="hold" nodeType="afterEffect">
-                                  <p:stCondLst>
-                                    <p:cond delay="0"/>
-                                  </p:stCondLst>
-                                  <p:childTnLst>
-                                    <p:set>
-                                      <p:cBhvr>
-                                        <p:cTn id="10" dur="1" fill="hold">
-                                          <p:stCondLst>
-                                            <p:cond delay="0"/>
-                                          </p:stCondLst>
-                                        </p:cTn>
-                                        <p:tgtEl>
-                                          <p:spTgt spid="7"/>
-                                        </p:tgtEl>
-                                        <p:attrNameLst>
-                                          <p:attrName>style.visibility</p:attrName>
-                                        </p:attrNameLst>
-                                      </p:cBhvr>
-                                      <p:to>
-                                        <p:strVal val="visible"/>
-                                      </p:to>
-                                    </p:set>
-                                    <p:animEffect transition="in" filter="wipe(right)">
-                                      <p:cBhvr>
-                                        <p:cTn id="11" dur="1000"/>
-                                        <p:tgtEl>
-                                          <p:spTgt spid="7"/>
-                                        </p:tgtEl>
-                                      </p:cBhvr>
-                                    </p:animEffect>
-                                  </p:childTnLst>
-                                </p:cTn>
-                              </p:par>
-                              <p:par>
-                                <p:cTn id="12" presetID="22" presetClass="entr" presetSubtype="8" fill="hold" nodeType="withEffect">
-                                  <p:stCondLst>
-                                    <p:cond delay="0"/>
-                                  </p:stCondLst>
-                                  <p:childTnLst>
-                                    <p:set>
-                                      <p:cBhvr>
-                                        <p:cTn id="13" dur="1" fill="hold">
-                                          <p:stCondLst>
-                                            <p:cond delay="0"/>
-                                          </p:stCondLst>
-                                        </p:cTn>
-                                        <p:tgtEl>
-                                          <p:spTgt spid="8"/>
-                                        </p:tgtEl>
-                                        <p:attrNameLst>
-                                          <p:attrName>style.visibility</p:attrName>
-                                        </p:attrNameLst>
-                                      </p:cBhvr>
-                                      <p:to>
-                                        <p:strVal val="visible"/>
-                                      </p:to>
-                                    </p:set>
-                                    <p:animEffect transition="in" filter="wipe(left)">
-                                      <p:cBhvr>
-                                        <p:cTn id="14" dur="1000"/>
-                                        <p:tgtEl>
-                                          <p:spTgt spid="8"/>
-                                        </p:tgtEl>
-                                      </p:cBhvr>
-                                    </p:animEffect>
-                                  </p:childTnLst>
-                                </p:cTn>
-                              </p:par>
-                            </p:childTnLst>
-                          </p:cTn>
-                        </p:par>
-                        <p:par>
-                          <p:cTn id="15" fill="hold">
-                            <p:stCondLst>
-                              <p:cond delay="2000"/>
-                            </p:stCondLst>
-                            <p:childTnLst>
-                              <p:par>
-                                <p:cTn id="16" presetID="22" presetClass="entr" presetSubtype="1" fill="hold" grpId="0" nodeType="afterEffect">
-                                  <p:stCondLst>
-                                    <p:cond delay="0"/>
-                                  </p:stCondLst>
-                                  <p:childTnLst>
-                                    <p:set>
-                                      <p:cBhvr>
-                                        <p:cTn id="17" dur="1" fill="hold">
-                                          <p:stCondLst>
-                                            <p:cond delay="0"/>
-                                          </p:stCondLst>
-                                        </p:cTn>
-                                        <p:tgtEl>
-                                          <p:spTgt spid="12"/>
-                                        </p:tgtEl>
-                                        <p:attrNameLst>
-                                          <p:attrName>style.visibility</p:attrName>
-                                        </p:attrNameLst>
-                                      </p:cBhvr>
-                                      <p:to>
-                                        <p:strVal val="visible"/>
-                                      </p:to>
-                                    </p:set>
-                                    <p:animEffect transition="in" filter="wipe(up)">
-                                      <p:cBhvr>
-                                        <p:cTn id="18" dur="1000"/>
-                                        <p:tgtEl>
-                                          <p:spTgt spid="12"/>
-                                        </p:tgtEl>
-                                      </p:cBhvr>
-                                    </p:animEffect>
-                                  </p:childTnLst>
-                                </p:cTn>
-                              </p:par>
-                            </p:childTnLst>
-                          </p:cTn>
-                        </p:par>
-                        <p:par>
-                          <p:cTn id="19" fill="hold">
-                            <p:stCondLst>
-                              <p:cond delay="3000"/>
-                            </p:stCondLst>
-                            <p:childTnLst>
-                              <p:par>
-                                <p:cTn id="20" presetID="22" presetClass="entr" presetSubtype="1" fill="hold" grpId="0" nodeType="afterEffect">
-                                  <p:stCondLst>
-                                    <p:cond delay="0"/>
-                                  </p:stCondLst>
-                                  <p:childTnLst>
-                                    <p:set>
-                                      <p:cBhvr>
-                                        <p:cTn id="21" dur="1" fill="hold">
-                                          <p:stCondLst>
-                                            <p:cond delay="0"/>
-                                          </p:stCondLst>
-                                        </p:cTn>
-                                        <p:tgtEl>
-                                          <p:spTgt spid="28"/>
-                                        </p:tgtEl>
-                                        <p:attrNameLst>
-                                          <p:attrName>style.visibility</p:attrName>
-                                        </p:attrNameLst>
-                                      </p:cBhvr>
-                                      <p:to>
-                                        <p:strVal val="visible"/>
-                                      </p:to>
-                                    </p:set>
-                                    <p:animEffect transition="in" filter="wipe(up)">
-                                      <p:cBhvr>
-                                        <p:cTn id="22" dur="1000"/>
-                                        <p:tgtEl>
-                                          <p:spTgt spid="28"/>
-                                        </p:tgtEl>
-                                      </p:cBhvr>
-                                    </p:animEffect>
-                                  </p:childTnLst>
-                                </p:cTn>
-                              </p:par>
-                            </p:childTnLst>
-                          </p:cTn>
-                        </p:par>
-                      </p:childTnLst>
-                    </p:cTn>
-                  </p:par>
-                  <p:par>
-                    <p:cTn id="23" fill="hold">
-                      <p:stCondLst>
-                        <p:cond delay="indefinite"/>
-                      </p:stCondLst>
-                      <p:childTnLst>
-                        <p:par>
-                          <p:cTn id="24" fill="hold">
-                            <p:stCondLst>
-                              <p:cond delay="0"/>
-                            </p:stCondLst>
-                            <p:childTnLst>
-                              <p:par>
-                                <p:cTn id="25" presetID="1" presetClass="exit" presetSubtype="0" fill="hold" grpId="0" nodeType="clickEffect">
-                                  <p:stCondLst>
-                                    <p:cond delay="0"/>
-                                  </p:stCondLst>
-                                  <p:childTnLst>
-                                    <p:set>
-                                      <p:cBhvr>
-                                        <p:cTn id="26" dur="1" fill="hold">
                                           <p:stCondLst>
                                             <p:cond delay="0"/>
                                           </p:stCondLst>
@@ -22460,20 +19037,20 @@
                           </p:cTn>
                         </p:par>
                         <p:par>
-                          <p:cTn id="27" fill="hold">
+                          <p:cTn id="7" fill="hold">
                             <p:stCondLst>
                               <p:cond delay="0"/>
                             </p:stCondLst>
                             <p:childTnLst>
                               <p:par>
-                                <p:cTn id="28" presetID="1" presetClass="entr" presetSubtype="0" fill="hold" grpId="0" nodeType="afterEffect">
+                                <p:cTn id="8" presetID="1" presetClass="entr" presetSubtype="0" fill="hold" grpId="0" nodeType="afterEffect">
                                   <p:stCondLst>
                                     <p:cond delay="0"/>
                                   </p:stCondLst>
                                   <p:childTnLst>
                                     <p:set>
                                       <p:cBhvr>
-                                        <p:cTn id="29" dur="1" fill="hold">
+                                        <p:cTn id="9" dur="1" fill="hold">
                                           <p:stCondLst>
                                             <p:cond delay="0"/>
                                           </p:stCondLst>
@@ -22499,26 +19076,26 @@
                     </p:cTn>
                   </p:par>
                   <p:par>
-                    <p:cTn id="30" fill="hold">
+                    <p:cTn id="10" fill="hold">
                       <p:stCondLst>
                         <p:cond delay="indefinite"/>
                       </p:stCondLst>
                       <p:childTnLst>
                         <p:par>
-                          <p:cTn id="31" fill="hold">
+                          <p:cTn id="11" fill="hold">
                             <p:stCondLst>
                               <p:cond delay="0"/>
                             </p:stCondLst>
                             <p:childTnLst>
                               <p:par>
-                                <p:cTn id="32" presetID="1" presetClass="exit" presetSubtype="0" fill="hold" grpId="1" nodeType="clickEffect">
+                                <p:cTn id="12" presetID="1" presetClass="exit" presetSubtype="0" fill="hold" grpId="1" nodeType="clickEffect">
                                   <p:stCondLst>
                                     <p:cond delay="0"/>
                                   </p:stCondLst>
                                   <p:childTnLst>
                                     <p:set>
                                       <p:cBhvr>
-                                        <p:cTn id="33" dur="1" fill="hold">
+                                        <p:cTn id="13" dur="1" fill="hold">
                                           <p:stCondLst>
                                             <p:cond delay="0"/>
                                           </p:stCondLst>
@@ -22541,20 +19118,20 @@
                           </p:cTn>
                         </p:par>
                         <p:par>
-                          <p:cTn id="34" fill="hold">
+                          <p:cTn id="14" fill="hold">
                             <p:stCondLst>
                               <p:cond delay="0"/>
                             </p:stCondLst>
                             <p:childTnLst>
                               <p:par>
-                                <p:cTn id="35" presetID="1" presetClass="entr" presetSubtype="0" fill="hold" grpId="1" nodeType="afterEffect">
+                                <p:cTn id="15" presetID="1" presetClass="entr" presetSubtype="0" fill="hold" grpId="1" nodeType="afterEffect">
                                   <p:stCondLst>
                                     <p:cond delay="0"/>
                                   </p:stCondLst>
                                   <p:childTnLst>
                                     <p:set>
                                       <p:cBhvr>
-                                        <p:cTn id="36" dur="1" fill="hold">
+                                        <p:cTn id="16" dur="1" fill="hold">
                                           <p:stCondLst>
                                             <p:cond delay="0"/>
                                           </p:stCondLst>
@@ -22580,26 +19157,26 @@
                     </p:cTn>
                   </p:par>
                   <p:par>
-                    <p:cTn id="37" fill="hold">
+                    <p:cTn id="17" fill="hold">
                       <p:stCondLst>
                         <p:cond delay="indefinite"/>
                       </p:stCondLst>
                       <p:childTnLst>
                         <p:par>
-                          <p:cTn id="38" fill="hold">
+                          <p:cTn id="18" fill="hold">
                             <p:stCondLst>
                               <p:cond delay="0"/>
                             </p:stCondLst>
                             <p:childTnLst>
                               <p:par>
-                                <p:cTn id="39" presetID="1" presetClass="entr" presetSubtype="0" fill="hold" grpId="0" nodeType="clickEffect">
+                                <p:cTn id="19" presetID="1" presetClass="entr" presetSubtype="0" fill="hold" grpId="0" nodeType="clickEffect">
                                   <p:stCondLst>
                                     <p:cond delay="0"/>
                                   </p:stCondLst>
                                   <p:childTnLst>
                                     <p:set>
                                       <p:cBhvr>
-                                        <p:cTn id="40" dur="1" fill="hold">
+                                        <p:cTn id="20" dur="1" fill="hold">
                                           <p:stCondLst>
                                             <p:cond delay="0"/>
                                           </p:stCondLst>
@@ -22646,10 +19223,7 @@
       </p:par>
     </p:tnLst>
     <p:bldLst>
-      <p:bldP spid="12" grpId="0"/>
-      <p:bldP spid="14" grpId="0" animBg="1"/>
       <p:bldP spid="10" grpId="0"/>
-      <p:bldP spid="28" grpId="0"/>
       <p:bldP spid="28" grpId="1"/>
       <p:bldP spid="33" grpId="0"/>
       <p:bldP spid="34" grpId="1"/>
@@ -22678,13 +19252,7 @@
       </p:grpSpPr>
       <p:sp>
         <p:nvSpPr>
-          <p:cNvPr id="2" name="PA_矩形 43">
-            <a:extLst>
-              <a:ext uri="{FF2B5EF4-FFF2-40B4-BE49-F238E27FC236}">
-                <a16:creationId xmlns:a16="http://schemas.microsoft.com/office/drawing/2014/main" id="{80434BFE-DAE0-8340-ADFA-89F9B4137DFB}"/>
-              </a:ext>
-            </a:extLst>
-          </p:cNvPr>
+          <p:cNvPr id="2" name="PA_矩形 43"/>
           <p:cNvSpPr/>
           <p:nvPr>
             <p:custDataLst>
@@ -22726,9 +19294,6 @@
         </p:style>
         <p:txBody>
           <a:bodyPr rot="0" spcFirstLastPara="0" vertOverflow="overflow" horzOverflow="overflow" vert="horz" wrap="square" lIns="68580" tIns="34290" rIns="68580" bIns="34290" numCol="1" spcCol="0" rtlCol="0" fromWordArt="0" anchor="ctr" anchorCtr="0" forceAA="0" compatLnSpc="1">
-            <a:prstTxWarp prst="textNoShape">
-              <a:avLst/>
-            </a:prstTxWarp>
             <a:noAutofit/>
           </a:bodyPr>
           <a:lstStyle/>
@@ -22740,13 +19305,7 @@
       </p:sp>
       <p:sp>
         <p:nvSpPr>
-          <p:cNvPr id="3" name="矩形 6">
-            <a:extLst>
-              <a:ext uri="{FF2B5EF4-FFF2-40B4-BE49-F238E27FC236}">
-                <a16:creationId xmlns:a16="http://schemas.microsoft.com/office/drawing/2014/main" id="{6814CF10-40D4-BB4D-8051-47764F16616E}"/>
-              </a:ext>
-            </a:extLst>
-          </p:cNvPr>
+          <p:cNvPr id="3" name="矩形 6"/>
           <p:cNvSpPr/>
           <p:nvPr/>
         </p:nvSpPr>
@@ -22799,13 +19358,7 @@
       </p:sp>
       <p:sp>
         <p:nvSpPr>
-          <p:cNvPr id="4" name="矩形 7">
-            <a:extLst>
-              <a:ext uri="{FF2B5EF4-FFF2-40B4-BE49-F238E27FC236}">
-                <a16:creationId xmlns:a16="http://schemas.microsoft.com/office/drawing/2014/main" id="{C432CF41-4795-4F48-B807-08248817A3D3}"/>
-              </a:ext>
-            </a:extLst>
-          </p:cNvPr>
+          <p:cNvPr id="4" name="矩形 7"/>
           <p:cNvSpPr/>
           <p:nvPr/>
         </p:nvSpPr>
@@ -22858,13 +19411,7 @@
       </p:sp>
       <p:sp>
         <p:nvSpPr>
-          <p:cNvPr id="6" name="文本框 11">
-            <a:extLst>
-              <a:ext uri="{FF2B5EF4-FFF2-40B4-BE49-F238E27FC236}">
-                <a16:creationId xmlns:a16="http://schemas.microsoft.com/office/drawing/2014/main" id="{F7612B7A-814B-9E46-A11D-68312E2C5D00}"/>
-              </a:ext>
-            </a:extLst>
-          </p:cNvPr>
+          <p:cNvPr id="6" name="文本框 11"/>
           <p:cNvSpPr txBox="1"/>
           <p:nvPr/>
         </p:nvSpPr>
@@ -22918,13 +19465,7 @@
       </p:sp>
       <p:sp>
         <p:nvSpPr>
-          <p:cNvPr id="9" name="文本框 13">
-            <a:extLst>
-              <a:ext uri="{FF2B5EF4-FFF2-40B4-BE49-F238E27FC236}">
-                <a16:creationId xmlns:a16="http://schemas.microsoft.com/office/drawing/2014/main" id="{02260045-CD4C-464C-B260-9F5B408A1346}"/>
-              </a:ext>
-            </a:extLst>
-          </p:cNvPr>
+          <p:cNvPr id="9" name="文本框 13"/>
           <p:cNvSpPr txBox="1"/>
           <p:nvPr/>
         </p:nvSpPr>
@@ -23009,13 +19550,7 @@
       </p:sp>
       <p:pic>
         <p:nvPicPr>
-          <p:cNvPr id="11" name="Picture 10">
-            <a:extLst>
-              <a:ext uri="{FF2B5EF4-FFF2-40B4-BE49-F238E27FC236}">
-                <a16:creationId xmlns:a16="http://schemas.microsoft.com/office/drawing/2014/main" id="{6816F446-AE2F-4248-B131-396911E871FF}"/>
-              </a:ext>
-            </a:extLst>
-          </p:cNvPr>
+          <p:cNvPr id="11" name="Picture 10"/>
           <p:cNvPicPr>
             <a:picLocks noChangeAspect="1"/>
           </p:cNvPicPr>
@@ -23045,13 +19580,7 @@
       </p:pic>
       <p:sp>
         <p:nvSpPr>
-          <p:cNvPr id="12" name="PA_矩形 43">
-            <a:extLst>
-              <a:ext uri="{FF2B5EF4-FFF2-40B4-BE49-F238E27FC236}">
-                <a16:creationId xmlns:a16="http://schemas.microsoft.com/office/drawing/2014/main" id="{7D7B463A-B5C8-3F47-9DC3-FB37A1356A70}"/>
-              </a:ext>
-            </a:extLst>
-          </p:cNvPr>
+          <p:cNvPr id="12" name="PA_矩形 43"/>
           <p:cNvSpPr/>
           <p:nvPr>
             <p:custDataLst>
@@ -23093,9 +19622,6 @@
         </p:style>
         <p:txBody>
           <a:bodyPr rot="0" spcFirstLastPara="0" vertOverflow="overflow" horzOverflow="overflow" vert="horz" wrap="square" lIns="68580" tIns="34290" rIns="68580" bIns="34290" numCol="1" spcCol="0" rtlCol="0" fromWordArt="0" anchor="ctr" anchorCtr="0" forceAA="0" compatLnSpc="1">
-            <a:prstTxWarp prst="textNoShape">
-              <a:avLst/>
-            </a:prstTxWarp>
             <a:noAutofit/>
           </a:bodyPr>
           <a:lstStyle/>
@@ -23107,13 +19633,7 @@
       </p:sp>
       <p:sp>
         <p:nvSpPr>
-          <p:cNvPr id="13" name="矩形 6">
-            <a:extLst>
-              <a:ext uri="{FF2B5EF4-FFF2-40B4-BE49-F238E27FC236}">
-                <a16:creationId xmlns:a16="http://schemas.microsoft.com/office/drawing/2014/main" id="{70B7B67D-BD81-7F40-B512-9096F2F57511}"/>
-              </a:ext>
-            </a:extLst>
-          </p:cNvPr>
+          <p:cNvPr id="13" name="矩形 6"/>
           <p:cNvSpPr/>
           <p:nvPr/>
         </p:nvSpPr>
@@ -23166,13 +19686,7 @@
       </p:sp>
       <p:sp>
         <p:nvSpPr>
-          <p:cNvPr id="17" name="矩形 7">
-            <a:extLst>
-              <a:ext uri="{FF2B5EF4-FFF2-40B4-BE49-F238E27FC236}">
-                <a16:creationId xmlns:a16="http://schemas.microsoft.com/office/drawing/2014/main" id="{E91FFA07-0B47-3445-9261-D2700D924531}"/>
-              </a:ext>
-            </a:extLst>
-          </p:cNvPr>
+          <p:cNvPr id="17" name="矩形 7"/>
           <p:cNvSpPr/>
           <p:nvPr/>
         </p:nvSpPr>
@@ -23225,13 +19739,7 @@
       </p:sp>
       <p:sp>
         <p:nvSpPr>
-          <p:cNvPr id="18" name="文本框 11">
-            <a:extLst>
-              <a:ext uri="{FF2B5EF4-FFF2-40B4-BE49-F238E27FC236}">
-                <a16:creationId xmlns:a16="http://schemas.microsoft.com/office/drawing/2014/main" id="{B170C4E5-DA58-1E48-8BC2-686CF5A2A2C0}"/>
-              </a:ext>
-            </a:extLst>
-          </p:cNvPr>
+          <p:cNvPr id="18" name="文本框 11"/>
           <p:cNvSpPr txBox="1"/>
           <p:nvPr/>
         </p:nvSpPr>
@@ -23278,13 +19786,7 @@
       </p:sp>
       <p:sp>
         <p:nvSpPr>
-          <p:cNvPr id="19" name="Rectangle 18">
-            <a:extLst>
-              <a:ext uri="{FF2B5EF4-FFF2-40B4-BE49-F238E27FC236}">
-                <a16:creationId xmlns:a16="http://schemas.microsoft.com/office/drawing/2014/main" id="{84A39C04-216F-C349-B658-BB572FD2B16F}"/>
-              </a:ext>
-            </a:extLst>
-          </p:cNvPr>
+          <p:cNvPr id="19" name="Rectangle 18"/>
           <p:cNvSpPr/>
           <p:nvPr/>
         </p:nvSpPr>
@@ -23356,7 +19858,7 @@
               <a:t> </a:t>
             </a:r>
             <a:r>
-              <a:rPr lang="el" sz="2000" dirty="0"/>
+              <a:rPr lang="en-US" sz="2000" dirty="0"/>
               <a:t>φ </a:t>
             </a:r>
             <a:r>
@@ -23364,10 +19866,9 @@
               <a:t>(n)</a:t>
             </a:r>
             <a:r>
-              <a:rPr lang="el" sz="2000" dirty="0"/>
+              <a:rPr lang="en-US" sz="2000" dirty="0"/>
               <a:t>= (p−1) * (q−1) </a:t>
             </a:r>
-            <a:endParaRPr lang="en-US" sz="2000" dirty="0"/>
           </a:p>
           <a:p>
             <a:r>
@@ -23380,11 +19881,7 @@
             </a:r>
             <a:r>
               <a:rPr lang="en-US" sz="2000" dirty="0"/>
-              <a:t>Choose an integer e such that 1 &lt; e &lt; </a:t>
-            </a:r>
-            <a:r>
-              <a:rPr lang="el" sz="2000" dirty="0"/>
-              <a:t> φ</a:t>
+              <a:t>Choose an integer e such that 1 &lt; e &lt;  φ</a:t>
             </a:r>
             <a:r>
               <a:rPr lang="zh-CN" altLang="en-US" sz="2000" dirty="0"/>
@@ -23395,12 +19892,8 @@
               <a:t>(n)</a:t>
             </a:r>
             <a:r>
-              <a:rPr lang="el" sz="2000" dirty="0"/>
-              <a:t> </a:t>
-            </a:r>
-            <a:r>
               <a:rPr lang="en-US" sz="2000" dirty="0"/>
-              <a:t> and </a:t>
+              <a:t>  and </a:t>
             </a:r>
             <a:r>
               <a:rPr lang="en-US" sz="2000" dirty="0" err="1"/>
@@ -23408,11 +19901,7 @@
             </a:r>
             <a:r>
               <a:rPr lang="en-US" sz="2000" dirty="0"/>
-              <a:t>(e, </a:t>
-            </a:r>
-            <a:r>
-              <a:rPr lang="el" sz="2000" dirty="0"/>
-              <a:t> φ</a:t>
+              <a:t>(e,  φ</a:t>
             </a:r>
             <a:r>
               <a:rPr lang="en-US" altLang="zh-CN" sz="2000" dirty="0"/>
@@ -23434,28 +19923,14 @@
             </a:r>
             <a:r>
               <a:rPr lang="en-US" sz="2000" dirty="0"/>
-              <a:t>Determine d as d ≡ e−1 (mod </a:t>
-            </a:r>
-            <a:r>
-              <a:rPr lang="el" sz="2000" dirty="0"/>
-              <a:t> φ</a:t>
-            </a:r>
-            <a:r>
-              <a:rPr lang="en-US" sz="2000" dirty="0"/>
-              <a:t>)</a:t>
+              <a:t>Determine d as d ≡ e−1 (mod  φ)</a:t>
             </a:r>
           </a:p>
         </p:txBody>
       </p:sp>
       <p:sp>
         <p:nvSpPr>
-          <p:cNvPr id="21" name="TextBox 20">
-            <a:extLst>
-              <a:ext uri="{FF2B5EF4-FFF2-40B4-BE49-F238E27FC236}">
-                <a16:creationId xmlns:a16="http://schemas.microsoft.com/office/drawing/2014/main" id="{FEE4F47D-9531-4146-A63B-801D18907262}"/>
-              </a:ext>
-            </a:extLst>
-          </p:cNvPr>
+          <p:cNvPr id="21" name="TextBox 20"/>
           <p:cNvSpPr txBox="1"/>
           <p:nvPr/>
         </p:nvSpPr>
@@ -23483,11 +19958,6 @@
         </p:txBody>
       </p:sp>
     </p:spTree>
-    <p:extLst>
-      <p:ext uri="{BB962C8B-B14F-4D97-AF65-F5344CB8AC3E}">
-        <p14:creationId xmlns:p14="http://schemas.microsoft.com/office/powerpoint/2010/main" val="4279246107"/>
-      </p:ext>
-    </p:extLst>
   </p:cSld>
   <p:clrMapOvr>
     <a:masterClrMapping/>
@@ -23514,13 +19984,7 @@
       </p:grpSpPr>
       <p:sp>
         <p:nvSpPr>
-          <p:cNvPr id="2" name="PA_矩形 43">
-            <a:extLst>
-              <a:ext uri="{FF2B5EF4-FFF2-40B4-BE49-F238E27FC236}">
-                <a16:creationId xmlns:a16="http://schemas.microsoft.com/office/drawing/2014/main" id="{80434BFE-DAE0-8340-ADFA-89F9B4137DFB}"/>
-              </a:ext>
-            </a:extLst>
-          </p:cNvPr>
+          <p:cNvPr id="2" name="PA_矩形 43"/>
           <p:cNvSpPr/>
           <p:nvPr>
             <p:custDataLst>
@@ -23562,9 +20026,6 @@
         </p:style>
         <p:txBody>
           <a:bodyPr rot="0" spcFirstLastPara="0" vertOverflow="overflow" horzOverflow="overflow" vert="horz" wrap="square" lIns="68580" tIns="34290" rIns="68580" bIns="34290" numCol="1" spcCol="0" rtlCol="0" fromWordArt="0" anchor="ctr" anchorCtr="0" forceAA="0" compatLnSpc="1">
-            <a:prstTxWarp prst="textNoShape">
-              <a:avLst/>
-            </a:prstTxWarp>
             <a:noAutofit/>
           </a:bodyPr>
           <a:lstStyle/>
@@ -23576,13 +20037,7 @@
       </p:sp>
       <p:sp>
         <p:nvSpPr>
-          <p:cNvPr id="3" name="矩形 6">
-            <a:extLst>
-              <a:ext uri="{FF2B5EF4-FFF2-40B4-BE49-F238E27FC236}">
-                <a16:creationId xmlns:a16="http://schemas.microsoft.com/office/drawing/2014/main" id="{6814CF10-40D4-BB4D-8051-47764F16616E}"/>
-              </a:ext>
-            </a:extLst>
-          </p:cNvPr>
+          <p:cNvPr id="3" name="矩形 6"/>
           <p:cNvSpPr/>
           <p:nvPr/>
         </p:nvSpPr>
@@ -23635,13 +20090,7 @@
       </p:sp>
       <p:sp>
         <p:nvSpPr>
-          <p:cNvPr id="4" name="矩形 7">
-            <a:extLst>
-              <a:ext uri="{FF2B5EF4-FFF2-40B4-BE49-F238E27FC236}">
-                <a16:creationId xmlns:a16="http://schemas.microsoft.com/office/drawing/2014/main" id="{C432CF41-4795-4F48-B807-08248817A3D3}"/>
-              </a:ext>
-            </a:extLst>
-          </p:cNvPr>
+          <p:cNvPr id="4" name="矩形 7"/>
           <p:cNvSpPr/>
           <p:nvPr/>
         </p:nvSpPr>
@@ -23694,13 +20143,7 @@
       </p:sp>
       <p:sp>
         <p:nvSpPr>
-          <p:cNvPr id="6" name="文本框 11">
-            <a:extLst>
-              <a:ext uri="{FF2B5EF4-FFF2-40B4-BE49-F238E27FC236}">
-                <a16:creationId xmlns:a16="http://schemas.microsoft.com/office/drawing/2014/main" id="{F7612B7A-814B-9E46-A11D-68312E2C5D00}"/>
-              </a:ext>
-            </a:extLst>
-          </p:cNvPr>
+          <p:cNvPr id="6" name="文本框 11"/>
           <p:cNvSpPr txBox="1"/>
           <p:nvPr/>
         </p:nvSpPr>
@@ -23754,13 +20197,7 @@
       </p:sp>
       <p:sp>
         <p:nvSpPr>
-          <p:cNvPr id="9" name="文本框 13">
-            <a:extLst>
-              <a:ext uri="{FF2B5EF4-FFF2-40B4-BE49-F238E27FC236}">
-                <a16:creationId xmlns:a16="http://schemas.microsoft.com/office/drawing/2014/main" id="{02260045-CD4C-464C-B260-9F5B408A1346}"/>
-              </a:ext>
-            </a:extLst>
-          </p:cNvPr>
+          <p:cNvPr id="9" name="文本框 13"/>
           <p:cNvSpPr txBox="1"/>
           <p:nvPr/>
         </p:nvSpPr>
@@ -23845,13 +20282,7 @@
       </p:sp>
       <p:sp>
         <p:nvSpPr>
-          <p:cNvPr id="12" name="PA_矩形 43">
-            <a:extLst>
-              <a:ext uri="{FF2B5EF4-FFF2-40B4-BE49-F238E27FC236}">
-                <a16:creationId xmlns:a16="http://schemas.microsoft.com/office/drawing/2014/main" id="{7D7B463A-B5C8-3F47-9DC3-FB37A1356A70}"/>
-              </a:ext>
-            </a:extLst>
-          </p:cNvPr>
+          <p:cNvPr id="12" name="PA_矩形 43"/>
           <p:cNvSpPr/>
           <p:nvPr>
             <p:custDataLst>
@@ -23893,9 +20324,6 @@
         </p:style>
         <p:txBody>
           <a:bodyPr rot="0" spcFirstLastPara="0" vertOverflow="overflow" horzOverflow="overflow" vert="horz" wrap="square" lIns="68580" tIns="34290" rIns="68580" bIns="34290" numCol="1" spcCol="0" rtlCol="0" fromWordArt="0" anchor="ctr" anchorCtr="0" forceAA="0" compatLnSpc="1">
-            <a:prstTxWarp prst="textNoShape">
-              <a:avLst/>
-            </a:prstTxWarp>
             <a:noAutofit/>
           </a:bodyPr>
           <a:lstStyle/>
@@ -23907,13 +20335,7 @@
       </p:sp>
       <p:sp>
         <p:nvSpPr>
-          <p:cNvPr id="13" name="矩形 6">
-            <a:extLst>
-              <a:ext uri="{FF2B5EF4-FFF2-40B4-BE49-F238E27FC236}">
-                <a16:creationId xmlns:a16="http://schemas.microsoft.com/office/drawing/2014/main" id="{70B7B67D-BD81-7F40-B512-9096F2F57511}"/>
-              </a:ext>
-            </a:extLst>
-          </p:cNvPr>
+          <p:cNvPr id="13" name="矩形 6"/>
           <p:cNvSpPr/>
           <p:nvPr/>
         </p:nvSpPr>
@@ -23966,13 +20388,7 @@
       </p:sp>
       <p:sp>
         <p:nvSpPr>
-          <p:cNvPr id="17" name="矩形 7">
-            <a:extLst>
-              <a:ext uri="{FF2B5EF4-FFF2-40B4-BE49-F238E27FC236}">
-                <a16:creationId xmlns:a16="http://schemas.microsoft.com/office/drawing/2014/main" id="{E91FFA07-0B47-3445-9261-D2700D924531}"/>
-              </a:ext>
-            </a:extLst>
-          </p:cNvPr>
+          <p:cNvPr id="17" name="矩形 7"/>
           <p:cNvSpPr/>
           <p:nvPr/>
         </p:nvSpPr>
@@ -24025,13 +20441,7 @@
       </p:sp>
       <p:sp>
         <p:nvSpPr>
-          <p:cNvPr id="18" name="文本框 11">
-            <a:extLst>
-              <a:ext uri="{FF2B5EF4-FFF2-40B4-BE49-F238E27FC236}">
-                <a16:creationId xmlns:a16="http://schemas.microsoft.com/office/drawing/2014/main" id="{B170C4E5-DA58-1E48-8BC2-686CF5A2A2C0}"/>
-              </a:ext>
-            </a:extLst>
-          </p:cNvPr>
+          <p:cNvPr id="18" name="文本框 11"/>
           <p:cNvSpPr txBox="1"/>
           <p:nvPr/>
         </p:nvSpPr>
@@ -24078,13 +20488,7 @@
       </p:sp>
       <p:pic>
         <p:nvPicPr>
-          <p:cNvPr id="7" name="Picture 6">
-            <a:extLst>
-              <a:ext uri="{FF2B5EF4-FFF2-40B4-BE49-F238E27FC236}">
-                <a16:creationId xmlns:a16="http://schemas.microsoft.com/office/drawing/2014/main" id="{CED6ABDE-7189-1647-9F26-6BD34C05C574}"/>
-              </a:ext>
-            </a:extLst>
-          </p:cNvPr>
+          <p:cNvPr id="7" name="Picture 6"/>
           <p:cNvPicPr>
             <a:picLocks noChangeAspect="1"/>
           </p:cNvPicPr>
@@ -24114,13 +20518,7 @@
       </p:pic>
       <p:pic>
         <p:nvPicPr>
-          <p:cNvPr id="10" name="Picture 9">
-            <a:extLst>
-              <a:ext uri="{FF2B5EF4-FFF2-40B4-BE49-F238E27FC236}">
-                <a16:creationId xmlns:a16="http://schemas.microsoft.com/office/drawing/2014/main" id="{9E0F0808-5C25-744B-9761-B07FD5E99908}"/>
-              </a:ext>
-            </a:extLst>
-          </p:cNvPr>
+          <p:cNvPr id="10" name="Picture 9"/>
           <p:cNvPicPr>
             <a:picLocks noChangeAspect="1"/>
           </p:cNvPicPr>
@@ -24150,13 +20548,7 @@
       </p:pic>
       <p:sp>
         <p:nvSpPr>
-          <p:cNvPr id="14" name="TextBox 13">
-            <a:extLst>
-              <a:ext uri="{FF2B5EF4-FFF2-40B4-BE49-F238E27FC236}">
-                <a16:creationId xmlns:a16="http://schemas.microsoft.com/office/drawing/2014/main" id="{9296FAC3-79D7-5B4A-B53D-352B1508BAAF}"/>
-              </a:ext>
-            </a:extLst>
-          </p:cNvPr>
+          <p:cNvPr id="14" name="TextBox 13"/>
           <p:cNvSpPr txBox="1"/>
           <p:nvPr/>
         </p:nvSpPr>
@@ -24210,13 +20602,7 @@
       </p:sp>
       <p:sp>
         <p:nvSpPr>
-          <p:cNvPr id="16" name="Rectangle 15">
-            <a:extLst>
-              <a:ext uri="{FF2B5EF4-FFF2-40B4-BE49-F238E27FC236}">
-                <a16:creationId xmlns:a16="http://schemas.microsoft.com/office/drawing/2014/main" id="{62367CB3-CB41-594E-BD04-5E72360D9FD8}"/>
-              </a:ext>
-            </a:extLst>
-          </p:cNvPr>
+          <p:cNvPr id="16" name="Rectangle 15"/>
           <p:cNvSpPr/>
           <p:nvPr/>
         </p:nvSpPr>
@@ -24236,7 +20622,7 @@
           <a:lstStyle/>
           <a:p>
             <a:r>
-              <a:rPr lang="pt" sz="2800" dirty="0"/>
+              <a:rPr lang="en-US" sz="2800" dirty="0"/>
               <a:t>m = </a:t>
             </a:r>
             <a:r>
@@ -24265,13 +20651,7 @@
       </p:sp>
       <p:sp>
         <p:nvSpPr>
-          <p:cNvPr id="20" name="Rectangle 19">
-            <a:extLst>
-              <a:ext uri="{FF2B5EF4-FFF2-40B4-BE49-F238E27FC236}">
-                <a16:creationId xmlns:a16="http://schemas.microsoft.com/office/drawing/2014/main" id="{E212A856-F6D2-2846-8757-84F57F852DFF}"/>
-              </a:ext>
-            </a:extLst>
-          </p:cNvPr>
+          <p:cNvPr id="20" name="Rectangle 19"/>
           <p:cNvSpPr/>
           <p:nvPr/>
         </p:nvSpPr>
@@ -24295,7 +20675,7 @@
               <a:t>c</a:t>
             </a:r>
             <a:r>
-              <a:rPr lang="pt" sz="2800" dirty="0"/>
+              <a:rPr lang="en-US" sz="2800" dirty="0"/>
               <a:t> = </a:t>
             </a:r>
             <a:r>
@@ -24323,11 +20703,6 @@
         </p:txBody>
       </p:sp>
     </p:spTree>
-    <p:extLst>
-      <p:ext uri="{BB962C8B-B14F-4D97-AF65-F5344CB8AC3E}">
-        <p14:creationId xmlns:p14="http://schemas.microsoft.com/office/powerpoint/2010/main" val="1166533899"/>
-      </p:ext>
-    </p:extLst>
   </p:cSld>
   <p:clrMapOvr>
     <a:masterClrMapping/>
@@ -24444,7 +20819,7 @@
     </a:clrScheme>
     <a:fontScheme name="Office Theme">
       <a:majorFont>
-        <a:latin typeface="Calibri Light" panose="020F0302020204030204"/>
+        <a:latin typeface="Calibri Light"/>
         <a:ea typeface=""/>
         <a:cs typeface=""/>
         <a:font script="Jpan" typeface="游ゴシック Light"/>
@@ -24479,7 +20854,7 @@
         <a:font script="Geor" typeface="Sylfaen"/>
       </a:majorFont>
       <a:minorFont>
-        <a:latin typeface="Calibri" panose="020F0502020204030204"/>
+        <a:latin typeface="Calibri"/>
         <a:ea typeface=""/>
         <a:cs typeface=""/>
         <a:font script="Jpan" typeface="游ゴシック"/>
@@ -24705,7 +21080,7 @@
     </a:clrScheme>
     <a:fontScheme name="Office">
       <a:majorFont>
-        <a:latin typeface="Calibri Light" panose="020F0302020204030204"/>
+        <a:latin typeface="Calibri Light"/>
         <a:ea typeface=""/>
         <a:cs typeface=""/>
         <a:font script="Jpan" typeface="ＭＳ Ｐゴシック"/>
@@ -24740,7 +21115,7 @@
         <a:font script="Geor" typeface="Sylfaen"/>
       </a:majorFont>
       <a:minorFont>
-        <a:latin typeface="Calibri" panose="020F0502020204030204"/>
+        <a:latin typeface="Calibri"/>
         <a:ea typeface=""/>
         <a:cs typeface=""/>
         <a:font script="Jpan" typeface="ＭＳ Ｐゴシック"/>

--- a/RSA_Crypto_罗楷轩.pptx
+++ b/RSA_Crypto_罗楷轩.pptx
@@ -5,7 +5,7 @@
     <p:sldMasterId id="2147483648" r:id="rId1"/>
   </p:sldMasterIdLst>
   <p:notesMasterIdLst>
-    <p:notesMasterId r:id="rId18"/>
+    <p:notesMasterId r:id="rId19"/>
   </p:notesMasterIdLst>
   <p:sldIdLst>
     <p:sldId id="256" r:id="rId2"/>
@@ -20,10 +20,11 @@
     <p:sldId id="310" r:id="rId11"/>
     <p:sldId id="311" r:id="rId12"/>
     <p:sldId id="315" r:id="rId13"/>
-    <p:sldId id="313" r:id="rId14"/>
-    <p:sldId id="314" r:id="rId15"/>
-    <p:sldId id="304" r:id="rId16"/>
-    <p:sldId id="305" r:id="rId17"/>
+    <p:sldId id="316" r:id="rId14"/>
+    <p:sldId id="313" r:id="rId15"/>
+    <p:sldId id="314" r:id="rId16"/>
+    <p:sldId id="304" r:id="rId17"/>
+    <p:sldId id="305" r:id="rId18"/>
   </p:sldIdLst>
   <p:sldSz cx="9144000" cy="6858000" type="screen4x3"/>
   <p:notesSz cx="6858000" cy="9144000"/>
@@ -243,7 +244,7 @@
           <a:p>
             <a:fld id="{C631EDF8-97C7-44E2-9310-9512274EED47}" type="datetimeFigureOut">
               <a:rPr lang="zh-CN" altLang="en-US" smtClean="0"/>
-              <a:t>2019/4/8</a:t>
+              <a:t>2019/4/9</a:t>
             </a:fld>
             <a:endParaRPr lang="zh-CN" altLang="en-US"/>
           </a:p>
@@ -636,7 +637,7 @@
           <a:p>
             <a:fld id="{4CB8FF5E-AD09-40C0-A391-B4E5CA93E684}" type="datetimeFigureOut">
               <a:rPr lang="zh-CN" altLang="en-US" smtClean="0"/>
-              <a:t>2019/4/8</a:t>
+              <a:t>2019/4/9</a:t>
             </a:fld>
             <a:endParaRPr lang="zh-CN" altLang="en-US"/>
           </a:p>
@@ -801,7 +802,7 @@
           <a:p>
             <a:fld id="{4CB8FF5E-AD09-40C0-A391-B4E5CA93E684}" type="datetimeFigureOut">
               <a:rPr lang="zh-CN" altLang="en-US" smtClean="0"/>
-              <a:t>2019/4/8</a:t>
+              <a:t>2019/4/9</a:t>
             </a:fld>
             <a:endParaRPr lang="zh-CN" altLang="en-US"/>
           </a:p>
@@ -976,7 +977,7 @@
           <a:p>
             <a:fld id="{4CB8FF5E-AD09-40C0-A391-B4E5CA93E684}" type="datetimeFigureOut">
               <a:rPr lang="zh-CN" altLang="en-US" smtClean="0"/>
-              <a:t>2019/4/8</a:t>
+              <a:t>2019/4/9</a:t>
             </a:fld>
             <a:endParaRPr lang="zh-CN" altLang="en-US"/>
           </a:p>
@@ -1141,7 +1142,7 @@
           <a:p>
             <a:fld id="{4CB8FF5E-AD09-40C0-A391-B4E5CA93E684}" type="datetimeFigureOut">
               <a:rPr lang="zh-CN" altLang="en-US" smtClean="0"/>
-              <a:t>2019/4/8</a:t>
+              <a:t>2019/4/9</a:t>
             </a:fld>
             <a:endParaRPr lang="zh-CN" altLang="en-US"/>
           </a:p>
@@ -1380,7 +1381,7 @@
           <a:p>
             <a:fld id="{4CB8FF5E-AD09-40C0-A391-B4E5CA93E684}" type="datetimeFigureOut">
               <a:rPr lang="zh-CN" altLang="en-US" smtClean="0"/>
-              <a:t>2019/4/8</a:t>
+              <a:t>2019/4/9</a:t>
             </a:fld>
             <a:endParaRPr lang="zh-CN" altLang="en-US"/>
           </a:p>
@@ -1607,7 +1608,7 @@
           <a:p>
             <a:fld id="{4CB8FF5E-AD09-40C0-A391-B4E5CA93E684}" type="datetimeFigureOut">
               <a:rPr lang="zh-CN" altLang="en-US" smtClean="0"/>
-              <a:t>2019/4/8</a:t>
+              <a:t>2019/4/9</a:t>
             </a:fld>
             <a:endParaRPr lang="zh-CN" altLang="en-US"/>
           </a:p>
@@ -1969,7 +1970,7 @@
           <a:p>
             <a:fld id="{4CB8FF5E-AD09-40C0-A391-B4E5CA93E684}" type="datetimeFigureOut">
               <a:rPr lang="zh-CN" altLang="en-US" smtClean="0"/>
-              <a:t>2019/4/8</a:t>
+              <a:t>2019/4/9</a:t>
             </a:fld>
             <a:endParaRPr lang="zh-CN" altLang="en-US"/>
           </a:p>
@@ -2082,7 +2083,7 @@
           <a:p>
             <a:fld id="{4CB8FF5E-AD09-40C0-A391-B4E5CA93E684}" type="datetimeFigureOut">
               <a:rPr lang="zh-CN" altLang="en-US" smtClean="0"/>
-              <a:t>2019/4/8</a:t>
+              <a:t>2019/4/9</a:t>
             </a:fld>
             <a:endParaRPr lang="zh-CN" altLang="en-US"/>
           </a:p>
@@ -2172,7 +2173,7 @@
           <a:p>
             <a:fld id="{4CB8FF5E-AD09-40C0-A391-B4E5CA93E684}" type="datetimeFigureOut">
               <a:rPr lang="zh-CN" altLang="en-US" smtClean="0"/>
-              <a:t>2019/4/8</a:t>
+              <a:t>2019/4/9</a:t>
             </a:fld>
             <a:endParaRPr lang="zh-CN" altLang="en-US"/>
           </a:p>
@@ -2444,7 +2445,7 @@
           <a:p>
             <a:fld id="{4CB8FF5E-AD09-40C0-A391-B4E5CA93E684}" type="datetimeFigureOut">
               <a:rPr lang="zh-CN" altLang="en-US" smtClean="0"/>
-              <a:t>2019/4/8</a:t>
+              <a:t>2019/4/9</a:t>
             </a:fld>
             <a:endParaRPr lang="zh-CN" altLang="en-US"/>
           </a:p>
@@ -2696,7 +2697,7 @@
           <a:p>
             <a:fld id="{4CB8FF5E-AD09-40C0-A391-B4E5CA93E684}" type="datetimeFigureOut">
               <a:rPr lang="zh-CN" altLang="en-US" smtClean="0"/>
-              <a:t>2019/4/8</a:t>
+              <a:t>2019/4/9</a:t>
             </a:fld>
             <a:endParaRPr lang="zh-CN" altLang="en-US"/>
           </a:p>
@@ -2904,7 +2905,7 @@
           <a:p>
             <a:fld id="{4CB8FF5E-AD09-40C0-A391-B4E5CA93E684}" type="datetimeFigureOut">
               <a:rPr lang="zh-CN" altLang="en-US" smtClean="0"/>
-              <a:t>2019/4/8</a:t>
+              <a:t>2019/4/9</a:t>
             </a:fld>
             <a:endParaRPr lang="zh-CN" altLang="en-US"/>
           </a:p>
@@ -7134,6 +7135,436 @@
       </p:grpSpPr>
       <p:sp>
         <p:nvSpPr>
+          <p:cNvPr id="6" name="文本框 11"/>
+          <p:cNvSpPr txBox="1"/>
+          <p:nvPr/>
+        </p:nvSpPr>
+        <p:spPr>
+          <a:xfrm>
+            <a:off x="1377512" y="1613539"/>
+            <a:ext cx="1207383" cy="369332"/>
+          </a:xfrm>
+          <a:prstGeom prst="rect">
+            <a:avLst/>
+          </a:prstGeom>
+          <a:noFill/>
+          <a:effectLst>
+            <a:reflection endPos="35000" dir="5400000" sy="-100000" algn="bl" rotWithShape="0"/>
+          </a:effectLst>
+        </p:spPr>
+        <p:txBody>
+          <a:bodyPr wrap="none" rtlCol="0">
+            <a:spAutoFit/>
+            <a:scene3d>
+              <a:camera prst="orthographicFront"/>
+              <a:lightRig rig="threePt" dir="t"/>
+            </a:scene3d>
+            <a:sp3d>
+              <a:bevelT w="0" h="0"/>
+              <a:bevelB w="0" h="0"/>
+            </a:sp3d>
+          </a:bodyPr>
+          <a:lstStyle/>
+          <a:p>
+            <a:pPr algn="ctr"/>
+            <a:r>
+              <a:rPr lang="en-US" altLang="zh-CN" b="1" dirty="0">
+                <a:solidFill>
+                  <a:schemeClr val="bg1"/>
+                </a:solidFill>
+                <a:latin typeface="+mj-ea"/>
+                <a:ea typeface="+mj-ea"/>
+              </a:rPr>
+              <a:t>Encryption</a:t>
+            </a:r>
+            <a:endParaRPr lang="zh-CN" altLang="en-US" b="1" dirty="0">
+              <a:solidFill>
+                <a:schemeClr val="bg1"/>
+              </a:solidFill>
+              <a:latin typeface="+mj-ea"/>
+              <a:ea typeface="+mj-ea"/>
+            </a:endParaRPr>
+          </a:p>
+        </p:txBody>
+      </p:sp>
+      <p:sp>
+        <p:nvSpPr>
+          <p:cNvPr id="9" name="文本框 13"/>
+          <p:cNvSpPr txBox="1"/>
+          <p:nvPr/>
+        </p:nvSpPr>
+        <p:spPr>
+          <a:xfrm>
+            <a:off x="0" y="132559"/>
+            <a:ext cx="9147492" cy="1077218"/>
+          </a:xfrm>
+          <a:prstGeom prst="rect">
+            <a:avLst/>
+          </a:prstGeom>
+          <a:solidFill>
+            <a:srgbClr val="F9B359"/>
+          </a:solidFill>
+        </p:spPr>
+        <p:txBody>
+          <a:bodyPr wrap="square" rtlCol="0">
+            <a:spAutoFit/>
+          </a:bodyPr>
+          <a:lstStyle>
+            <a:defPPr>
+              <a:defRPr lang="zh-CN"/>
+            </a:defPPr>
+            <a:lvl1pPr algn="ctr">
+              <a:defRPr sz="4000" b="1">
+                <a:solidFill>
+                  <a:srgbClr val="FCFCFD"/>
+                </a:solidFill>
+                <a:latin typeface="+mj-ea"/>
+                <a:ea typeface="+mj-ea"/>
+              </a:defRPr>
+            </a:lvl1pPr>
+          </a:lstStyle>
+          <a:p>
+            <a:r>
+              <a:rPr lang="en-US" altLang="zh-CN" sz="3200" dirty="0">
+                <a:solidFill>
+                  <a:schemeClr val="bg1"/>
+                </a:solidFill>
+              </a:rPr>
+              <a:t>Application</a:t>
+            </a:r>
+            <a:r>
+              <a:rPr lang="zh-CN" altLang="en-US" sz="3200" dirty="0">
+                <a:solidFill>
+                  <a:schemeClr val="bg1"/>
+                </a:solidFill>
+              </a:rPr>
+              <a:t> </a:t>
+            </a:r>
+            <a:r>
+              <a:rPr lang="en-US" altLang="zh-CN" sz="3200" dirty="0">
+                <a:solidFill>
+                  <a:schemeClr val="bg1"/>
+                </a:solidFill>
+              </a:rPr>
+              <a:t>–</a:t>
+            </a:r>
+            <a:r>
+              <a:rPr lang="zh-CN" altLang="en-US" sz="3200" dirty="0">
+                <a:solidFill>
+                  <a:schemeClr val="bg1"/>
+                </a:solidFill>
+              </a:rPr>
+              <a:t> </a:t>
+            </a:r>
+            <a:r>
+              <a:rPr lang="en-US" altLang="zh-CN" sz="3200" dirty="0">
+                <a:solidFill>
+                  <a:schemeClr val="bg1"/>
+                </a:solidFill>
+              </a:rPr>
+              <a:t>Secure</a:t>
+            </a:r>
+            <a:r>
+              <a:rPr lang="zh-CN" altLang="en-US" sz="3200" dirty="0">
+                <a:solidFill>
+                  <a:schemeClr val="bg1"/>
+                </a:solidFill>
+              </a:rPr>
+              <a:t> </a:t>
+            </a:r>
+            <a:r>
+              <a:rPr lang="en-US" altLang="zh-CN" sz="3200" dirty="0">
+                <a:solidFill>
+                  <a:schemeClr val="bg1"/>
+                </a:solidFill>
+              </a:rPr>
+              <a:t>Data</a:t>
+            </a:r>
+            <a:r>
+              <a:rPr lang="zh-CN" altLang="en-US" sz="3200" dirty="0">
+                <a:solidFill>
+                  <a:schemeClr val="bg1"/>
+                </a:solidFill>
+              </a:rPr>
+              <a:t> </a:t>
+            </a:r>
+            <a:r>
+              <a:rPr lang="en-US" altLang="zh-CN" sz="3200" dirty="0">
+                <a:solidFill>
+                  <a:schemeClr val="bg1"/>
+                </a:solidFill>
+              </a:rPr>
+              <a:t>Transmission</a:t>
+            </a:r>
+          </a:p>
+          <a:p>
+            <a:r>
+              <a:rPr lang="en-US" altLang="zh-CN" sz="3200" dirty="0">
+                <a:solidFill>
+                  <a:schemeClr val="bg1"/>
+                </a:solidFill>
+              </a:rPr>
+              <a:t>Especially</a:t>
+            </a:r>
+            <a:r>
+              <a:rPr lang="zh-CN" altLang="en-US" sz="3200" dirty="0">
+                <a:solidFill>
+                  <a:schemeClr val="bg1"/>
+                </a:solidFill>
+              </a:rPr>
+              <a:t> </a:t>
+            </a:r>
+            <a:r>
+              <a:rPr lang="en-US" altLang="zh-CN" sz="3200" dirty="0">
+                <a:solidFill>
+                  <a:schemeClr val="bg1"/>
+                </a:solidFill>
+              </a:rPr>
+              <a:t>on</a:t>
+            </a:r>
+            <a:r>
+              <a:rPr lang="zh-CN" altLang="en-US" sz="3200" dirty="0">
+                <a:solidFill>
+                  <a:schemeClr val="bg1"/>
+                </a:solidFill>
+              </a:rPr>
+              <a:t> </a:t>
+            </a:r>
+            <a:r>
+              <a:rPr lang="en-US" altLang="zh-CN" sz="3200" dirty="0">
+                <a:solidFill>
+                  <a:schemeClr val="bg1"/>
+                </a:solidFill>
+              </a:rPr>
+              <a:t>the</a:t>
+            </a:r>
+            <a:r>
+              <a:rPr lang="zh-CN" altLang="en-US" sz="3200" dirty="0">
+                <a:solidFill>
+                  <a:schemeClr val="bg1"/>
+                </a:solidFill>
+              </a:rPr>
+              <a:t> </a:t>
+            </a:r>
+            <a:r>
+              <a:rPr lang="en-US" altLang="zh-CN" sz="3200" dirty="0">
+                <a:solidFill>
+                  <a:schemeClr val="bg1"/>
+                </a:solidFill>
+              </a:rPr>
+              <a:t>Internet</a:t>
+            </a:r>
+            <a:endParaRPr lang="zh-CN" altLang="en-US" sz="3200" dirty="0">
+              <a:solidFill>
+                <a:schemeClr val="bg1"/>
+              </a:solidFill>
+            </a:endParaRPr>
+          </a:p>
+        </p:txBody>
+      </p:sp>
+      <p:pic>
+        <p:nvPicPr>
+          <p:cNvPr id="3" name="Picture 2">
+            <a:extLst>
+              <a:ext uri="{FF2B5EF4-FFF2-40B4-BE49-F238E27FC236}">
+                <a16:creationId xmlns:a16="http://schemas.microsoft.com/office/drawing/2014/main" id="{9AB66850-4C27-7D40-9BF8-52DD07B52B6A}"/>
+              </a:ext>
+            </a:extLst>
+          </p:cNvPr>
+          <p:cNvPicPr>
+            <a:picLocks noChangeAspect="1"/>
+          </p:cNvPicPr>
+          <p:nvPr/>
+        </p:nvPicPr>
+        <p:blipFill>
+          <a:blip r:embed="rId2">
+            <a:extLst>
+              <a:ext uri="{28A0092B-C50C-407E-A947-70E740481C1C}">
+                <a14:useLocalDpi xmlns:a14="http://schemas.microsoft.com/office/drawing/2010/main" val="0"/>
+              </a:ext>
+            </a:extLst>
+          </a:blip>
+          <a:stretch>
+            <a:fillRect/>
+          </a:stretch>
+        </p:blipFill>
+        <p:spPr>
+          <a:xfrm>
+            <a:off x="417270" y="1501041"/>
+            <a:ext cx="8175111" cy="4888035"/>
+          </a:xfrm>
+          <a:prstGeom prst="rect">
+            <a:avLst/>
+          </a:prstGeom>
+        </p:spPr>
+      </p:pic>
+    </p:spTree>
+    <p:extLst>
+      <p:ext uri="{BB962C8B-B14F-4D97-AF65-F5344CB8AC3E}">
+        <p14:creationId xmlns:p14="http://schemas.microsoft.com/office/powerpoint/2010/main" val="2276325601"/>
+      </p:ext>
+    </p:extLst>
+  </p:cSld>
+  <p:clrMapOvr>
+    <a:masterClrMapping/>
+  </p:clrMapOvr>
+  <p:timing>
+    <p:tnLst>
+      <p:par>
+        <p:cTn id="1" dur="indefinite" restart="never" nodeType="tmRoot">
+          <p:childTnLst>
+            <p:seq concurrent="1" nextAc="seek">
+              <p:cTn id="2" dur="indefinite" nodeType="mainSeq">
+                <p:childTnLst>
+                  <p:par>
+                    <p:cTn id="3" fill="hold">
+                      <p:stCondLst>
+                        <p:cond delay="indefinite"/>
+                        <p:cond evt="onBegin" delay="0">
+                          <p:tn val="2"/>
+                        </p:cond>
+                      </p:stCondLst>
+                      <p:childTnLst>
+                        <p:par>
+                          <p:cTn id="4" fill="hold">
+                            <p:stCondLst>
+                              <p:cond delay="0"/>
+                            </p:stCondLst>
+                            <p:childTnLst>
+                              <p:par>
+                                <p:cTn id="5" presetID="47" presetClass="entr" presetSubtype="0" fill="hold" grpId="0" nodeType="withEffect">
+                                  <p:stCondLst>
+                                    <p:cond delay="0"/>
+                                  </p:stCondLst>
+                                  <p:childTnLst>
+                                    <p:set>
+                                      <p:cBhvr>
+                                        <p:cTn id="6" dur="1" fill="hold">
+                                          <p:stCondLst>
+                                            <p:cond delay="0"/>
+                                          </p:stCondLst>
+                                        </p:cTn>
+                                        <p:tgtEl>
+                                          <p:spTgt spid="6"/>
+                                        </p:tgtEl>
+                                        <p:attrNameLst>
+                                          <p:attrName>style.visibility</p:attrName>
+                                        </p:attrNameLst>
+                                      </p:cBhvr>
+                                      <p:to>
+                                        <p:strVal val="visible"/>
+                                      </p:to>
+                                    </p:set>
+                                    <p:animEffect transition="in" filter="fade">
+                                      <p:cBhvr>
+                                        <p:cTn id="7" dur="1000"/>
+                                        <p:tgtEl>
+                                          <p:spTgt spid="6"/>
+                                        </p:tgtEl>
+                                      </p:cBhvr>
+                                    </p:animEffect>
+                                    <p:anim calcmode="lin" valueType="num">
+                                      <p:cBhvr>
+                                        <p:cTn id="8" dur="1000" fill="hold"/>
+                                        <p:tgtEl>
+                                          <p:spTgt spid="6"/>
+                                        </p:tgtEl>
+                                        <p:attrNameLst>
+                                          <p:attrName>ppt_x</p:attrName>
+                                        </p:attrNameLst>
+                                      </p:cBhvr>
+                                      <p:tavLst>
+                                        <p:tav tm="0">
+                                          <p:val>
+                                            <p:strVal val="#ppt_x"/>
+                                          </p:val>
+                                        </p:tav>
+                                        <p:tav tm="100000">
+                                          <p:val>
+                                            <p:strVal val="#ppt_x"/>
+                                          </p:val>
+                                        </p:tav>
+                                      </p:tavLst>
+                                    </p:anim>
+                                    <p:anim calcmode="lin" valueType="num">
+                                      <p:cBhvr>
+                                        <p:cTn id="9" dur="1000" fill="hold"/>
+                                        <p:tgtEl>
+                                          <p:spTgt spid="6"/>
+                                        </p:tgtEl>
+                                        <p:attrNameLst>
+                                          <p:attrName>ppt_y</p:attrName>
+                                        </p:attrNameLst>
+                                      </p:cBhvr>
+                                      <p:tavLst>
+                                        <p:tav tm="0">
+                                          <p:val>
+                                            <p:strVal val="#ppt_y-.1"/>
+                                          </p:val>
+                                        </p:tav>
+                                        <p:tav tm="100000">
+                                          <p:val>
+                                            <p:strVal val="#ppt_y"/>
+                                          </p:val>
+                                        </p:tav>
+                                      </p:tavLst>
+                                    </p:anim>
+                                  </p:childTnLst>
+                                </p:cTn>
+                              </p:par>
+                            </p:childTnLst>
+                          </p:cTn>
+                        </p:par>
+                      </p:childTnLst>
+                    </p:cTn>
+                  </p:par>
+                </p:childTnLst>
+              </p:cTn>
+              <p:prevCondLst>
+                <p:cond evt="onPrev" delay="0">
+                  <p:tgtEl>
+                    <p:sldTgt/>
+                  </p:tgtEl>
+                </p:cond>
+              </p:prevCondLst>
+              <p:nextCondLst>
+                <p:cond evt="onNext" delay="0">
+                  <p:tgtEl>
+                    <p:sldTgt/>
+                  </p:tgtEl>
+                </p:cond>
+              </p:nextCondLst>
+            </p:seq>
+          </p:childTnLst>
+        </p:cTn>
+      </p:par>
+    </p:tnLst>
+    <p:bldLst>
+      <p:bldP spid="6" grpId="0"/>
+    </p:bldLst>
+  </p:timing>
+</p:sld>
+</file>
+
+<file path=ppt/slides/slide14.xml><?xml version="1.0" encoding="utf-8"?>
+<p:sld xmlns:a="http://schemas.openxmlformats.org/drawingml/2006/main" xmlns:r="http://schemas.openxmlformats.org/officeDocument/2006/relationships" xmlns:p="http://schemas.openxmlformats.org/presentationml/2006/main">
+  <p:cSld>
+    <p:spTree>
+      <p:nvGrpSpPr>
+        <p:cNvPr id="1" name=""/>
+        <p:cNvGrpSpPr/>
+        <p:nvPr/>
+      </p:nvGrpSpPr>
+      <p:grpSpPr>
+        <a:xfrm>
+          <a:off x="0" y="0"/>
+          <a:ext cx="0" cy="0"/>
+          <a:chOff x="0" y="0"/>
+          <a:chExt cx="0" cy="0"/>
+        </a:xfrm>
+      </p:grpSpPr>
+      <p:sp>
+        <p:nvSpPr>
           <p:cNvPr id="4" name="任意多边形: 形状 3"/>
           <p:cNvSpPr/>
           <p:nvPr/>
@@ -7967,7 +8398,7 @@
 </p:sld>
 </file>
 
-<file path=ppt/slides/slide14.xml><?xml version="1.0" encoding="utf-8"?>
+<file path=ppt/slides/slide15.xml><?xml version="1.0" encoding="utf-8"?>
 <p:sld xmlns:a="http://schemas.openxmlformats.org/drawingml/2006/main" xmlns:r="http://schemas.openxmlformats.org/officeDocument/2006/relationships" xmlns:p="http://schemas.openxmlformats.org/presentationml/2006/main">
   <p:cSld>
     <p:spTree>
@@ -8254,7 +8685,7 @@
 </p:sld>
 </file>
 
-<file path=ppt/slides/slide15.xml><?xml version="1.0" encoding="utf-8"?>
+<file path=ppt/slides/slide16.xml><?xml version="1.0" encoding="utf-8"?>
 <p:sld xmlns:a="http://schemas.openxmlformats.org/drawingml/2006/main" xmlns:r="http://schemas.openxmlformats.org/officeDocument/2006/relationships" xmlns:p="http://schemas.openxmlformats.org/presentationml/2006/main">
   <p:cSld>
     <p:spTree>
@@ -8742,7 +9173,7 @@
 </p:sld>
 </file>
 
-<file path=ppt/slides/slide16.xml><?xml version="1.0" encoding="utf-8"?>
+<file path=ppt/slides/slide17.xml><?xml version="1.0" encoding="utf-8"?>
 <p:sld xmlns:a="http://schemas.openxmlformats.org/drawingml/2006/main" xmlns:r="http://schemas.openxmlformats.org/officeDocument/2006/relationships" xmlns:p="http://schemas.openxmlformats.org/presentationml/2006/main">
   <p:cSld>
     <p:spTree>

--- a/RSA_Crypto_罗楷轩.pptx
+++ b/RSA_Crypto_罗楷轩.pptx
@@ -5,7 +5,7 @@
     <p:sldMasterId id="2147483648" r:id="rId1"/>
   </p:sldMasterIdLst>
   <p:notesMasterIdLst>
-    <p:notesMasterId r:id="rId19"/>
+    <p:notesMasterId r:id="rId20"/>
   </p:notesMasterIdLst>
   <p:sldIdLst>
     <p:sldId id="256" r:id="rId2"/>
@@ -20,11 +20,12 @@
     <p:sldId id="310" r:id="rId11"/>
     <p:sldId id="311" r:id="rId12"/>
     <p:sldId id="315" r:id="rId13"/>
-    <p:sldId id="316" r:id="rId14"/>
-    <p:sldId id="313" r:id="rId15"/>
-    <p:sldId id="314" r:id="rId16"/>
-    <p:sldId id="304" r:id="rId17"/>
-    <p:sldId id="305" r:id="rId18"/>
+    <p:sldId id="317" r:id="rId14"/>
+    <p:sldId id="316" r:id="rId15"/>
+    <p:sldId id="313" r:id="rId16"/>
+    <p:sldId id="314" r:id="rId17"/>
+    <p:sldId id="304" r:id="rId18"/>
+    <p:sldId id="305" r:id="rId19"/>
   </p:sldIdLst>
   <p:sldSz cx="9144000" cy="6858000" type="screen4x3"/>
   <p:notesSz cx="6858000" cy="9144000"/>
@@ -7364,6 +7365,436 @@
       </p:sp>
       <p:pic>
         <p:nvPicPr>
+          <p:cNvPr id="4" name="Picture 3">
+            <a:extLst>
+              <a:ext uri="{FF2B5EF4-FFF2-40B4-BE49-F238E27FC236}">
+                <a16:creationId xmlns:a16="http://schemas.microsoft.com/office/drawing/2014/main" id="{E78DCEE7-E7BD-924F-A726-0FA1DD81CA51}"/>
+              </a:ext>
+            </a:extLst>
+          </p:cNvPr>
+          <p:cNvPicPr>
+            <a:picLocks noChangeAspect="1"/>
+          </p:cNvPicPr>
+          <p:nvPr/>
+        </p:nvPicPr>
+        <p:blipFill>
+          <a:blip r:embed="rId2">
+            <a:extLst>
+              <a:ext uri="{28A0092B-C50C-407E-A947-70E740481C1C}">
+                <a14:useLocalDpi xmlns:a14="http://schemas.microsoft.com/office/drawing/2010/main" val="0"/>
+              </a:ext>
+            </a:extLst>
+          </a:blip>
+          <a:stretch>
+            <a:fillRect/>
+          </a:stretch>
+        </p:blipFill>
+        <p:spPr>
+          <a:xfrm>
+            <a:off x="0" y="1927927"/>
+            <a:ext cx="9144000" cy="3002145"/>
+          </a:xfrm>
+          <a:prstGeom prst="rect">
+            <a:avLst/>
+          </a:prstGeom>
+        </p:spPr>
+      </p:pic>
+    </p:spTree>
+    <p:extLst>
+      <p:ext uri="{BB962C8B-B14F-4D97-AF65-F5344CB8AC3E}">
+        <p14:creationId xmlns:p14="http://schemas.microsoft.com/office/powerpoint/2010/main" val="3956331230"/>
+      </p:ext>
+    </p:extLst>
+  </p:cSld>
+  <p:clrMapOvr>
+    <a:masterClrMapping/>
+  </p:clrMapOvr>
+  <p:timing>
+    <p:tnLst>
+      <p:par>
+        <p:cTn id="1" dur="indefinite" restart="never" nodeType="tmRoot">
+          <p:childTnLst>
+            <p:seq concurrent="1" nextAc="seek">
+              <p:cTn id="2" dur="indefinite" nodeType="mainSeq">
+                <p:childTnLst>
+                  <p:par>
+                    <p:cTn id="3" fill="hold">
+                      <p:stCondLst>
+                        <p:cond delay="indefinite"/>
+                        <p:cond evt="onBegin" delay="0">
+                          <p:tn val="2"/>
+                        </p:cond>
+                      </p:stCondLst>
+                      <p:childTnLst>
+                        <p:par>
+                          <p:cTn id="4" fill="hold">
+                            <p:stCondLst>
+                              <p:cond delay="0"/>
+                            </p:stCondLst>
+                            <p:childTnLst>
+                              <p:par>
+                                <p:cTn id="5" presetID="47" presetClass="entr" presetSubtype="0" fill="hold" grpId="0" nodeType="withEffect">
+                                  <p:stCondLst>
+                                    <p:cond delay="0"/>
+                                  </p:stCondLst>
+                                  <p:childTnLst>
+                                    <p:set>
+                                      <p:cBhvr>
+                                        <p:cTn id="6" dur="1" fill="hold">
+                                          <p:stCondLst>
+                                            <p:cond delay="0"/>
+                                          </p:stCondLst>
+                                        </p:cTn>
+                                        <p:tgtEl>
+                                          <p:spTgt spid="6"/>
+                                        </p:tgtEl>
+                                        <p:attrNameLst>
+                                          <p:attrName>style.visibility</p:attrName>
+                                        </p:attrNameLst>
+                                      </p:cBhvr>
+                                      <p:to>
+                                        <p:strVal val="visible"/>
+                                      </p:to>
+                                    </p:set>
+                                    <p:animEffect transition="in" filter="fade">
+                                      <p:cBhvr>
+                                        <p:cTn id="7" dur="1000"/>
+                                        <p:tgtEl>
+                                          <p:spTgt spid="6"/>
+                                        </p:tgtEl>
+                                      </p:cBhvr>
+                                    </p:animEffect>
+                                    <p:anim calcmode="lin" valueType="num">
+                                      <p:cBhvr>
+                                        <p:cTn id="8" dur="1000" fill="hold"/>
+                                        <p:tgtEl>
+                                          <p:spTgt spid="6"/>
+                                        </p:tgtEl>
+                                        <p:attrNameLst>
+                                          <p:attrName>ppt_x</p:attrName>
+                                        </p:attrNameLst>
+                                      </p:cBhvr>
+                                      <p:tavLst>
+                                        <p:tav tm="0">
+                                          <p:val>
+                                            <p:strVal val="#ppt_x"/>
+                                          </p:val>
+                                        </p:tav>
+                                        <p:tav tm="100000">
+                                          <p:val>
+                                            <p:strVal val="#ppt_x"/>
+                                          </p:val>
+                                        </p:tav>
+                                      </p:tavLst>
+                                    </p:anim>
+                                    <p:anim calcmode="lin" valueType="num">
+                                      <p:cBhvr>
+                                        <p:cTn id="9" dur="1000" fill="hold"/>
+                                        <p:tgtEl>
+                                          <p:spTgt spid="6"/>
+                                        </p:tgtEl>
+                                        <p:attrNameLst>
+                                          <p:attrName>ppt_y</p:attrName>
+                                        </p:attrNameLst>
+                                      </p:cBhvr>
+                                      <p:tavLst>
+                                        <p:tav tm="0">
+                                          <p:val>
+                                            <p:strVal val="#ppt_y-.1"/>
+                                          </p:val>
+                                        </p:tav>
+                                        <p:tav tm="100000">
+                                          <p:val>
+                                            <p:strVal val="#ppt_y"/>
+                                          </p:val>
+                                        </p:tav>
+                                      </p:tavLst>
+                                    </p:anim>
+                                  </p:childTnLst>
+                                </p:cTn>
+                              </p:par>
+                            </p:childTnLst>
+                          </p:cTn>
+                        </p:par>
+                      </p:childTnLst>
+                    </p:cTn>
+                  </p:par>
+                </p:childTnLst>
+              </p:cTn>
+              <p:prevCondLst>
+                <p:cond evt="onPrev" delay="0">
+                  <p:tgtEl>
+                    <p:sldTgt/>
+                  </p:tgtEl>
+                </p:cond>
+              </p:prevCondLst>
+              <p:nextCondLst>
+                <p:cond evt="onNext" delay="0">
+                  <p:tgtEl>
+                    <p:sldTgt/>
+                  </p:tgtEl>
+                </p:cond>
+              </p:nextCondLst>
+            </p:seq>
+          </p:childTnLst>
+        </p:cTn>
+      </p:par>
+    </p:tnLst>
+    <p:bldLst>
+      <p:bldP spid="6" grpId="0"/>
+    </p:bldLst>
+  </p:timing>
+</p:sld>
+</file>
+
+<file path=ppt/slides/slide14.xml><?xml version="1.0" encoding="utf-8"?>
+<p:sld xmlns:a="http://schemas.openxmlformats.org/drawingml/2006/main" xmlns:r="http://schemas.openxmlformats.org/officeDocument/2006/relationships" xmlns:p="http://schemas.openxmlformats.org/presentationml/2006/main">
+  <p:cSld>
+    <p:spTree>
+      <p:nvGrpSpPr>
+        <p:cNvPr id="1" name=""/>
+        <p:cNvGrpSpPr/>
+        <p:nvPr/>
+      </p:nvGrpSpPr>
+      <p:grpSpPr>
+        <a:xfrm>
+          <a:off x="0" y="0"/>
+          <a:ext cx="0" cy="0"/>
+          <a:chOff x="0" y="0"/>
+          <a:chExt cx="0" cy="0"/>
+        </a:xfrm>
+      </p:grpSpPr>
+      <p:sp>
+        <p:nvSpPr>
+          <p:cNvPr id="6" name="文本框 11"/>
+          <p:cNvSpPr txBox="1"/>
+          <p:nvPr/>
+        </p:nvSpPr>
+        <p:spPr>
+          <a:xfrm>
+            <a:off x="1377512" y="1613539"/>
+            <a:ext cx="1207383" cy="369332"/>
+          </a:xfrm>
+          <a:prstGeom prst="rect">
+            <a:avLst/>
+          </a:prstGeom>
+          <a:noFill/>
+          <a:effectLst>
+            <a:reflection endPos="35000" dir="5400000" sy="-100000" algn="bl" rotWithShape="0"/>
+          </a:effectLst>
+        </p:spPr>
+        <p:txBody>
+          <a:bodyPr wrap="none" rtlCol="0">
+            <a:spAutoFit/>
+            <a:scene3d>
+              <a:camera prst="orthographicFront"/>
+              <a:lightRig rig="threePt" dir="t"/>
+            </a:scene3d>
+            <a:sp3d>
+              <a:bevelT w="0" h="0"/>
+              <a:bevelB w="0" h="0"/>
+            </a:sp3d>
+          </a:bodyPr>
+          <a:lstStyle/>
+          <a:p>
+            <a:pPr algn="ctr"/>
+            <a:r>
+              <a:rPr lang="en-US" altLang="zh-CN" b="1" dirty="0">
+                <a:solidFill>
+                  <a:schemeClr val="bg1"/>
+                </a:solidFill>
+                <a:latin typeface="+mj-ea"/>
+                <a:ea typeface="+mj-ea"/>
+              </a:rPr>
+              <a:t>Encryption</a:t>
+            </a:r>
+            <a:endParaRPr lang="zh-CN" altLang="en-US" b="1" dirty="0">
+              <a:solidFill>
+                <a:schemeClr val="bg1"/>
+              </a:solidFill>
+              <a:latin typeface="+mj-ea"/>
+              <a:ea typeface="+mj-ea"/>
+            </a:endParaRPr>
+          </a:p>
+        </p:txBody>
+      </p:sp>
+      <p:sp>
+        <p:nvSpPr>
+          <p:cNvPr id="9" name="文本框 13"/>
+          <p:cNvSpPr txBox="1"/>
+          <p:nvPr/>
+        </p:nvSpPr>
+        <p:spPr>
+          <a:xfrm>
+            <a:off x="0" y="132559"/>
+            <a:ext cx="9147492" cy="1077218"/>
+          </a:xfrm>
+          <a:prstGeom prst="rect">
+            <a:avLst/>
+          </a:prstGeom>
+          <a:solidFill>
+            <a:srgbClr val="F9B359"/>
+          </a:solidFill>
+        </p:spPr>
+        <p:txBody>
+          <a:bodyPr wrap="square" rtlCol="0">
+            <a:spAutoFit/>
+          </a:bodyPr>
+          <a:lstStyle>
+            <a:defPPr>
+              <a:defRPr lang="zh-CN"/>
+            </a:defPPr>
+            <a:lvl1pPr algn="ctr">
+              <a:defRPr sz="4000" b="1">
+                <a:solidFill>
+                  <a:srgbClr val="FCFCFD"/>
+                </a:solidFill>
+                <a:latin typeface="+mj-ea"/>
+                <a:ea typeface="+mj-ea"/>
+              </a:defRPr>
+            </a:lvl1pPr>
+          </a:lstStyle>
+          <a:p>
+            <a:r>
+              <a:rPr lang="en-US" altLang="zh-CN" sz="3200" dirty="0">
+                <a:solidFill>
+                  <a:schemeClr val="bg1"/>
+                </a:solidFill>
+              </a:rPr>
+              <a:t>Application</a:t>
+            </a:r>
+            <a:r>
+              <a:rPr lang="zh-CN" altLang="en-US" sz="3200" dirty="0">
+                <a:solidFill>
+                  <a:schemeClr val="bg1"/>
+                </a:solidFill>
+              </a:rPr>
+              <a:t> </a:t>
+            </a:r>
+            <a:r>
+              <a:rPr lang="en-US" altLang="zh-CN" sz="3200" dirty="0">
+                <a:solidFill>
+                  <a:schemeClr val="bg1"/>
+                </a:solidFill>
+              </a:rPr>
+              <a:t>–</a:t>
+            </a:r>
+            <a:r>
+              <a:rPr lang="zh-CN" altLang="en-US" sz="3200" dirty="0">
+                <a:solidFill>
+                  <a:schemeClr val="bg1"/>
+                </a:solidFill>
+              </a:rPr>
+              <a:t> </a:t>
+            </a:r>
+            <a:r>
+              <a:rPr lang="en-US" altLang="zh-CN" sz="3200" dirty="0">
+                <a:solidFill>
+                  <a:schemeClr val="bg1"/>
+                </a:solidFill>
+              </a:rPr>
+              <a:t>Secure</a:t>
+            </a:r>
+            <a:r>
+              <a:rPr lang="zh-CN" altLang="en-US" sz="3200" dirty="0">
+                <a:solidFill>
+                  <a:schemeClr val="bg1"/>
+                </a:solidFill>
+              </a:rPr>
+              <a:t> </a:t>
+            </a:r>
+            <a:r>
+              <a:rPr lang="en-US" altLang="zh-CN" sz="3200" dirty="0">
+                <a:solidFill>
+                  <a:schemeClr val="bg1"/>
+                </a:solidFill>
+              </a:rPr>
+              <a:t>Data</a:t>
+            </a:r>
+            <a:r>
+              <a:rPr lang="zh-CN" altLang="en-US" sz="3200" dirty="0">
+                <a:solidFill>
+                  <a:schemeClr val="bg1"/>
+                </a:solidFill>
+              </a:rPr>
+              <a:t> </a:t>
+            </a:r>
+            <a:r>
+              <a:rPr lang="en-US" altLang="zh-CN" sz="3200" dirty="0">
+                <a:solidFill>
+                  <a:schemeClr val="bg1"/>
+                </a:solidFill>
+              </a:rPr>
+              <a:t>Transmission</a:t>
+            </a:r>
+          </a:p>
+          <a:p>
+            <a:r>
+              <a:rPr lang="en-US" altLang="zh-CN" sz="3200" dirty="0">
+                <a:solidFill>
+                  <a:schemeClr val="bg1"/>
+                </a:solidFill>
+              </a:rPr>
+              <a:t>Especially</a:t>
+            </a:r>
+            <a:r>
+              <a:rPr lang="zh-CN" altLang="en-US" sz="3200" dirty="0">
+                <a:solidFill>
+                  <a:schemeClr val="bg1"/>
+                </a:solidFill>
+              </a:rPr>
+              <a:t> </a:t>
+            </a:r>
+            <a:r>
+              <a:rPr lang="en-US" altLang="zh-CN" sz="3200" dirty="0">
+                <a:solidFill>
+                  <a:schemeClr val="bg1"/>
+                </a:solidFill>
+              </a:rPr>
+              <a:t>on</a:t>
+            </a:r>
+            <a:r>
+              <a:rPr lang="zh-CN" altLang="en-US" sz="3200" dirty="0">
+                <a:solidFill>
+                  <a:schemeClr val="bg1"/>
+                </a:solidFill>
+              </a:rPr>
+              <a:t> </a:t>
+            </a:r>
+            <a:r>
+              <a:rPr lang="en-US" altLang="zh-CN" sz="3200" dirty="0">
+                <a:solidFill>
+                  <a:schemeClr val="bg1"/>
+                </a:solidFill>
+              </a:rPr>
+              <a:t>the</a:t>
+            </a:r>
+            <a:r>
+              <a:rPr lang="zh-CN" altLang="en-US" sz="3200" dirty="0">
+                <a:solidFill>
+                  <a:schemeClr val="bg1"/>
+                </a:solidFill>
+              </a:rPr>
+              <a:t> </a:t>
+            </a:r>
+            <a:r>
+              <a:rPr lang="en-US" altLang="zh-CN" sz="3200" dirty="0">
+                <a:solidFill>
+                  <a:schemeClr val="bg1"/>
+                </a:solidFill>
+              </a:rPr>
+              <a:t>Internet</a:t>
+            </a:r>
+            <a:endParaRPr lang="zh-CN" altLang="en-US" sz="3200" dirty="0">
+              <a:solidFill>
+                <a:schemeClr val="bg1"/>
+              </a:solidFill>
+            </a:endParaRPr>
+          </a:p>
+        </p:txBody>
+      </p:sp>
+      <p:pic>
+        <p:nvPicPr>
           <p:cNvPr id="3" name="Picture 2">
             <a:extLst>
               <a:ext uri="{FF2B5EF4-FFF2-40B4-BE49-F238E27FC236}">
@@ -7546,7 +7977,7 @@
 </p:sld>
 </file>
 
-<file path=ppt/slides/slide14.xml><?xml version="1.0" encoding="utf-8"?>
+<file path=ppt/slides/slide15.xml><?xml version="1.0" encoding="utf-8"?>
 <p:sld xmlns:a="http://schemas.openxmlformats.org/drawingml/2006/main" xmlns:r="http://schemas.openxmlformats.org/officeDocument/2006/relationships" xmlns:p="http://schemas.openxmlformats.org/presentationml/2006/main">
   <p:cSld>
     <p:spTree>
@@ -8398,7 +8829,7 @@
 </p:sld>
 </file>
 
-<file path=ppt/slides/slide15.xml><?xml version="1.0" encoding="utf-8"?>
+<file path=ppt/slides/slide16.xml><?xml version="1.0" encoding="utf-8"?>
 <p:sld xmlns:a="http://schemas.openxmlformats.org/drawingml/2006/main" xmlns:r="http://schemas.openxmlformats.org/officeDocument/2006/relationships" xmlns:p="http://schemas.openxmlformats.org/presentationml/2006/main">
   <p:cSld>
     <p:spTree>
@@ -8685,7 +9116,7 @@
 </p:sld>
 </file>
 
-<file path=ppt/slides/slide16.xml><?xml version="1.0" encoding="utf-8"?>
+<file path=ppt/slides/slide17.xml><?xml version="1.0" encoding="utf-8"?>
 <p:sld xmlns:a="http://schemas.openxmlformats.org/drawingml/2006/main" xmlns:r="http://schemas.openxmlformats.org/officeDocument/2006/relationships" xmlns:p="http://schemas.openxmlformats.org/presentationml/2006/main">
   <p:cSld>
     <p:spTree>
@@ -9173,7 +9604,7 @@
 </p:sld>
 </file>
 
-<file path=ppt/slides/slide17.xml><?xml version="1.0" encoding="utf-8"?>
+<file path=ppt/slides/slide18.xml><?xml version="1.0" encoding="utf-8"?>
 <p:sld xmlns:a="http://schemas.openxmlformats.org/drawingml/2006/main" xmlns:r="http://schemas.openxmlformats.org/officeDocument/2006/relationships" xmlns:p="http://schemas.openxmlformats.org/presentationml/2006/main">
   <p:cSld>
     <p:spTree>
